--- a/Presentation.pptx
+++ b/Presentation.pptx
@@ -5,24 +5,25 @@
     <p:sldMasterId id="2147483648" r:id="rId4"/>
   </p:sldMasterIdLst>
   <p:notesMasterIdLst>
-    <p:notesMasterId r:id="rId17"/>
+    <p:notesMasterId r:id="rId18"/>
   </p:notesMasterIdLst>
   <p:handoutMasterIdLst>
-    <p:handoutMasterId r:id="rId18"/>
+    <p:handoutMasterId r:id="rId19"/>
   </p:handoutMasterIdLst>
   <p:sldIdLst>
     <p:sldId id="256" r:id="rId5"/>
-    <p:sldId id="270" r:id="rId6"/>
-    <p:sldId id="269" r:id="rId7"/>
-    <p:sldId id="257" r:id="rId8"/>
-    <p:sldId id="258" r:id="rId9"/>
-    <p:sldId id="262" r:id="rId10"/>
-    <p:sldId id="265" r:id="rId11"/>
-    <p:sldId id="259" r:id="rId12"/>
-    <p:sldId id="260" r:id="rId13"/>
-    <p:sldId id="261" r:id="rId14"/>
-    <p:sldId id="266" r:id="rId15"/>
-    <p:sldId id="271" r:id="rId16"/>
+    <p:sldId id="258" r:id="rId6"/>
+    <p:sldId id="270" r:id="rId7"/>
+    <p:sldId id="269" r:id="rId8"/>
+    <p:sldId id="266" r:id="rId9"/>
+    <p:sldId id="272" r:id="rId10"/>
+    <p:sldId id="273" r:id="rId11"/>
+    <p:sldId id="274" r:id="rId12"/>
+    <p:sldId id="276" r:id="rId13"/>
+    <p:sldId id="275" r:id="rId14"/>
+    <p:sldId id="277" r:id="rId15"/>
+    <p:sldId id="261" r:id="rId16"/>
+    <p:sldId id="271" r:id="rId17"/>
   </p:sldIdLst>
   <p:sldSz cx="12192000" cy="6858000"/>
   <p:notesSz cx="6858000" cy="9144000"/>
@@ -130,6 +131,39 @@
     </p:ext>
   </p:extLst>
 </p:presentation>
+</file>
+
+<file path=ppt/authors.xml><?xml version="1.0" encoding="utf-8"?>
+<p188:authorLst xmlns:a="http://schemas.openxmlformats.org/drawingml/2006/main" xmlns:r="http://schemas.openxmlformats.org/officeDocument/2006/relationships" xmlns:p188="http://schemas.microsoft.com/office/powerpoint/2018/8/main">
+  <p188:author id="{513AC0FE-C0DD-1142-4F36-E67CEC7ACC21}" name="Rachel Novak" initials="RN" userId="87f545abb3f4d407" providerId="Windows Live"/>
+</p188:authorLst>
+</file>
+
+<file path=ppt/comments/modernComment_102_D4E103CF.xml><?xml version="1.0" encoding="utf-8"?>
+<p188:cmLst xmlns:a="http://schemas.openxmlformats.org/drawingml/2006/main" xmlns:r="http://schemas.openxmlformats.org/officeDocument/2006/relationships" xmlns:p188="http://schemas.microsoft.com/office/powerpoint/2018/8/main">
+  <p188:cm id="{48EABC96-7D91-2947-9600-3219E3B0E5E7}" authorId="{513AC0FE-C0DD-1142-4F36-E67CEC7ACC21}" created="2023-02-12T03:55:25.188">
+    <ac:txMkLst xmlns:ac="http://schemas.microsoft.com/office/drawing/2013/main/command">
+      <pc:docMk xmlns:pc="http://schemas.microsoft.com/office/powerpoint/2013/main/command"/>
+      <pc:sldMk xmlns:pc="http://schemas.microsoft.com/office/powerpoint/2013/main/command" cId="3571516367" sldId="258"/>
+      <ac:spMk id="3" creationId="{9D5232F9-FD00-464A-9F17-619C91AEF8F3}"/>
+      <ac:txMk cp="150" len="46">
+        <ac:context len="264" hash="1071516556"/>
+      </ac:txMk>
+    </ac:txMkLst>
+    <p188:pos x="4084568" y="1507574"/>
+    <p188:txBody>
+      <a:bodyPr/>
+      <a:lstStyle/>
+      <a:p>
+        <a:r>
+          <a:rPr lang="en-US"/>
+          <a:t>We might want to add more questions that reflect what data we now have.
+</a:t>
+        </a:r>
+      </a:p>
+    </p188:txBody>
+  </p188:cm>
+</p188:cmLst>
 </file>
 
 <file path=ppt/diagrams/colors1.xml><?xml version="1.0" encoding="utf-8"?>
@@ -912,17 +946,14 @@
             </a:spcAft>
             <a:buNone/>
           </a:pPr>
-          <a:r>
-            <a:rPr lang="en-US" sz="1400" kern="1200" spc="50" baseline="0" dirty="0">
-              <a:solidFill>
-                <a:srgbClr val="FF0000"/>
-              </a:solidFill>
-              <a:latin typeface="Tenorite"/>
-              <a:ea typeface="+mn-ea"/>
-              <a:cs typeface="+mn-cs"/>
-            </a:rPr>
-            <a:t>Deploy strategic networks with compelling e-business needs</a:t>
-          </a:r>
+          <a:endParaRPr lang="en-US" sz="1400" kern="1200" spc="50" baseline="0" dirty="0">
+            <a:solidFill>
+              <a:srgbClr val="FF0000"/>
+            </a:solidFill>
+            <a:latin typeface="Tenorite"/>
+            <a:ea typeface="+mn-ea"/>
+            <a:cs typeface="+mn-cs"/>
+          </a:endParaRPr>
         </a:p>
       </dgm:t>
     </dgm:pt>
@@ -1086,7 +1117,21 @@
               <a:ea typeface="+mn-ea"/>
               <a:cs typeface="+mn-cs"/>
             </a:rPr>
-            <a:t>Found a gaming </a:t>
+            <a:t>Found a </a:t>
+          </a:r>
+        </a:p>
+        <a:p>
+          <a:pPr marL="0"/>
+          <a:r>
+            <a:rPr lang="en-US" sz="1600" kern="1200" spc="150" baseline="0" dirty="0">
+              <a:solidFill>
+                <a:prstClr val="black"/>
+              </a:solidFill>
+              <a:latin typeface="Tenorite"/>
+              <a:ea typeface="+mn-ea"/>
+              <a:cs typeface="+mn-cs"/>
+            </a:rPr>
+            <a:t>gaming </a:t>
           </a:r>
           <a:r>
             <a:rPr lang="en-US" sz="1600" kern="1200" spc="150" baseline="0" dirty="0" err="1">
@@ -1276,7 +1321,52 @@
               <a:ea typeface="+mn-ea"/>
               <a:cs typeface="+mn-cs"/>
             </a:rPr>
-            <a:t>Wrote loops upon loops to retrieve the datapoints we wanted to compare. We were not able to pull  </a:t>
+            <a:t>Wrote loops upon loops to retrieve the datapoints we wanted to compare. </a:t>
+          </a:r>
+        </a:p>
+        <a:p>
+          <a:pPr marL="0" lvl="0" indent="0" algn="l" defTabSz="666750">
+            <a:lnSpc>
+              <a:spcPct val="100000"/>
+            </a:lnSpc>
+            <a:spcBef>
+              <a:spcPct val="0"/>
+            </a:spcBef>
+            <a:spcAft>
+              <a:spcPct val="35000"/>
+            </a:spcAft>
+            <a:buNone/>
+          </a:pPr>
+          <a:br>
+            <a:rPr lang="en-US" sz="1400" kern="1200" spc="50" baseline="0" dirty="0">
+              <a:solidFill>
+                <a:prstClr val="black">
+                  <a:hueOff val="0"/>
+                  <a:satOff val="0"/>
+                  <a:lumOff val="0"/>
+                  <a:alphaOff val="0"/>
+                </a:prstClr>
+              </a:solidFill>
+              <a:latin typeface="Tenorite"/>
+              <a:ea typeface="+mn-ea"/>
+              <a:cs typeface="+mn-cs"/>
+            </a:rPr>
+          </a:br>
+          <a:r>
+            <a:rPr lang="en-US" sz="1400" kern="1200" spc="50" baseline="0" dirty="0">
+              <a:solidFill>
+                <a:prstClr val="black">
+                  <a:hueOff val="0"/>
+                  <a:satOff val="0"/>
+                  <a:lumOff val="0"/>
+                  <a:alphaOff val="0"/>
+                </a:prstClr>
+              </a:solidFill>
+              <a:latin typeface="Tenorite"/>
+              <a:ea typeface="+mn-ea"/>
+              <a:cs typeface="+mn-cs"/>
+            </a:rPr>
+            <a:t>Needing to pulling in and loop through several pages to run in order to get a large enough data set. </a:t>
           </a:r>
         </a:p>
       </dgm:t>
@@ -1329,14 +1419,61 @@
           <a:r>
             <a:rPr lang="en-US" sz="1400" kern="1200" spc="50" baseline="0" dirty="0">
               <a:solidFill>
-                <a:srgbClr val="FF0000"/>
+                <a:schemeClr val="tx1"/>
               </a:solidFill>
               <a:latin typeface="Tenorite"/>
               <a:ea typeface="+mn-ea"/>
               <a:cs typeface="+mn-cs"/>
             </a:rPr>
-            <a:t>Foster holistically superior methodologies</a:t>
+            <a:t>We created several different series to compare a variety of variables to see where there was a trend.  </a:t>
           </a:r>
+        </a:p>
+        <a:p>
+          <a:pPr marL="0" lvl="0" indent="0" algn="l" defTabSz="666750" rtl="0">
+            <a:lnSpc>
+              <a:spcPct val="100000"/>
+            </a:lnSpc>
+            <a:spcBef>
+              <a:spcPct val="0"/>
+            </a:spcBef>
+            <a:spcAft>
+              <a:spcPct val="35000"/>
+            </a:spcAft>
+            <a:buNone/>
+          </a:pPr>
+          <a:r>
+            <a:rPr lang="en-US" sz="1400" kern="1200" spc="50" baseline="0" dirty="0">
+              <a:solidFill>
+                <a:schemeClr val="tx1"/>
+              </a:solidFill>
+              <a:latin typeface="Tenorite"/>
+              <a:ea typeface="+mn-ea"/>
+              <a:cs typeface="+mn-cs"/>
+            </a:rPr>
+            <a:t>We found several good correlations from our data displays.</a:t>
+          </a:r>
+        </a:p>
+        <a:p>
+          <a:pPr marL="0" lvl="0" indent="0" algn="l" defTabSz="666750" rtl="0">
+            <a:lnSpc>
+              <a:spcPct val="100000"/>
+            </a:lnSpc>
+            <a:spcBef>
+              <a:spcPct val="0"/>
+            </a:spcBef>
+            <a:spcAft>
+              <a:spcPct val="35000"/>
+            </a:spcAft>
+            <a:buNone/>
+          </a:pPr>
+          <a:endParaRPr lang="en-US" sz="1400" kern="1200" spc="50" baseline="0" dirty="0">
+            <a:solidFill>
+              <a:schemeClr val="tx1"/>
+            </a:solidFill>
+            <a:latin typeface="Tenorite"/>
+            <a:ea typeface="+mn-ea"/>
+            <a:cs typeface="+mn-cs"/>
+          </a:endParaRPr>
         </a:p>
       </dgm:t>
     </dgm:pt>
@@ -1641,7 +1778,7 @@
   <dgm:whole/>
   <dgm:extLst>
     <a:ext uri="http://schemas.microsoft.com/office/drawing/2008/diagram">
-      <dsp:dataModelExt xmlns:dsp="http://schemas.microsoft.com/office/drawing/2008/diagram" relId="rId6" minVer="http://schemas.openxmlformats.org/drawingml/2006/diagram"/>
+      <dsp:dataModelExt xmlns:dsp="http://schemas.microsoft.com/office/drawing/2008/diagram" relId="rId7" minVer="http://schemas.openxmlformats.org/drawingml/2006/diagram"/>
     </a:ext>
   </dgm:extLst>
 </dgm:dataModel>
@@ -1662,7 +1799,7 @@
       </dsp:nvSpPr>
       <dsp:spPr>
         <a:xfrm>
-          <a:off x="13760" y="293986"/>
+          <a:off x="13760" y="45935"/>
           <a:ext cx="2011384" cy="603415"/>
         </a:xfrm>
         <a:prstGeom prst="rect">
@@ -1737,7 +1874,7 @@
         </a:p>
       </dsp:txBody>
       <dsp:txXfrm>
-        <a:off x="13760" y="293986"/>
+        <a:off x="13760" y="45935"/>
         <a:ext cx="2011384" cy="603415"/>
       </dsp:txXfrm>
     </dsp:sp>
@@ -1748,8 +1885,8 @@
       </dsp:nvSpPr>
       <dsp:spPr>
         <a:xfrm>
-          <a:off x="13760" y="897402"/>
-          <a:ext cx="2011384" cy="2553524"/>
+          <a:off x="13760" y="649350"/>
+          <a:ext cx="2011384" cy="3049626"/>
         </a:xfrm>
         <a:prstGeom prst="rect">
           <a:avLst/>
@@ -1839,8 +1976,8 @@
         </a:p>
       </dsp:txBody>
       <dsp:txXfrm>
-        <a:off x="13760" y="897402"/>
-        <a:ext cx="2011384" cy="2553524"/>
+        <a:off x="13760" y="649350"/>
+        <a:ext cx="2011384" cy="3049626"/>
       </dsp:txXfrm>
     </dsp:sp>
     <dsp:sp modelId="{C4F84DEA-2002-4D32-8E80-70EEE05E345A}">
@@ -1850,7 +1987,7 @@
       </dsp:nvSpPr>
       <dsp:spPr>
         <a:xfrm>
-          <a:off x="2132933" y="293986"/>
+          <a:off x="2132933" y="45935"/>
           <a:ext cx="2011384" cy="603415"/>
         </a:xfrm>
         <a:prstGeom prst="rect">
@@ -1919,7 +2056,32 @@
               <a:ea typeface="+mn-ea"/>
               <a:cs typeface="+mn-cs"/>
             </a:rPr>
-            <a:t>Found a gaming </a:t>
+            <a:t>Found a </a:t>
+          </a:r>
+        </a:p>
+        <a:p>
+          <a:pPr marL="0" lvl="0" indent="0" algn="ctr" defTabSz="711200">
+            <a:lnSpc>
+              <a:spcPct val="90000"/>
+            </a:lnSpc>
+            <a:spcBef>
+              <a:spcPct val="0"/>
+            </a:spcBef>
+            <a:spcAft>
+              <a:spcPct val="35000"/>
+            </a:spcAft>
+            <a:buNone/>
+          </a:pPr>
+          <a:r>
+            <a:rPr lang="en-US" sz="1600" kern="1200" spc="150" baseline="0" dirty="0">
+              <a:solidFill>
+                <a:prstClr val="black"/>
+              </a:solidFill>
+              <a:latin typeface="Tenorite"/>
+              <a:ea typeface="+mn-ea"/>
+              <a:cs typeface="+mn-cs"/>
+            </a:rPr>
+            <a:t>gaming </a:t>
           </a:r>
           <a:r>
             <a:rPr lang="en-US" sz="1600" kern="1200" spc="150" baseline="0" dirty="0" err="1">
@@ -1943,7 +2105,7 @@
         </a:p>
       </dsp:txBody>
       <dsp:txXfrm>
-        <a:off x="2132933" y="293986"/>
+        <a:off x="2132933" y="45935"/>
         <a:ext cx="2011384" cy="603415"/>
       </dsp:txXfrm>
     </dsp:sp>
@@ -1954,8 +2116,8 @@
       </dsp:nvSpPr>
       <dsp:spPr>
         <a:xfrm>
-          <a:off x="2132933" y="897402"/>
-          <a:ext cx="2011384" cy="2553524"/>
+          <a:off x="2132933" y="649350"/>
+          <a:ext cx="2011384" cy="3049626"/>
         </a:xfrm>
         <a:prstGeom prst="rect">
           <a:avLst/>
@@ -2026,8 +2188,8 @@
         </a:p>
       </dsp:txBody>
       <dsp:txXfrm>
-        <a:off x="2132933" y="897402"/>
-        <a:ext cx="2011384" cy="2553524"/>
+        <a:off x="2132933" y="649350"/>
+        <a:ext cx="2011384" cy="3049626"/>
       </dsp:txXfrm>
     </dsp:sp>
     <dsp:sp modelId="{49B7F8FA-D256-41EF-9327-52A3551D9A60}">
@@ -2037,7 +2199,7 @@
       </dsp:nvSpPr>
       <dsp:spPr>
         <a:xfrm>
-          <a:off x="4252107" y="293986"/>
+          <a:off x="4252107" y="45935"/>
           <a:ext cx="2011384" cy="603415"/>
         </a:xfrm>
         <a:prstGeom prst="rect">
@@ -2111,7 +2273,7 @@
         </a:p>
       </dsp:txBody>
       <dsp:txXfrm>
-        <a:off x="4252107" y="293986"/>
+        <a:off x="4252107" y="45935"/>
         <a:ext cx="2011384" cy="603415"/>
       </dsp:txXfrm>
     </dsp:sp>
@@ -2122,8 +2284,8 @@
       </dsp:nvSpPr>
       <dsp:spPr>
         <a:xfrm>
-          <a:off x="4252107" y="897402"/>
-          <a:ext cx="2011384" cy="2553524"/>
+          <a:off x="4252107" y="649350"/>
+          <a:ext cx="2011384" cy="3049626"/>
         </a:xfrm>
         <a:prstGeom prst="rect">
           <a:avLst/>
@@ -2198,13 +2360,58 @@
               <a:ea typeface="+mn-ea"/>
               <a:cs typeface="+mn-cs"/>
             </a:rPr>
-            <a:t>Wrote loops upon loops to retrieve the datapoints we wanted to compare. We were not able to pull  </a:t>
+            <a:t>Wrote loops upon loops to retrieve the datapoints we wanted to compare. </a:t>
+          </a:r>
+        </a:p>
+        <a:p>
+          <a:pPr marL="0" lvl="0" indent="0" algn="l" defTabSz="666750">
+            <a:lnSpc>
+              <a:spcPct val="100000"/>
+            </a:lnSpc>
+            <a:spcBef>
+              <a:spcPct val="0"/>
+            </a:spcBef>
+            <a:spcAft>
+              <a:spcPct val="35000"/>
+            </a:spcAft>
+            <a:buNone/>
+          </a:pPr>
+          <a:br>
+            <a:rPr lang="en-US" sz="1400" kern="1200" spc="50" baseline="0" dirty="0">
+              <a:solidFill>
+                <a:prstClr val="black">
+                  <a:hueOff val="0"/>
+                  <a:satOff val="0"/>
+                  <a:lumOff val="0"/>
+                  <a:alphaOff val="0"/>
+                </a:prstClr>
+              </a:solidFill>
+              <a:latin typeface="Tenorite"/>
+              <a:ea typeface="+mn-ea"/>
+              <a:cs typeface="+mn-cs"/>
+            </a:rPr>
+          </a:br>
+          <a:r>
+            <a:rPr lang="en-US" sz="1400" kern="1200" spc="50" baseline="0" dirty="0">
+              <a:solidFill>
+                <a:prstClr val="black">
+                  <a:hueOff val="0"/>
+                  <a:satOff val="0"/>
+                  <a:lumOff val="0"/>
+                  <a:alphaOff val="0"/>
+                </a:prstClr>
+              </a:solidFill>
+              <a:latin typeface="Tenorite"/>
+              <a:ea typeface="+mn-ea"/>
+              <a:cs typeface="+mn-cs"/>
+            </a:rPr>
+            <a:t>Needing to pulling in and loop through several pages to run in order to get a large enough data set. </a:t>
           </a:r>
         </a:p>
       </dsp:txBody>
       <dsp:txXfrm>
-        <a:off x="4252107" y="897402"/>
-        <a:ext cx="2011384" cy="2553524"/>
+        <a:off x="4252107" y="649350"/>
+        <a:ext cx="2011384" cy="3049626"/>
       </dsp:txXfrm>
     </dsp:sp>
     <dsp:sp modelId="{4132ECB1-6BEF-4935-AFA3-B2EAA48FDE7E}">
@@ -2214,7 +2421,7 @@
       </dsp:nvSpPr>
       <dsp:spPr>
         <a:xfrm>
-          <a:off x="6371281" y="293986"/>
+          <a:off x="6371281" y="45935"/>
           <a:ext cx="2011384" cy="603415"/>
         </a:xfrm>
         <a:prstGeom prst="rect">
@@ -2288,7 +2495,7 @@
         </a:p>
       </dsp:txBody>
       <dsp:txXfrm>
-        <a:off x="6371281" y="293986"/>
+        <a:off x="6371281" y="45935"/>
         <a:ext cx="2011384" cy="603415"/>
       </dsp:txXfrm>
     </dsp:sp>
@@ -2299,8 +2506,8 @@
       </dsp:nvSpPr>
       <dsp:spPr>
         <a:xfrm>
-          <a:off x="6371281" y="897402"/>
-          <a:ext cx="2011384" cy="2553524"/>
+          <a:off x="6371281" y="649350"/>
+          <a:ext cx="2011384" cy="3049626"/>
         </a:xfrm>
         <a:prstGeom prst="rect">
           <a:avLst/>
@@ -2364,19 +2571,66 @@
           <a:r>
             <a:rPr lang="en-US" sz="1400" kern="1200" spc="50" baseline="0" dirty="0">
               <a:solidFill>
-                <a:srgbClr val="FF0000"/>
+                <a:schemeClr val="tx1"/>
               </a:solidFill>
               <a:latin typeface="Tenorite"/>
               <a:ea typeface="+mn-ea"/>
               <a:cs typeface="+mn-cs"/>
             </a:rPr>
-            <a:t>Foster holistically superior methodologies</a:t>
+            <a:t>We created several different series to compare a variety of variables to see where there was a trend.  </a:t>
           </a:r>
+        </a:p>
+        <a:p>
+          <a:pPr marL="0" lvl="0" indent="0" algn="l" defTabSz="666750" rtl="0">
+            <a:lnSpc>
+              <a:spcPct val="100000"/>
+            </a:lnSpc>
+            <a:spcBef>
+              <a:spcPct val="0"/>
+            </a:spcBef>
+            <a:spcAft>
+              <a:spcPct val="35000"/>
+            </a:spcAft>
+            <a:buNone/>
+          </a:pPr>
+          <a:r>
+            <a:rPr lang="en-US" sz="1400" kern="1200" spc="50" baseline="0" dirty="0">
+              <a:solidFill>
+                <a:schemeClr val="tx1"/>
+              </a:solidFill>
+              <a:latin typeface="Tenorite"/>
+              <a:ea typeface="+mn-ea"/>
+              <a:cs typeface="+mn-cs"/>
+            </a:rPr>
+            <a:t>We found several good correlations from our data displays.</a:t>
+          </a:r>
+        </a:p>
+        <a:p>
+          <a:pPr marL="0" lvl="0" indent="0" algn="l" defTabSz="666750" rtl="0">
+            <a:lnSpc>
+              <a:spcPct val="100000"/>
+            </a:lnSpc>
+            <a:spcBef>
+              <a:spcPct val="0"/>
+            </a:spcBef>
+            <a:spcAft>
+              <a:spcPct val="35000"/>
+            </a:spcAft>
+            <a:buNone/>
+          </a:pPr>
+          <a:endParaRPr lang="en-US" sz="1400" kern="1200" spc="50" baseline="0" dirty="0">
+            <a:solidFill>
+              <a:schemeClr val="tx1"/>
+            </a:solidFill>
+            <a:latin typeface="Tenorite"/>
+            <a:ea typeface="+mn-ea"/>
+            <a:cs typeface="+mn-cs"/>
+          </a:endParaRPr>
         </a:p>
       </dsp:txBody>
       <dsp:txXfrm>
-        <a:off x="6371281" y="897402"/>
-        <a:ext cx="2011384" cy="2553524"/>
+        <a:off x="6371281" y="649350"/>
+        <a:ext cx="2011384" cy="3049626"/>
       </dsp:txXfrm>
     </dsp:sp>
     <dsp:sp modelId="{59606EB9-9F10-4D12-A33F-A242FDCC0D0F}">
@@ -2386,7 +2640,7 @@
       </dsp:nvSpPr>
       <dsp:spPr>
         <a:xfrm>
-          <a:off x="8490455" y="293986"/>
+          <a:off x="8490455" y="45935"/>
           <a:ext cx="2011384" cy="603415"/>
         </a:xfrm>
         <a:prstGeom prst="rect">
@@ -2460,7 +2714,7 @@
         </a:p>
       </dsp:txBody>
       <dsp:txXfrm>
-        <a:off x="8490455" y="293986"/>
+        <a:off x="8490455" y="45935"/>
         <a:ext cx="2011384" cy="603415"/>
       </dsp:txXfrm>
     </dsp:sp>
@@ -2471,8 +2725,8 @@
       </dsp:nvSpPr>
       <dsp:spPr>
         <a:xfrm>
-          <a:off x="8490455" y="897402"/>
-          <a:ext cx="2011384" cy="2553524"/>
+          <a:off x="8490455" y="649350"/>
+          <a:ext cx="2011384" cy="3049626"/>
         </a:xfrm>
         <a:prstGeom prst="rect">
           <a:avLst/>
@@ -2533,22 +2787,19 @@
             </a:spcAft>
             <a:buNone/>
           </a:pPr>
-          <a:r>
-            <a:rPr lang="en-US" sz="1400" kern="1200" spc="50" baseline="0" dirty="0">
-              <a:solidFill>
-                <a:srgbClr val="FF0000"/>
-              </a:solidFill>
-              <a:latin typeface="Tenorite"/>
-              <a:ea typeface="+mn-ea"/>
-              <a:cs typeface="+mn-cs"/>
-            </a:rPr>
-            <a:t>Deploy strategic networks with compelling e-business needs</a:t>
-          </a:r>
+          <a:endParaRPr lang="en-US" sz="1400" kern="1200" spc="50" baseline="0" dirty="0">
+            <a:solidFill>
+              <a:srgbClr val="FF0000"/>
+            </a:solidFill>
+            <a:latin typeface="Tenorite"/>
+            <a:ea typeface="+mn-ea"/>
+            <a:cs typeface="+mn-cs"/>
+          </a:endParaRPr>
         </a:p>
       </dsp:txBody>
       <dsp:txXfrm>
-        <a:off x="8490455" y="897402"/>
-        <a:ext cx="2011384" cy="2553524"/>
+        <a:off x="8490455" y="649350"/>
+        <a:ext cx="2011384" cy="3049626"/>
       </dsp:txXfrm>
     </dsp:sp>
   </dsp:spTree>
@@ -3850,7 +4101,7 @@
           <a:p>
             <a:fld id="{B56F32FC-4BD9-442A-A8C6-51598C909FE3}" type="datetimeFigureOut">
               <a:rPr lang="en-US" smtClean="0"/>
-              <a:t>2/10/23</a:t>
+              <a:t>2/11/23</a:t>
             </a:fld>
             <a:endParaRPr lang="en-US" dirty="0"/>
           </a:p>
@@ -4027,7 +4278,7 @@
           <a:p>
             <a:fld id="{056371FA-A98D-41E8-93F4-09945841298A}" type="datetimeFigureOut">
               <a:rPr lang="en-US" smtClean="0"/>
-              <a:t>2/10/23</a:t>
+              <a:t>2/11/23</a:t>
             </a:fld>
             <a:endParaRPr lang="en-US" dirty="0"/>
           </a:p>
@@ -4338,10 +4589,7 @@
           <a:bodyPr/>
           <a:lstStyle/>
           <a:p>
-            <a:r>
-              <a:rPr lang="en-US" dirty="0"/>
-              <a:t>0:00 - 0:10</a:t>
-            </a:r>
+            <a:endParaRPr lang="en-US" dirty="0"/>
           </a:p>
         </p:txBody>
       </p:sp>
@@ -4372,6 +4620,384 @@
     <p:extLst>
       <p:ext uri="{BB962C8B-B14F-4D97-AF65-F5344CB8AC3E}">
         <p14:creationId xmlns:p14="http://schemas.microsoft.com/office/powerpoint/2010/main" val="4178847926"/>
+      </p:ext>
+    </p:extLst>
+  </p:cSld>
+  <p:clrMapOvr>
+    <a:masterClrMapping/>
+  </p:clrMapOvr>
+</p:notes>
+</file>
+
+<file path=ppt/notesSlides/notesSlide2.xml><?xml version="1.0" encoding="utf-8"?>
+<p:notes xmlns:a="http://schemas.openxmlformats.org/drawingml/2006/main" xmlns:r="http://schemas.openxmlformats.org/officeDocument/2006/relationships" xmlns:p="http://schemas.openxmlformats.org/presentationml/2006/main">
+  <p:cSld>
+    <p:spTree>
+      <p:nvGrpSpPr>
+        <p:cNvPr id="1" name=""/>
+        <p:cNvGrpSpPr/>
+        <p:nvPr/>
+      </p:nvGrpSpPr>
+      <p:grpSpPr>
+        <a:xfrm>
+          <a:off x="0" y="0"/>
+          <a:ext cx="0" cy="0"/>
+          <a:chOff x="0" y="0"/>
+          <a:chExt cx="0" cy="0"/>
+        </a:xfrm>
+      </p:grpSpPr>
+      <p:sp>
+        <p:nvSpPr>
+          <p:cNvPr id="2" name="Slide Image Placeholder 1"/>
+          <p:cNvSpPr>
+            <a:spLocks noGrp="1" noRot="1" noChangeAspect="1"/>
+          </p:cNvSpPr>
+          <p:nvPr>
+            <p:ph type="sldImg"/>
+          </p:nvPr>
+        </p:nvSpPr>
+        <p:spPr/>
+      </p:sp>
+      <p:sp>
+        <p:nvSpPr>
+          <p:cNvPr id="3" name="Notes Placeholder 2"/>
+          <p:cNvSpPr>
+            <a:spLocks noGrp="1"/>
+          </p:cNvSpPr>
+          <p:nvPr>
+            <p:ph type="body" idx="1"/>
+          </p:nvPr>
+        </p:nvSpPr>
+        <p:spPr/>
+        <p:txBody>
+          <a:bodyPr/>
+          <a:lstStyle/>
+          <a:p>
+            <a:endParaRPr lang="en-US" dirty="0"/>
+          </a:p>
+        </p:txBody>
+      </p:sp>
+      <p:sp>
+        <p:nvSpPr>
+          <p:cNvPr id="4" name="Slide Number Placeholder 3"/>
+          <p:cNvSpPr>
+            <a:spLocks noGrp="1"/>
+          </p:cNvSpPr>
+          <p:nvPr>
+            <p:ph type="sldNum" sz="quarter" idx="5"/>
+          </p:nvPr>
+        </p:nvSpPr>
+        <p:spPr/>
+        <p:txBody>
+          <a:bodyPr/>
+          <a:lstStyle/>
+          <a:p>
+            <a:fld id="{22289C57-55D7-40A4-A101-E74FAC7A092B}" type="slidenum">
+              <a:rPr lang="en-US" smtClean="0"/>
+              <a:t>2</a:t>
+            </a:fld>
+            <a:endParaRPr lang="en-US" dirty="0"/>
+          </a:p>
+        </p:txBody>
+      </p:sp>
+    </p:spTree>
+    <p:extLst>
+      <p:ext uri="{BB962C8B-B14F-4D97-AF65-F5344CB8AC3E}">
+        <p14:creationId xmlns:p14="http://schemas.microsoft.com/office/powerpoint/2010/main" val="2426365706"/>
+      </p:ext>
+    </p:extLst>
+  </p:cSld>
+  <p:clrMapOvr>
+    <a:masterClrMapping/>
+  </p:clrMapOvr>
+</p:notes>
+</file>
+
+<file path=ppt/notesSlides/notesSlide3.xml><?xml version="1.0" encoding="utf-8"?>
+<p:notes xmlns:a="http://schemas.openxmlformats.org/drawingml/2006/main" xmlns:r="http://schemas.openxmlformats.org/officeDocument/2006/relationships" xmlns:p="http://schemas.openxmlformats.org/presentationml/2006/main">
+  <p:cSld>
+    <p:spTree>
+      <p:nvGrpSpPr>
+        <p:cNvPr id="1" name=""/>
+        <p:cNvGrpSpPr/>
+        <p:nvPr/>
+      </p:nvGrpSpPr>
+      <p:grpSpPr>
+        <a:xfrm>
+          <a:off x="0" y="0"/>
+          <a:ext cx="0" cy="0"/>
+          <a:chOff x="0" y="0"/>
+          <a:chExt cx="0" cy="0"/>
+        </a:xfrm>
+      </p:grpSpPr>
+      <p:sp>
+        <p:nvSpPr>
+          <p:cNvPr id="2" name="Slide Image Placeholder 1"/>
+          <p:cNvSpPr>
+            <a:spLocks noGrp="1" noRot="1" noChangeAspect="1"/>
+          </p:cNvSpPr>
+          <p:nvPr>
+            <p:ph type="sldImg"/>
+          </p:nvPr>
+        </p:nvSpPr>
+        <p:spPr/>
+      </p:sp>
+      <p:sp>
+        <p:nvSpPr>
+          <p:cNvPr id="3" name="Notes Placeholder 2"/>
+          <p:cNvSpPr>
+            <a:spLocks noGrp="1"/>
+          </p:cNvSpPr>
+          <p:nvPr>
+            <p:ph type="body" idx="1"/>
+          </p:nvPr>
+        </p:nvSpPr>
+        <p:spPr/>
+        <p:txBody>
+          <a:bodyPr/>
+          <a:lstStyle/>
+          <a:p>
+            <a:r>
+              <a:rPr lang="en-US" dirty="0"/>
+              <a:t>I really want to highlight Candida solved our looping list for multiple pages of data; I am not sure other would have to have done that. </a:t>
+            </a:r>
+          </a:p>
+        </p:txBody>
+      </p:sp>
+      <p:sp>
+        <p:nvSpPr>
+          <p:cNvPr id="4" name="Slide Number Placeholder 3"/>
+          <p:cNvSpPr>
+            <a:spLocks noGrp="1"/>
+          </p:cNvSpPr>
+          <p:nvPr>
+            <p:ph type="sldNum" sz="quarter" idx="5"/>
+          </p:nvPr>
+        </p:nvSpPr>
+        <p:spPr/>
+        <p:txBody>
+          <a:bodyPr/>
+          <a:lstStyle/>
+          <a:p>
+            <a:fld id="{22289C57-55D7-40A4-A101-E74FAC7A092B}" type="slidenum">
+              <a:rPr lang="en-US" smtClean="0"/>
+              <a:t>3</a:t>
+            </a:fld>
+            <a:endParaRPr lang="en-US" dirty="0"/>
+          </a:p>
+        </p:txBody>
+      </p:sp>
+    </p:spTree>
+    <p:extLst>
+      <p:ext uri="{BB962C8B-B14F-4D97-AF65-F5344CB8AC3E}">
+        <p14:creationId xmlns:p14="http://schemas.microsoft.com/office/powerpoint/2010/main" val="3225153868"/>
+      </p:ext>
+    </p:extLst>
+  </p:cSld>
+  <p:clrMapOvr>
+    <a:masterClrMapping/>
+  </p:clrMapOvr>
+</p:notes>
+</file>
+
+<file path=ppt/notesSlides/notesSlide4.xml><?xml version="1.0" encoding="utf-8"?>
+<p:notes xmlns:a="http://schemas.openxmlformats.org/drawingml/2006/main" xmlns:r="http://schemas.openxmlformats.org/officeDocument/2006/relationships" xmlns:p="http://schemas.openxmlformats.org/presentationml/2006/main">
+  <p:cSld>
+    <p:spTree>
+      <p:nvGrpSpPr>
+        <p:cNvPr id="1" name=""/>
+        <p:cNvGrpSpPr/>
+        <p:nvPr/>
+      </p:nvGrpSpPr>
+      <p:grpSpPr>
+        <a:xfrm>
+          <a:off x="0" y="0"/>
+          <a:ext cx="0" cy="0"/>
+          <a:chOff x="0" y="0"/>
+          <a:chExt cx="0" cy="0"/>
+        </a:xfrm>
+      </p:grpSpPr>
+      <p:sp>
+        <p:nvSpPr>
+          <p:cNvPr id="2" name="Slide Image Placeholder 1"/>
+          <p:cNvSpPr>
+            <a:spLocks noGrp="1" noRot="1" noChangeAspect="1"/>
+          </p:cNvSpPr>
+          <p:nvPr>
+            <p:ph type="sldImg"/>
+          </p:nvPr>
+        </p:nvSpPr>
+        <p:spPr/>
+      </p:sp>
+      <p:sp>
+        <p:nvSpPr>
+          <p:cNvPr id="3" name="Notes Placeholder 2"/>
+          <p:cNvSpPr>
+            <a:spLocks noGrp="1"/>
+          </p:cNvSpPr>
+          <p:nvPr>
+            <p:ph type="body" idx="1"/>
+          </p:nvPr>
+        </p:nvSpPr>
+        <p:spPr/>
+        <p:txBody>
+          <a:bodyPr/>
+          <a:lstStyle/>
+          <a:p>
+            <a:r>
+              <a:rPr lang="en-US" dirty="0"/>
+              <a:t>We are not adding images just yet until we decide on how many data points we really want to look at. </a:t>
+            </a:r>
+          </a:p>
+          <a:p>
+            <a:endParaRPr lang="en-US" dirty="0"/>
+          </a:p>
+          <a:p>
+            <a:r>
+              <a:rPr lang="en-US" dirty="0"/>
+              <a:t>Rachel = 2500</a:t>
+            </a:r>
+          </a:p>
+          <a:p>
+            <a:r>
+              <a:rPr lang="en-US" dirty="0"/>
+              <a:t>Candida = ?</a:t>
+            </a:r>
+          </a:p>
+          <a:p>
+            <a:r>
+              <a:rPr lang="en-US" dirty="0"/>
+              <a:t>Chris = ?</a:t>
+            </a:r>
+          </a:p>
+          <a:p>
+            <a:r>
+              <a:rPr lang="en-US" dirty="0"/>
+              <a:t>Max = ?</a:t>
+            </a:r>
+          </a:p>
+        </p:txBody>
+      </p:sp>
+      <p:sp>
+        <p:nvSpPr>
+          <p:cNvPr id="4" name="Slide Number Placeholder 3"/>
+          <p:cNvSpPr>
+            <a:spLocks noGrp="1"/>
+          </p:cNvSpPr>
+          <p:nvPr>
+            <p:ph type="sldNum" sz="quarter" idx="5"/>
+          </p:nvPr>
+        </p:nvSpPr>
+        <p:spPr/>
+        <p:txBody>
+          <a:bodyPr/>
+          <a:lstStyle/>
+          <a:p>
+            <a:fld id="{22289C57-55D7-40A4-A101-E74FAC7A092B}" type="slidenum">
+              <a:rPr lang="en-US" smtClean="0"/>
+              <a:t>4</a:t>
+            </a:fld>
+            <a:endParaRPr lang="en-US" dirty="0"/>
+          </a:p>
+        </p:txBody>
+      </p:sp>
+    </p:spTree>
+    <p:extLst>
+      <p:ext uri="{BB962C8B-B14F-4D97-AF65-F5344CB8AC3E}">
+        <p14:creationId xmlns:p14="http://schemas.microsoft.com/office/powerpoint/2010/main" val="2327612912"/>
+      </p:ext>
+    </p:extLst>
+  </p:cSld>
+  <p:clrMapOvr>
+    <a:masterClrMapping/>
+  </p:clrMapOvr>
+</p:notes>
+</file>
+
+<file path=ppt/notesSlides/notesSlide5.xml><?xml version="1.0" encoding="utf-8"?>
+<p:notes xmlns:a="http://schemas.openxmlformats.org/drawingml/2006/main" xmlns:r="http://schemas.openxmlformats.org/officeDocument/2006/relationships" xmlns:p="http://schemas.openxmlformats.org/presentationml/2006/main">
+  <p:cSld>
+    <p:spTree>
+      <p:nvGrpSpPr>
+        <p:cNvPr id="1" name=""/>
+        <p:cNvGrpSpPr/>
+        <p:nvPr/>
+      </p:nvGrpSpPr>
+      <p:grpSpPr>
+        <a:xfrm>
+          <a:off x="0" y="0"/>
+          <a:ext cx="0" cy="0"/>
+          <a:chOff x="0" y="0"/>
+          <a:chExt cx="0" cy="0"/>
+        </a:xfrm>
+      </p:grpSpPr>
+      <p:sp>
+        <p:nvSpPr>
+          <p:cNvPr id="2" name="Slide Image Placeholder 1"/>
+          <p:cNvSpPr>
+            <a:spLocks noGrp="1" noRot="1" noChangeAspect="1"/>
+          </p:cNvSpPr>
+          <p:nvPr>
+            <p:ph type="sldImg"/>
+          </p:nvPr>
+        </p:nvSpPr>
+        <p:spPr/>
+      </p:sp>
+      <p:sp>
+        <p:nvSpPr>
+          <p:cNvPr id="3" name="Notes Placeholder 2"/>
+          <p:cNvSpPr>
+            <a:spLocks noGrp="1"/>
+          </p:cNvSpPr>
+          <p:nvPr>
+            <p:ph type="body" idx="1"/>
+          </p:nvPr>
+        </p:nvSpPr>
+        <p:spPr/>
+        <p:txBody>
+          <a:bodyPr/>
+          <a:lstStyle/>
+          <a:p>
+            <a:r>
+              <a:rPr lang="en-US" dirty="0"/>
+              <a:t>Make sure labels and  liner regression labels are displayed appropriately. </a:t>
+            </a:r>
+          </a:p>
+          <a:p>
+            <a:endParaRPr lang="en-US" dirty="0"/>
+          </a:p>
+          <a:p>
+            <a:endParaRPr lang="en-US" dirty="0"/>
+          </a:p>
+        </p:txBody>
+      </p:sp>
+      <p:sp>
+        <p:nvSpPr>
+          <p:cNvPr id="4" name="Slide Number Placeholder 3"/>
+          <p:cNvSpPr>
+            <a:spLocks noGrp="1"/>
+          </p:cNvSpPr>
+          <p:nvPr>
+            <p:ph type="sldNum" sz="quarter" idx="5"/>
+          </p:nvPr>
+        </p:nvSpPr>
+        <p:spPr/>
+        <p:txBody>
+          <a:bodyPr/>
+          <a:lstStyle/>
+          <a:p>
+            <a:fld id="{22289C57-55D7-40A4-A101-E74FAC7A092B}" type="slidenum">
+              <a:rPr lang="en-US" smtClean="0"/>
+              <a:t>5</a:t>
+            </a:fld>
+            <a:endParaRPr lang="en-US" dirty="0"/>
+          </a:p>
+        </p:txBody>
+      </p:sp>
+    </p:spTree>
+    <p:extLst>
+      <p:ext uri="{BB962C8B-B14F-4D97-AF65-F5344CB8AC3E}">
+        <p14:creationId xmlns:p14="http://schemas.microsoft.com/office/powerpoint/2010/main" val="111274557"/>
       </p:ext>
     </p:extLst>
   </p:cSld>
@@ -13187,6 +13813,13 @@
           <a:p>
             <a:r>
               <a:rPr lang="en-US" dirty="0"/>
+              <a:t>Working Title::</a:t>
+            </a:r>
+            <a:br>
+              <a:rPr lang="en-US" dirty="0"/>
+            </a:br>
+            <a:r>
+              <a:rPr lang="en-US" dirty="0"/>
               <a:t>When a videogame take longer to complete does it mean it will receive a high rating?</a:t>
             </a:r>
           </a:p>
@@ -13300,7 +13933,7 @@
           <p:cNvPr id="2" name="Title 1">
             <a:extLst>
               <a:ext uri="{FF2B5EF4-FFF2-40B4-BE49-F238E27FC236}">
-                <a16:creationId xmlns:a16="http://schemas.microsoft.com/office/drawing/2014/main" id="{C4CA0637-CCAA-425E-A57A-6205AFDC8B8C}"/>
+                <a16:creationId xmlns:a16="http://schemas.microsoft.com/office/drawing/2014/main" id="{4518FC28-E0BD-4387-B8BE-9965D1A57FF1}"/>
               </a:ext>
             </a:extLst>
           </p:cNvPr>
@@ -13311,19 +13944,14 @@
             <p:ph type="title"/>
           </p:nvPr>
         </p:nvSpPr>
-        <p:spPr>
-          <a:xfrm>
-            <a:off x="1885156" y="892177"/>
-            <a:ext cx="8421688" cy="1325563"/>
-          </a:xfrm>
-        </p:spPr>
+        <p:spPr/>
         <p:txBody>
           <a:bodyPr/>
           <a:lstStyle/>
           <a:p>
             <a:r>
               <a:rPr lang="en-US" dirty="0"/>
-              <a:t>HOW WE GET THERE</a:t>
+              <a:t>DATA VIZULIZATION 6</a:t>
             </a:r>
           </a:p>
         </p:txBody>
@@ -13333,7 +13961,7 @@
           <p:cNvPr id="3" name="Text Placeholder 2">
             <a:extLst>
               <a:ext uri="{FF2B5EF4-FFF2-40B4-BE49-F238E27FC236}">
-                <a16:creationId xmlns:a16="http://schemas.microsoft.com/office/drawing/2014/main" id="{D851C395-6BC4-4F00-B40B-069DBBB7C08B}"/>
+                <a16:creationId xmlns:a16="http://schemas.microsoft.com/office/drawing/2014/main" id="{FED19BCA-B61F-4EA6-A1FB-CCA3BD8506FB}"/>
               </a:ext>
             </a:extLst>
           </p:cNvPr>
@@ -13344,45 +13972,7 @@
             <p:ph type="body" idx="1"/>
           </p:nvPr>
         </p:nvSpPr>
-        <p:spPr>
-          <a:xfrm>
-            <a:off x="1243104" y="2776936"/>
-            <a:ext cx="2882475" cy="823912"/>
-          </a:xfrm>
-        </p:spPr>
-        <p:txBody>
-          <a:bodyPr/>
-          <a:lstStyle/>
-          <a:p>
-            <a:r>
-              <a:rPr lang="en-US" dirty="0"/>
-              <a:t>ROI</a:t>
-            </a:r>
-          </a:p>
-        </p:txBody>
-      </p:sp>
-      <p:sp>
-        <p:nvSpPr>
-          <p:cNvPr id="4" name="Content Placeholder 3">
-            <a:extLst>
-              <a:ext uri="{FF2B5EF4-FFF2-40B4-BE49-F238E27FC236}">
-                <a16:creationId xmlns:a16="http://schemas.microsoft.com/office/drawing/2014/main" id="{A1D16151-9486-4A03-AE3A-F1CC562E0564}"/>
-              </a:ext>
-            </a:extLst>
-          </p:cNvPr>
-          <p:cNvSpPr>
-            <a:spLocks noGrp="1"/>
-          </p:cNvSpPr>
-          <p:nvPr>
-            <p:ph sz="half" idx="2"/>
-          </p:nvPr>
-        </p:nvSpPr>
-        <p:spPr>
-          <a:xfrm>
-            <a:off x="1243104" y="3834606"/>
-            <a:ext cx="2882475" cy="1997867"/>
-          </a:xfrm>
-        </p:spPr>
+        <p:spPr/>
         <p:txBody>
           <a:bodyPr>
             <a:normAutofit/>
@@ -13391,193 +13981,34 @@
           <a:p>
             <a:r>
               <a:rPr lang="en-US" dirty="0"/>
-              <a:t>Envision multimedia-based expertise and cross-media growth strategies​</a:t>
-            </a:r>
-          </a:p>
-          <a:p>
-            <a:r>
-              <a:rPr lang="en-US" dirty="0"/>
-              <a:t>​Engage worldwide methodologies with web-enabled technologies​</a:t>
-            </a:r>
-          </a:p>
-        </p:txBody>
-      </p:sp>
-      <p:sp>
-        <p:nvSpPr>
-          <p:cNvPr id="5" name="Text Placeholder 4">
-            <a:extLst>
-              <a:ext uri="{FF2B5EF4-FFF2-40B4-BE49-F238E27FC236}">
-                <a16:creationId xmlns:a16="http://schemas.microsoft.com/office/drawing/2014/main" id="{DDE59236-37DD-4582-A2A0-3F9A13A3B55D}"/>
-              </a:ext>
-            </a:extLst>
-          </p:cNvPr>
-          <p:cNvSpPr>
-            <a:spLocks noGrp="1"/>
-          </p:cNvSpPr>
-          <p:nvPr>
-            <p:ph type="body" sz="quarter" idx="3"/>
-          </p:nvPr>
-        </p:nvSpPr>
-        <p:spPr>
-          <a:xfrm>
-            <a:off x="4647665" y="2776936"/>
-            <a:ext cx="2896671" cy="823912"/>
-          </a:xfrm>
-        </p:spPr>
+              <a:t>Fig6</a:t>
+            </a:r>
+          </a:p>
+        </p:txBody>
+      </p:sp>
+      <p:sp>
+        <p:nvSpPr>
+          <p:cNvPr id="5" name="Footer Placeholder 4">
+            <a:extLst>
+              <a:ext uri="{FF2B5EF4-FFF2-40B4-BE49-F238E27FC236}">
+                <a16:creationId xmlns:a16="http://schemas.microsoft.com/office/drawing/2014/main" id="{4135E32A-1A8C-43D2-9C6E-12887B4DEDFB}"/>
+              </a:ext>
+            </a:extLst>
+          </p:cNvPr>
+          <p:cNvSpPr>
+            <a:spLocks noGrp="1"/>
+          </p:cNvSpPr>
+          <p:nvPr>
+            <p:ph type="ftr" sz="quarter" idx="11"/>
+          </p:nvPr>
+        </p:nvSpPr>
+        <p:spPr/>
         <p:txBody>
           <a:bodyPr/>
           <a:lstStyle/>
           <a:p>
             <a:r>
               <a:rPr lang="en-US" dirty="0"/>
-              <a:t>NICHE MARKETS </a:t>
-            </a:r>
-          </a:p>
-        </p:txBody>
-      </p:sp>
-      <p:sp>
-        <p:nvSpPr>
-          <p:cNvPr id="6" name="Content Placeholder 5">
-            <a:extLst>
-              <a:ext uri="{FF2B5EF4-FFF2-40B4-BE49-F238E27FC236}">
-                <a16:creationId xmlns:a16="http://schemas.microsoft.com/office/drawing/2014/main" id="{DE1CCF0F-F0BB-42D7-B3C2-C29336739F32}"/>
-              </a:ext>
-            </a:extLst>
-          </p:cNvPr>
-          <p:cNvSpPr>
-            <a:spLocks noGrp="1"/>
-          </p:cNvSpPr>
-          <p:nvPr>
-            <p:ph sz="quarter" idx="4"/>
-          </p:nvPr>
-        </p:nvSpPr>
-        <p:spPr>
-          <a:xfrm>
-            <a:off x="4647665" y="3834606"/>
-            <a:ext cx="2896671" cy="1997867"/>
-          </a:xfrm>
-        </p:spPr>
-        <p:txBody>
-          <a:bodyPr>
-            <a:normAutofit/>
-          </a:bodyPr>
-          <a:lstStyle/>
-          <a:p>
-            <a:r>
-              <a:rPr lang="en-US" dirty="0"/>
-              <a:t>Pursue scalable customer service through sustainable strategies​</a:t>
-            </a:r>
-          </a:p>
-          <a:p>
-            <a:r>
-              <a:rPr lang="en-US" dirty="0"/>
-              <a:t>Engage top-line web services with cutting-edge deliverables​​​</a:t>
-            </a:r>
-          </a:p>
-        </p:txBody>
-      </p:sp>
-      <p:sp>
-        <p:nvSpPr>
-          <p:cNvPr id="7" name="Text Placeholder 6">
-            <a:extLst>
-              <a:ext uri="{FF2B5EF4-FFF2-40B4-BE49-F238E27FC236}">
-                <a16:creationId xmlns:a16="http://schemas.microsoft.com/office/drawing/2014/main" id="{1F939793-2181-4A3D-9C5A-CE676CC83EC0}"/>
-              </a:ext>
-            </a:extLst>
-          </p:cNvPr>
-          <p:cNvSpPr>
-            <a:spLocks noGrp="1"/>
-          </p:cNvSpPr>
-          <p:nvPr>
-            <p:ph type="body" idx="13"/>
-          </p:nvPr>
-        </p:nvSpPr>
-        <p:spPr>
-          <a:xfrm>
-            <a:off x="8066421" y="2776936"/>
-            <a:ext cx="2882475" cy="823912"/>
-          </a:xfrm>
-        </p:spPr>
-        <p:txBody>
-          <a:bodyPr/>
-          <a:lstStyle/>
-          <a:p>
-            <a:r>
-              <a:rPr lang="en-US" dirty="0"/>
-              <a:t>SUPPLY CHAINS</a:t>
-            </a:r>
-          </a:p>
-        </p:txBody>
-      </p:sp>
-      <p:sp>
-        <p:nvSpPr>
-          <p:cNvPr id="8" name="Content Placeholder 7">
-            <a:extLst>
-              <a:ext uri="{FF2B5EF4-FFF2-40B4-BE49-F238E27FC236}">
-                <a16:creationId xmlns:a16="http://schemas.microsoft.com/office/drawing/2014/main" id="{C9FA0B0D-7B36-4D63-86BD-20E6E1B6A0D8}"/>
-              </a:ext>
-            </a:extLst>
-          </p:cNvPr>
-          <p:cNvSpPr>
-            <a:spLocks noGrp="1"/>
-          </p:cNvSpPr>
-          <p:nvPr>
-            <p:ph sz="half" idx="14"/>
-          </p:nvPr>
-        </p:nvSpPr>
-        <p:spPr>
-          <a:xfrm>
-            <a:off x="8066421" y="3834606"/>
-            <a:ext cx="2882475" cy="1997867"/>
-          </a:xfrm>
-        </p:spPr>
-        <p:txBody>
-          <a:bodyPr>
-            <a:normAutofit/>
-          </a:bodyPr>
-          <a:lstStyle/>
-          <a:p>
-            <a:r>
-              <a:rPr lang="en-US" dirty="0"/>
-              <a:t>Cultivate one-to-one customer service with robust ideas​</a:t>
-            </a:r>
-          </a:p>
-          <a:p>
-            <a:r>
-              <a:rPr lang="en-US" dirty="0"/>
-              <a:t>Maximize timely deliverables for real-time schemas​</a:t>
-            </a:r>
-          </a:p>
-        </p:txBody>
-      </p:sp>
-      <p:sp>
-        <p:nvSpPr>
-          <p:cNvPr id="10" name="Footer Placeholder 9">
-            <a:extLst>
-              <a:ext uri="{FF2B5EF4-FFF2-40B4-BE49-F238E27FC236}">
-                <a16:creationId xmlns:a16="http://schemas.microsoft.com/office/drawing/2014/main" id="{A865CC01-A53B-495A-820C-BEC2680EDC42}"/>
-              </a:ext>
-            </a:extLst>
-          </p:cNvPr>
-          <p:cNvSpPr>
-            <a:spLocks noGrp="1"/>
-          </p:cNvSpPr>
-          <p:nvPr>
-            <p:ph type="ftr" sz="quarter" idx="11"/>
-          </p:nvPr>
-        </p:nvSpPr>
-        <p:spPr>
-          <a:xfrm>
-            <a:off x="4038600" y="6356350"/>
-            <a:ext cx="4114800" cy="365125"/>
-          </a:xfrm>
-        </p:spPr>
-        <p:txBody>
-          <a:bodyPr/>
-          <a:lstStyle/>
-          <a:p>
-            <a:r>
-              <a:rPr lang="en-US" dirty="0"/>
               <a:t>PRESENTATION TITLE</a:t>
             </a:r>
           </a:p>
@@ -13585,10 +14016,10 @@
       </p:sp>
       <p:sp>
         <p:nvSpPr>
-          <p:cNvPr id="11" name="Slide Number Placeholder 10">
-            <a:extLst>
-              <a:ext uri="{FF2B5EF4-FFF2-40B4-BE49-F238E27FC236}">
-                <a16:creationId xmlns:a16="http://schemas.microsoft.com/office/drawing/2014/main" id="{7AE81C1E-A7C3-40CD-9C11-0C03A2221292}"/>
+          <p:cNvPr id="6" name="Slide Number Placeholder 5">
+            <a:extLst>
+              <a:ext uri="{FF2B5EF4-FFF2-40B4-BE49-F238E27FC236}">
+                <a16:creationId xmlns:a16="http://schemas.microsoft.com/office/drawing/2014/main" id="{7C4B8313-9270-4128-8674-3A3E42B806BC}"/>
               </a:ext>
             </a:extLst>
           </p:cNvPr>
@@ -13599,12 +14030,7 @@
             <p:ph type="sldNum" sz="quarter" idx="12"/>
           </p:nvPr>
         </p:nvSpPr>
-        <p:spPr>
-          <a:xfrm>
-            <a:off x="8610600" y="6356350"/>
-            <a:ext cx="2743200" cy="365125"/>
-          </a:xfrm>
-        </p:spPr>
+        <p:spPr/>
         <p:txBody>
           <a:bodyPr/>
           <a:lstStyle/>
@@ -13618,10 +14044,225 @@
           </a:p>
         </p:txBody>
       </p:sp>
+      <p:sp>
+        <p:nvSpPr>
+          <p:cNvPr id="7" name="Text Placeholder 2">
+            <a:extLst>
+              <a:ext uri="{FF2B5EF4-FFF2-40B4-BE49-F238E27FC236}">
+                <a16:creationId xmlns:a16="http://schemas.microsoft.com/office/drawing/2014/main" id="{1C67C9C0-FE8C-1028-2361-8D02F23AF047}"/>
+              </a:ext>
+            </a:extLst>
+          </p:cNvPr>
+          <p:cNvSpPr txBox="1">
+            <a:spLocks/>
+          </p:cNvSpPr>
+          <p:nvPr/>
+        </p:nvSpPr>
+        <p:spPr>
+          <a:xfrm>
+            <a:off x="8610600" y="4278104"/>
+            <a:ext cx="3391866" cy="1525588"/>
+          </a:xfrm>
+          <a:prstGeom prst="rect">
+            <a:avLst/>
+          </a:prstGeom>
+        </p:spPr>
+        <p:txBody>
+          <a:bodyPr vert="horz" lIns="91440" tIns="45720" rIns="91440" bIns="45720" rtlCol="0">
+            <a:normAutofit/>
+          </a:bodyPr>
+          <a:lstStyle>
+            <a:lvl1pPr marL="0" indent="0" algn="l" defTabSz="914400" rtl="0" eaLnBrk="1" latinLnBrk="0" hangingPunct="1">
+              <a:lnSpc>
+                <a:spcPct val="100000"/>
+              </a:lnSpc>
+              <a:spcBef>
+                <a:spcPts val="1000"/>
+              </a:spcBef>
+              <a:buFont typeface="Arial" panose="020B0604020202020204" pitchFamily="34" charset="0"/>
+              <a:buNone/>
+              <a:defRPr sz="1400" kern="1200" spc="50" baseline="0">
+                <a:solidFill>
+                  <a:schemeClr val="tx1"/>
+                </a:solidFill>
+                <a:latin typeface="+mn-lt"/>
+                <a:ea typeface="+mn-ea"/>
+                <a:cs typeface="+mn-cs"/>
+              </a:defRPr>
+            </a:lvl1pPr>
+            <a:lvl2pPr marL="457200" indent="0" algn="l" defTabSz="914400" rtl="0" eaLnBrk="1" latinLnBrk="0" hangingPunct="1">
+              <a:lnSpc>
+                <a:spcPct val="90000"/>
+              </a:lnSpc>
+              <a:spcBef>
+                <a:spcPts val="500"/>
+              </a:spcBef>
+              <a:buFont typeface="Arial" panose="020B0604020202020204" pitchFamily="34" charset="0"/>
+              <a:buNone/>
+              <a:defRPr sz="2000" kern="1200">
+                <a:solidFill>
+                  <a:schemeClr val="tx1">
+                    <a:tint val="75000"/>
+                  </a:schemeClr>
+                </a:solidFill>
+                <a:latin typeface="+mn-lt"/>
+                <a:ea typeface="+mn-ea"/>
+                <a:cs typeface="+mn-cs"/>
+              </a:defRPr>
+            </a:lvl2pPr>
+            <a:lvl3pPr marL="914400" indent="0" algn="l" defTabSz="914400" rtl="0" eaLnBrk="1" latinLnBrk="0" hangingPunct="1">
+              <a:lnSpc>
+                <a:spcPct val="90000"/>
+              </a:lnSpc>
+              <a:spcBef>
+                <a:spcPts val="500"/>
+              </a:spcBef>
+              <a:buFont typeface="Arial" panose="020B0604020202020204" pitchFamily="34" charset="0"/>
+              <a:buNone/>
+              <a:defRPr sz="1800" kern="1200">
+                <a:solidFill>
+                  <a:schemeClr val="tx1">
+                    <a:tint val="75000"/>
+                  </a:schemeClr>
+                </a:solidFill>
+                <a:latin typeface="+mn-lt"/>
+                <a:ea typeface="+mn-ea"/>
+                <a:cs typeface="+mn-cs"/>
+              </a:defRPr>
+            </a:lvl3pPr>
+            <a:lvl4pPr marL="1371600" indent="0" algn="l" defTabSz="914400" rtl="0" eaLnBrk="1" latinLnBrk="0" hangingPunct="1">
+              <a:lnSpc>
+                <a:spcPct val="90000"/>
+              </a:lnSpc>
+              <a:spcBef>
+                <a:spcPts val="500"/>
+              </a:spcBef>
+              <a:buFont typeface="Arial" panose="020B0604020202020204" pitchFamily="34" charset="0"/>
+              <a:buNone/>
+              <a:defRPr sz="1600" kern="1200">
+                <a:solidFill>
+                  <a:schemeClr val="tx1">
+                    <a:tint val="75000"/>
+                  </a:schemeClr>
+                </a:solidFill>
+                <a:latin typeface="+mn-lt"/>
+                <a:ea typeface="+mn-ea"/>
+                <a:cs typeface="+mn-cs"/>
+              </a:defRPr>
+            </a:lvl4pPr>
+            <a:lvl5pPr marL="1828800" indent="0" algn="l" defTabSz="914400" rtl="0" eaLnBrk="1" latinLnBrk="0" hangingPunct="1">
+              <a:lnSpc>
+                <a:spcPct val="90000"/>
+              </a:lnSpc>
+              <a:spcBef>
+                <a:spcPts val="500"/>
+              </a:spcBef>
+              <a:buFont typeface="Arial" panose="020B0604020202020204" pitchFamily="34" charset="0"/>
+              <a:buNone/>
+              <a:defRPr sz="1600" kern="1200">
+                <a:solidFill>
+                  <a:schemeClr val="tx1">
+                    <a:tint val="75000"/>
+                  </a:schemeClr>
+                </a:solidFill>
+                <a:latin typeface="+mn-lt"/>
+                <a:ea typeface="+mn-ea"/>
+                <a:cs typeface="+mn-cs"/>
+              </a:defRPr>
+            </a:lvl5pPr>
+            <a:lvl6pPr marL="2286000" indent="0" algn="l" defTabSz="914400" rtl="0" eaLnBrk="1" latinLnBrk="0" hangingPunct="1">
+              <a:lnSpc>
+                <a:spcPct val="90000"/>
+              </a:lnSpc>
+              <a:spcBef>
+                <a:spcPts val="500"/>
+              </a:spcBef>
+              <a:buFont typeface="Arial" panose="020B0604020202020204" pitchFamily="34" charset="0"/>
+              <a:buNone/>
+              <a:defRPr sz="1600" kern="1200">
+                <a:solidFill>
+                  <a:schemeClr val="tx1">
+                    <a:tint val="75000"/>
+                  </a:schemeClr>
+                </a:solidFill>
+                <a:latin typeface="+mn-lt"/>
+                <a:ea typeface="+mn-ea"/>
+                <a:cs typeface="+mn-cs"/>
+              </a:defRPr>
+            </a:lvl6pPr>
+            <a:lvl7pPr marL="2743200" indent="0" algn="l" defTabSz="914400" rtl="0" eaLnBrk="1" latinLnBrk="0" hangingPunct="1">
+              <a:lnSpc>
+                <a:spcPct val="90000"/>
+              </a:lnSpc>
+              <a:spcBef>
+                <a:spcPts val="500"/>
+              </a:spcBef>
+              <a:buFont typeface="Arial" panose="020B0604020202020204" pitchFamily="34" charset="0"/>
+              <a:buNone/>
+              <a:defRPr sz="1600" kern="1200">
+                <a:solidFill>
+                  <a:schemeClr val="tx1">
+                    <a:tint val="75000"/>
+                  </a:schemeClr>
+                </a:solidFill>
+                <a:latin typeface="+mn-lt"/>
+                <a:ea typeface="+mn-ea"/>
+                <a:cs typeface="+mn-cs"/>
+              </a:defRPr>
+            </a:lvl7pPr>
+            <a:lvl8pPr marL="3200400" indent="0" algn="l" defTabSz="914400" rtl="0" eaLnBrk="1" latinLnBrk="0" hangingPunct="1">
+              <a:lnSpc>
+                <a:spcPct val="90000"/>
+              </a:lnSpc>
+              <a:spcBef>
+                <a:spcPts val="500"/>
+              </a:spcBef>
+              <a:buFont typeface="Arial" panose="020B0604020202020204" pitchFamily="34" charset="0"/>
+              <a:buNone/>
+              <a:defRPr sz="1600" kern="1200">
+                <a:solidFill>
+                  <a:schemeClr val="tx1">
+                    <a:tint val="75000"/>
+                  </a:schemeClr>
+                </a:solidFill>
+                <a:latin typeface="+mn-lt"/>
+                <a:ea typeface="+mn-ea"/>
+                <a:cs typeface="+mn-cs"/>
+              </a:defRPr>
+            </a:lvl8pPr>
+            <a:lvl9pPr marL="3657600" indent="0" algn="l" defTabSz="914400" rtl="0" eaLnBrk="1" latinLnBrk="0" hangingPunct="1">
+              <a:lnSpc>
+                <a:spcPct val="90000"/>
+              </a:lnSpc>
+              <a:spcBef>
+                <a:spcPts val="500"/>
+              </a:spcBef>
+              <a:buFont typeface="Arial" panose="020B0604020202020204" pitchFamily="34" charset="0"/>
+              <a:buNone/>
+              <a:defRPr sz="1600" kern="1200">
+                <a:solidFill>
+                  <a:schemeClr val="tx1">
+                    <a:tint val="75000"/>
+                  </a:schemeClr>
+                </a:solidFill>
+                <a:latin typeface="+mn-lt"/>
+                <a:ea typeface="+mn-ea"/>
+                <a:cs typeface="+mn-cs"/>
+              </a:defRPr>
+            </a:lvl9pPr>
+          </a:lstStyle>
+          <a:p>
+            <a:r>
+              <a:rPr lang="en-US" dirty="0"/>
+              <a:t>Fig6 Analysis</a:t>
+            </a:r>
+          </a:p>
+        </p:txBody>
+      </p:sp>
     </p:spTree>
     <p:extLst>
       <p:ext uri="{BB962C8B-B14F-4D97-AF65-F5344CB8AC3E}">
-        <p14:creationId xmlns:p14="http://schemas.microsoft.com/office/powerpoint/2010/main" val="1429429409"/>
+        <p14:creationId xmlns:p14="http://schemas.microsoft.com/office/powerpoint/2010/main" val="1821142993"/>
       </p:ext>
     </p:extLst>
   </p:cSld>
@@ -13676,7 +14317,7 @@
           <a:p>
             <a:r>
               <a:rPr lang="en-US" dirty="0"/>
-              <a:t>SUMMARY</a:t>
+              <a:t>DATA VISUALIZATION 7</a:t>
             </a:r>
           </a:p>
         </p:txBody>
@@ -13711,7 +14352,7 @@
           <a:p>
             <a:r>
               <a:rPr lang="en-US" dirty="0"/>
-              <a:t>At Contoso, we believe in giving 110%. By using our next-generation data architecture, we help organizations virtually manage agile workflows. We thrive because of our market knowledge and great team behind our product. As our CEO says, "Efficiencies will come from proactively transforming how we do business."​</a:t>
+              <a:t>Fig5</a:t>
             </a:r>
           </a:p>
         </p:txBody>
@@ -13784,10 +14425,225 @@
           </a:p>
         </p:txBody>
       </p:sp>
+      <p:sp>
+        <p:nvSpPr>
+          <p:cNvPr id="4" name="Text Placeholder 2">
+            <a:extLst>
+              <a:ext uri="{FF2B5EF4-FFF2-40B4-BE49-F238E27FC236}">
+                <a16:creationId xmlns:a16="http://schemas.microsoft.com/office/drawing/2014/main" id="{2CECAF49-33A7-A030-D18E-14E5CAE40000}"/>
+              </a:ext>
+            </a:extLst>
+          </p:cNvPr>
+          <p:cNvSpPr txBox="1">
+            <a:spLocks/>
+          </p:cNvSpPr>
+          <p:nvPr/>
+        </p:nvSpPr>
+        <p:spPr>
+          <a:xfrm>
+            <a:off x="365125" y="3482974"/>
+            <a:ext cx="3391866" cy="1525588"/>
+          </a:xfrm>
+          <a:prstGeom prst="rect">
+            <a:avLst/>
+          </a:prstGeom>
+        </p:spPr>
+        <p:txBody>
+          <a:bodyPr vert="horz" lIns="91440" tIns="45720" rIns="91440" bIns="45720" rtlCol="0">
+            <a:normAutofit/>
+          </a:bodyPr>
+          <a:lstStyle>
+            <a:lvl1pPr marL="0" indent="0" algn="l" defTabSz="914400" rtl="0" eaLnBrk="1" latinLnBrk="0" hangingPunct="1">
+              <a:lnSpc>
+                <a:spcPct val="100000"/>
+              </a:lnSpc>
+              <a:spcBef>
+                <a:spcPts val="1000"/>
+              </a:spcBef>
+              <a:buFont typeface="Arial" panose="020B0604020202020204" pitchFamily="34" charset="0"/>
+              <a:buNone/>
+              <a:defRPr sz="1400" kern="1200" spc="50" baseline="0">
+                <a:solidFill>
+                  <a:schemeClr val="tx1"/>
+                </a:solidFill>
+                <a:latin typeface="+mn-lt"/>
+                <a:ea typeface="+mn-ea"/>
+                <a:cs typeface="+mn-cs"/>
+              </a:defRPr>
+            </a:lvl1pPr>
+            <a:lvl2pPr marL="457200" indent="0" algn="l" defTabSz="914400" rtl="0" eaLnBrk="1" latinLnBrk="0" hangingPunct="1">
+              <a:lnSpc>
+                <a:spcPct val="90000"/>
+              </a:lnSpc>
+              <a:spcBef>
+                <a:spcPts val="500"/>
+              </a:spcBef>
+              <a:buFont typeface="Arial" panose="020B0604020202020204" pitchFamily="34" charset="0"/>
+              <a:buNone/>
+              <a:defRPr sz="2000" kern="1200">
+                <a:solidFill>
+                  <a:schemeClr val="tx1">
+                    <a:tint val="75000"/>
+                  </a:schemeClr>
+                </a:solidFill>
+                <a:latin typeface="+mn-lt"/>
+                <a:ea typeface="+mn-ea"/>
+                <a:cs typeface="+mn-cs"/>
+              </a:defRPr>
+            </a:lvl2pPr>
+            <a:lvl3pPr marL="914400" indent="0" algn="l" defTabSz="914400" rtl="0" eaLnBrk="1" latinLnBrk="0" hangingPunct="1">
+              <a:lnSpc>
+                <a:spcPct val="90000"/>
+              </a:lnSpc>
+              <a:spcBef>
+                <a:spcPts val="500"/>
+              </a:spcBef>
+              <a:buFont typeface="Arial" panose="020B0604020202020204" pitchFamily="34" charset="0"/>
+              <a:buNone/>
+              <a:defRPr sz="1800" kern="1200">
+                <a:solidFill>
+                  <a:schemeClr val="tx1">
+                    <a:tint val="75000"/>
+                  </a:schemeClr>
+                </a:solidFill>
+                <a:latin typeface="+mn-lt"/>
+                <a:ea typeface="+mn-ea"/>
+                <a:cs typeface="+mn-cs"/>
+              </a:defRPr>
+            </a:lvl3pPr>
+            <a:lvl4pPr marL="1371600" indent="0" algn="l" defTabSz="914400" rtl="0" eaLnBrk="1" latinLnBrk="0" hangingPunct="1">
+              <a:lnSpc>
+                <a:spcPct val="90000"/>
+              </a:lnSpc>
+              <a:spcBef>
+                <a:spcPts val="500"/>
+              </a:spcBef>
+              <a:buFont typeface="Arial" panose="020B0604020202020204" pitchFamily="34" charset="0"/>
+              <a:buNone/>
+              <a:defRPr sz="1600" kern="1200">
+                <a:solidFill>
+                  <a:schemeClr val="tx1">
+                    <a:tint val="75000"/>
+                  </a:schemeClr>
+                </a:solidFill>
+                <a:latin typeface="+mn-lt"/>
+                <a:ea typeface="+mn-ea"/>
+                <a:cs typeface="+mn-cs"/>
+              </a:defRPr>
+            </a:lvl4pPr>
+            <a:lvl5pPr marL="1828800" indent="0" algn="l" defTabSz="914400" rtl="0" eaLnBrk="1" latinLnBrk="0" hangingPunct="1">
+              <a:lnSpc>
+                <a:spcPct val="90000"/>
+              </a:lnSpc>
+              <a:spcBef>
+                <a:spcPts val="500"/>
+              </a:spcBef>
+              <a:buFont typeface="Arial" panose="020B0604020202020204" pitchFamily="34" charset="0"/>
+              <a:buNone/>
+              <a:defRPr sz="1600" kern="1200">
+                <a:solidFill>
+                  <a:schemeClr val="tx1">
+                    <a:tint val="75000"/>
+                  </a:schemeClr>
+                </a:solidFill>
+                <a:latin typeface="+mn-lt"/>
+                <a:ea typeface="+mn-ea"/>
+                <a:cs typeface="+mn-cs"/>
+              </a:defRPr>
+            </a:lvl5pPr>
+            <a:lvl6pPr marL="2286000" indent="0" algn="l" defTabSz="914400" rtl="0" eaLnBrk="1" latinLnBrk="0" hangingPunct="1">
+              <a:lnSpc>
+                <a:spcPct val="90000"/>
+              </a:lnSpc>
+              <a:spcBef>
+                <a:spcPts val="500"/>
+              </a:spcBef>
+              <a:buFont typeface="Arial" panose="020B0604020202020204" pitchFamily="34" charset="0"/>
+              <a:buNone/>
+              <a:defRPr sz="1600" kern="1200">
+                <a:solidFill>
+                  <a:schemeClr val="tx1">
+                    <a:tint val="75000"/>
+                  </a:schemeClr>
+                </a:solidFill>
+                <a:latin typeface="+mn-lt"/>
+                <a:ea typeface="+mn-ea"/>
+                <a:cs typeface="+mn-cs"/>
+              </a:defRPr>
+            </a:lvl6pPr>
+            <a:lvl7pPr marL="2743200" indent="0" algn="l" defTabSz="914400" rtl="0" eaLnBrk="1" latinLnBrk="0" hangingPunct="1">
+              <a:lnSpc>
+                <a:spcPct val="90000"/>
+              </a:lnSpc>
+              <a:spcBef>
+                <a:spcPts val="500"/>
+              </a:spcBef>
+              <a:buFont typeface="Arial" panose="020B0604020202020204" pitchFamily="34" charset="0"/>
+              <a:buNone/>
+              <a:defRPr sz="1600" kern="1200">
+                <a:solidFill>
+                  <a:schemeClr val="tx1">
+                    <a:tint val="75000"/>
+                  </a:schemeClr>
+                </a:solidFill>
+                <a:latin typeface="+mn-lt"/>
+                <a:ea typeface="+mn-ea"/>
+                <a:cs typeface="+mn-cs"/>
+              </a:defRPr>
+            </a:lvl7pPr>
+            <a:lvl8pPr marL="3200400" indent="0" algn="l" defTabSz="914400" rtl="0" eaLnBrk="1" latinLnBrk="0" hangingPunct="1">
+              <a:lnSpc>
+                <a:spcPct val="90000"/>
+              </a:lnSpc>
+              <a:spcBef>
+                <a:spcPts val="500"/>
+              </a:spcBef>
+              <a:buFont typeface="Arial" panose="020B0604020202020204" pitchFamily="34" charset="0"/>
+              <a:buNone/>
+              <a:defRPr sz="1600" kern="1200">
+                <a:solidFill>
+                  <a:schemeClr val="tx1">
+                    <a:tint val="75000"/>
+                  </a:schemeClr>
+                </a:solidFill>
+                <a:latin typeface="+mn-lt"/>
+                <a:ea typeface="+mn-ea"/>
+                <a:cs typeface="+mn-cs"/>
+              </a:defRPr>
+            </a:lvl8pPr>
+            <a:lvl9pPr marL="3657600" indent="0" algn="l" defTabSz="914400" rtl="0" eaLnBrk="1" latinLnBrk="0" hangingPunct="1">
+              <a:lnSpc>
+                <a:spcPct val="90000"/>
+              </a:lnSpc>
+              <a:spcBef>
+                <a:spcPts val="500"/>
+              </a:spcBef>
+              <a:buFont typeface="Arial" panose="020B0604020202020204" pitchFamily="34" charset="0"/>
+              <a:buNone/>
+              <a:defRPr sz="1600" kern="1200">
+                <a:solidFill>
+                  <a:schemeClr val="tx1">
+                    <a:tint val="75000"/>
+                  </a:schemeClr>
+                </a:solidFill>
+                <a:latin typeface="+mn-lt"/>
+                <a:ea typeface="+mn-ea"/>
+                <a:cs typeface="+mn-cs"/>
+              </a:defRPr>
+            </a:lvl9pPr>
+          </a:lstStyle>
+          <a:p>
+            <a:r>
+              <a:rPr lang="en-US" dirty="0"/>
+              <a:t>Fig7 Analysis</a:t>
+            </a:r>
+          </a:p>
+        </p:txBody>
+      </p:sp>
     </p:spTree>
     <p:extLst>
       <p:ext uri="{BB962C8B-B14F-4D97-AF65-F5344CB8AC3E}">
-        <p14:creationId xmlns:p14="http://schemas.microsoft.com/office/powerpoint/2010/main" val="1742861620"/>
+        <p14:creationId xmlns:p14="http://schemas.microsoft.com/office/powerpoint/2010/main" val="1140088128"/>
       </p:ext>
     </p:extLst>
   </p:cSld>
@@ -13819,6 +14675,362 @@
           <p:cNvPr id="2" name="Title 1">
             <a:extLst>
               <a:ext uri="{FF2B5EF4-FFF2-40B4-BE49-F238E27FC236}">
+                <a16:creationId xmlns:a16="http://schemas.microsoft.com/office/drawing/2014/main" id="{C4CA0637-CCAA-425E-A57A-6205AFDC8B8C}"/>
+              </a:ext>
+            </a:extLst>
+          </p:cNvPr>
+          <p:cNvSpPr>
+            <a:spLocks noGrp="1"/>
+          </p:cNvSpPr>
+          <p:nvPr>
+            <p:ph type="title"/>
+          </p:nvPr>
+        </p:nvSpPr>
+        <p:spPr>
+          <a:xfrm>
+            <a:off x="1885156" y="892177"/>
+            <a:ext cx="8421688" cy="1325563"/>
+          </a:xfrm>
+        </p:spPr>
+        <p:txBody>
+          <a:bodyPr/>
+          <a:lstStyle/>
+          <a:p>
+            <a:r>
+              <a:rPr lang="en-US" b="1" i="0" dirty="0">
+                <a:effectLst/>
+                <a:latin typeface="Roboto" panose="02000000000000000000" pitchFamily="2" charset="0"/>
+              </a:rPr>
+              <a:t>Analysis and Conclusion</a:t>
+            </a:r>
+          </a:p>
+        </p:txBody>
+      </p:sp>
+      <p:sp>
+        <p:nvSpPr>
+          <p:cNvPr id="3" name="Text Placeholder 2">
+            <a:extLst>
+              <a:ext uri="{FF2B5EF4-FFF2-40B4-BE49-F238E27FC236}">
+                <a16:creationId xmlns:a16="http://schemas.microsoft.com/office/drawing/2014/main" id="{D851C395-6BC4-4F00-B40B-069DBBB7C08B}"/>
+              </a:ext>
+            </a:extLst>
+          </p:cNvPr>
+          <p:cNvSpPr>
+            <a:spLocks noGrp="1"/>
+          </p:cNvSpPr>
+          <p:nvPr>
+            <p:ph type="body" idx="1"/>
+          </p:nvPr>
+        </p:nvSpPr>
+        <p:spPr>
+          <a:xfrm>
+            <a:off x="1243104" y="2776936"/>
+            <a:ext cx="2882475" cy="823912"/>
+          </a:xfrm>
+        </p:spPr>
+        <p:txBody>
+          <a:bodyPr/>
+          <a:lstStyle/>
+          <a:p>
+            <a:r>
+              <a:rPr lang="en-US" dirty="0"/>
+              <a:t>TAKE AWAY1</a:t>
+            </a:r>
+          </a:p>
+        </p:txBody>
+      </p:sp>
+      <p:sp>
+        <p:nvSpPr>
+          <p:cNvPr id="4" name="Content Placeholder 3">
+            <a:extLst>
+              <a:ext uri="{FF2B5EF4-FFF2-40B4-BE49-F238E27FC236}">
+                <a16:creationId xmlns:a16="http://schemas.microsoft.com/office/drawing/2014/main" id="{A1D16151-9486-4A03-AE3A-F1CC562E0564}"/>
+              </a:ext>
+            </a:extLst>
+          </p:cNvPr>
+          <p:cNvSpPr>
+            <a:spLocks noGrp="1"/>
+          </p:cNvSpPr>
+          <p:nvPr>
+            <p:ph sz="half" idx="2"/>
+          </p:nvPr>
+        </p:nvSpPr>
+        <p:spPr>
+          <a:xfrm>
+            <a:off x="1243104" y="3834606"/>
+            <a:ext cx="2882475" cy="1997867"/>
+          </a:xfrm>
+        </p:spPr>
+        <p:txBody>
+          <a:bodyPr>
+            <a:normAutofit/>
+          </a:bodyPr>
+          <a:lstStyle/>
+          <a:p>
+            <a:r>
+              <a:rPr lang="en-US" dirty="0"/>
+              <a:t>Envision multimedia-based expertise and cross-media growth strategies​</a:t>
+            </a:r>
+          </a:p>
+          <a:p>
+            <a:r>
+              <a:rPr lang="en-US" dirty="0"/>
+              <a:t>​Engage worldwide methodologies with web-enabled technologies​</a:t>
+            </a:r>
+          </a:p>
+        </p:txBody>
+      </p:sp>
+      <p:sp>
+        <p:nvSpPr>
+          <p:cNvPr id="5" name="Text Placeholder 4">
+            <a:extLst>
+              <a:ext uri="{FF2B5EF4-FFF2-40B4-BE49-F238E27FC236}">
+                <a16:creationId xmlns:a16="http://schemas.microsoft.com/office/drawing/2014/main" id="{DDE59236-37DD-4582-A2A0-3F9A13A3B55D}"/>
+              </a:ext>
+            </a:extLst>
+          </p:cNvPr>
+          <p:cNvSpPr>
+            <a:spLocks noGrp="1"/>
+          </p:cNvSpPr>
+          <p:nvPr>
+            <p:ph type="body" sz="quarter" idx="3"/>
+          </p:nvPr>
+        </p:nvSpPr>
+        <p:spPr>
+          <a:xfrm>
+            <a:off x="4647665" y="2776936"/>
+            <a:ext cx="2896671" cy="823912"/>
+          </a:xfrm>
+        </p:spPr>
+        <p:txBody>
+          <a:bodyPr/>
+          <a:lstStyle/>
+          <a:p>
+            <a:r>
+              <a:rPr lang="en-US" dirty="0"/>
+              <a:t>TAKE AWAY2</a:t>
+            </a:r>
+          </a:p>
+        </p:txBody>
+      </p:sp>
+      <p:sp>
+        <p:nvSpPr>
+          <p:cNvPr id="6" name="Content Placeholder 5">
+            <a:extLst>
+              <a:ext uri="{FF2B5EF4-FFF2-40B4-BE49-F238E27FC236}">
+                <a16:creationId xmlns:a16="http://schemas.microsoft.com/office/drawing/2014/main" id="{DE1CCF0F-F0BB-42D7-B3C2-C29336739F32}"/>
+              </a:ext>
+            </a:extLst>
+          </p:cNvPr>
+          <p:cNvSpPr>
+            <a:spLocks noGrp="1"/>
+          </p:cNvSpPr>
+          <p:nvPr>
+            <p:ph sz="quarter" idx="4"/>
+          </p:nvPr>
+        </p:nvSpPr>
+        <p:spPr>
+          <a:xfrm>
+            <a:off x="4647665" y="3834606"/>
+            <a:ext cx="2896671" cy="1997867"/>
+          </a:xfrm>
+        </p:spPr>
+        <p:txBody>
+          <a:bodyPr>
+            <a:normAutofit/>
+          </a:bodyPr>
+          <a:lstStyle/>
+          <a:p>
+            <a:r>
+              <a:rPr lang="en-US" dirty="0"/>
+              <a:t>Pursue scalable customer service through sustainable strategies​</a:t>
+            </a:r>
+          </a:p>
+          <a:p>
+            <a:r>
+              <a:rPr lang="en-US" dirty="0"/>
+              <a:t>Engage top-line web services with cutting-edge deliverables​​​</a:t>
+            </a:r>
+          </a:p>
+        </p:txBody>
+      </p:sp>
+      <p:sp>
+        <p:nvSpPr>
+          <p:cNvPr id="7" name="Text Placeholder 6">
+            <a:extLst>
+              <a:ext uri="{FF2B5EF4-FFF2-40B4-BE49-F238E27FC236}">
+                <a16:creationId xmlns:a16="http://schemas.microsoft.com/office/drawing/2014/main" id="{1F939793-2181-4A3D-9C5A-CE676CC83EC0}"/>
+              </a:ext>
+            </a:extLst>
+          </p:cNvPr>
+          <p:cNvSpPr>
+            <a:spLocks noGrp="1"/>
+          </p:cNvSpPr>
+          <p:nvPr>
+            <p:ph type="body" idx="13"/>
+          </p:nvPr>
+        </p:nvSpPr>
+        <p:spPr>
+          <a:xfrm>
+            <a:off x="8066421" y="2776936"/>
+            <a:ext cx="2882475" cy="823912"/>
+          </a:xfrm>
+        </p:spPr>
+        <p:txBody>
+          <a:bodyPr/>
+          <a:lstStyle/>
+          <a:p>
+            <a:r>
+              <a:rPr lang="en-US" dirty="0"/>
+              <a:t>TAKE AWAY3</a:t>
+            </a:r>
+          </a:p>
+        </p:txBody>
+      </p:sp>
+      <p:sp>
+        <p:nvSpPr>
+          <p:cNvPr id="8" name="Content Placeholder 7">
+            <a:extLst>
+              <a:ext uri="{FF2B5EF4-FFF2-40B4-BE49-F238E27FC236}">
+                <a16:creationId xmlns:a16="http://schemas.microsoft.com/office/drawing/2014/main" id="{C9FA0B0D-7B36-4D63-86BD-20E6E1B6A0D8}"/>
+              </a:ext>
+            </a:extLst>
+          </p:cNvPr>
+          <p:cNvSpPr>
+            <a:spLocks noGrp="1"/>
+          </p:cNvSpPr>
+          <p:nvPr>
+            <p:ph sz="half" idx="14"/>
+          </p:nvPr>
+        </p:nvSpPr>
+        <p:spPr>
+          <a:xfrm>
+            <a:off x="8066421" y="3834606"/>
+            <a:ext cx="2882475" cy="1997867"/>
+          </a:xfrm>
+        </p:spPr>
+        <p:txBody>
+          <a:bodyPr>
+            <a:normAutofit/>
+          </a:bodyPr>
+          <a:lstStyle/>
+          <a:p>
+            <a:r>
+              <a:rPr lang="en-US" dirty="0"/>
+              <a:t>Cultivate one-to-one customer service with robust ideas​</a:t>
+            </a:r>
+          </a:p>
+          <a:p>
+            <a:r>
+              <a:rPr lang="en-US" dirty="0"/>
+              <a:t>Maximize timely deliverables for real-time schemas​</a:t>
+            </a:r>
+          </a:p>
+        </p:txBody>
+      </p:sp>
+      <p:sp>
+        <p:nvSpPr>
+          <p:cNvPr id="10" name="Footer Placeholder 9">
+            <a:extLst>
+              <a:ext uri="{FF2B5EF4-FFF2-40B4-BE49-F238E27FC236}">
+                <a16:creationId xmlns:a16="http://schemas.microsoft.com/office/drawing/2014/main" id="{A865CC01-A53B-495A-820C-BEC2680EDC42}"/>
+              </a:ext>
+            </a:extLst>
+          </p:cNvPr>
+          <p:cNvSpPr>
+            <a:spLocks noGrp="1"/>
+          </p:cNvSpPr>
+          <p:nvPr>
+            <p:ph type="ftr" sz="quarter" idx="11"/>
+          </p:nvPr>
+        </p:nvSpPr>
+        <p:spPr>
+          <a:xfrm>
+            <a:off x="4038600" y="6356350"/>
+            <a:ext cx="4114800" cy="365125"/>
+          </a:xfrm>
+        </p:spPr>
+        <p:txBody>
+          <a:bodyPr/>
+          <a:lstStyle/>
+          <a:p>
+            <a:r>
+              <a:rPr lang="en-US" dirty="0"/>
+              <a:t>PRESENTATION TITLE</a:t>
+            </a:r>
+          </a:p>
+        </p:txBody>
+      </p:sp>
+      <p:sp>
+        <p:nvSpPr>
+          <p:cNvPr id="11" name="Slide Number Placeholder 10">
+            <a:extLst>
+              <a:ext uri="{FF2B5EF4-FFF2-40B4-BE49-F238E27FC236}">
+                <a16:creationId xmlns:a16="http://schemas.microsoft.com/office/drawing/2014/main" id="{7AE81C1E-A7C3-40CD-9C11-0C03A2221292}"/>
+              </a:ext>
+            </a:extLst>
+          </p:cNvPr>
+          <p:cNvSpPr>
+            <a:spLocks noGrp="1"/>
+          </p:cNvSpPr>
+          <p:nvPr>
+            <p:ph type="sldNum" sz="quarter" idx="12"/>
+          </p:nvPr>
+        </p:nvSpPr>
+        <p:spPr>
+          <a:xfrm>
+            <a:off x="8610600" y="6356350"/>
+            <a:ext cx="2743200" cy="365125"/>
+          </a:xfrm>
+        </p:spPr>
+        <p:txBody>
+          <a:bodyPr/>
+          <a:lstStyle/>
+          <a:p>
+            <a:fld id="{A49DFD55-3C28-40EF-9E31-A92D2E4017FF}" type="slidenum">
+              <a:rPr lang="en-US" smtClean="0"/>
+              <a:pPr/>
+              <a:t>12</a:t>
+            </a:fld>
+            <a:endParaRPr lang="en-US" dirty="0"/>
+          </a:p>
+        </p:txBody>
+      </p:sp>
+    </p:spTree>
+    <p:extLst>
+      <p:ext uri="{BB962C8B-B14F-4D97-AF65-F5344CB8AC3E}">
+        <p14:creationId xmlns:p14="http://schemas.microsoft.com/office/powerpoint/2010/main" val="1429429409"/>
+      </p:ext>
+    </p:extLst>
+  </p:cSld>
+  <p:clrMapOvr>
+    <a:masterClrMapping/>
+  </p:clrMapOvr>
+</p:sld>
+</file>
+
+<file path=ppt/slides/slide13.xml><?xml version="1.0" encoding="utf-8"?>
+<p:sld xmlns:a="http://schemas.openxmlformats.org/drawingml/2006/main" xmlns:r="http://schemas.openxmlformats.org/officeDocument/2006/relationships" xmlns:p="http://schemas.openxmlformats.org/presentationml/2006/main">
+  <p:cSld>
+    <p:spTree>
+      <p:nvGrpSpPr>
+        <p:cNvPr id="1" name=""/>
+        <p:cNvGrpSpPr/>
+        <p:nvPr/>
+      </p:nvGrpSpPr>
+      <p:grpSpPr>
+        <a:xfrm>
+          <a:off x="0" y="0"/>
+          <a:ext cx="0" cy="0"/>
+          <a:chOff x="0" y="0"/>
+          <a:chExt cx="0" cy="0"/>
+        </a:xfrm>
+      </p:grpSpPr>
+      <p:sp>
+        <p:nvSpPr>
+          <p:cNvPr id="2" name="Title 1">
+            <a:extLst>
+              <a:ext uri="{FF2B5EF4-FFF2-40B4-BE49-F238E27FC236}">
                 <a16:creationId xmlns:a16="http://schemas.microsoft.com/office/drawing/2014/main" id="{8BDF1EDE-5423-435C-B149-87AB1BC22B83}"/>
               </a:ext>
             </a:extLst>
@@ -13877,19 +15089,13 @@
           <a:p>
             <a:r>
               <a:rPr lang="en-US" dirty="0"/>
-              <a:t>Mirjam Nilsson</a:t>
+              <a:t>From Group3</a:t>
             </a:r>
           </a:p>
           <a:p>
             <a:r>
               <a:rPr lang="en-US" dirty="0"/>
-              <a:t>mirjam@contoso.com</a:t>
-            </a:r>
-          </a:p>
-          <a:p>
-            <a:r>
-              <a:rPr lang="en-US" dirty="0"/>
-              <a:t>www.contoso.com</a:t>
+              <a:t>Candida, Max, Chris and Rachel</a:t>
             </a:r>
           </a:p>
         </p:txBody>
@@ -13956,7 +15162,7 @@
             <a:fld id="{A49DFD55-3C28-40EF-9E31-A92D2E4017FF}" type="slidenum">
               <a:rPr lang="en-US" smtClean="0"/>
               <a:pPr/>
-              <a:t>12</a:t>
+              <a:t>13</a:t>
             </a:fld>
             <a:endParaRPr lang="en-US" dirty="0"/>
           </a:p>
@@ -13994,10 +15200,10 @@
       </p:grpSpPr>
       <p:sp>
         <p:nvSpPr>
-          <p:cNvPr id="3" name="Title 2">
-            <a:extLst>
-              <a:ext uri="{FF2B5EF4-FFF2-40B4-BE49-F238E27FC236}">
-                <a16:creationId xmlns:a16="http://schemas.microsoft.com/office/drawing/2014/main" id="{77762301-F83A-4BEA-9D11-E6C99FB574A8}"/>
+          <p:cNvPr id="2" name="Title 1">
+            <a:extLst>
+              <a:ext uri="{FF2B5EF4-FFF2-40B4-BE49-F238E27FC236}">
+                <a16:creationId xmlns:a16="http://schemas.microsoft.com/office/drawing/2014/main" id="{0A32731C-311B-46F7-A865-6C3AF6B09A47}"/>
               </a:ext>
             </a:extLst>
           </p:cNvPr>
@@ -14010,8 +15216,8 @@
         </p:nvSpPr>
         <p:spPr>
           <a:xfrm>
-            <a:off x="838200" y="365125"/>
-            <a:ext cx="10515600" cy="1325563"/>
+            <a:off x="1362075" y="1671639"/>
+            <a:ext cx="5111750" cy="1204912"/>
           </a:xfrm>
         </p:spPr>
         <p:txBody>
@@ -14020,65 +15226,151 @@
           <a:p>
             <a:r>
               <a:rPr lang="en-US" dirty="0"/>
-              <a:t>Our Process</a:t>
-            </a:r>
-          </a:p>
-        </p:txBody>
-      </p:sp>
-      <p:graphicFrame>
-        <p:nvGraphicFramePr>
-          <p:cNvPr id="33" name="Content Placeholder 3" descr="Timeline Placeholder ">
-            <a:extLst>
-              <a:ext uri="{FF2B5EF4-FFF2-40B4-BE49-F238E27FC236}">
-                <a16:creationId xmlns:a16="http://schemas.microsoft.com/office/drawing/2014/main" id="{7BC1F95D-CCD2-421B-B06B-706699FAAD5D}"/>
-              </a:ext>
-            </a:extLst>
-          </p:cNvPr>
-          <p:cNvGraphicFramePr>
-            <a:graphicFrameLocks noGrp="1"/>
-          </p:cNvGraphicFramePr>
-          <p:nvPr>
-            <p:ph type="dgm" sz="quarter" idx="15"/>
-            <p:extLst>
-              <p:ext uri="{D42A27DB-BD31-4B8C-83A1-F6EECF244321}">
-                <p14:modId xmlns:p14="http://schemas.microsoft.com/office/powerpoint/2010/main" val="3903205577"/>
-              </p:ext>
-            </p:extLst>
-          </p:nvPr>
-        </p:nvGraphicFramePr>
-        <p:xfrm>
-          <a:off x="838200" y="2111375"/>
-          <a:ext cx="10515600" cy="3744913"/>
-        </p:xfrm>
-        <a:graphic>
-          <a:graphicData uri="http://schemas.openxmlformats.org/drawingml/2006/diagram">
-            <dgm:relIds xmlns:dgm="http://schemas.openxmlformats.org/drawingml/2006/diagram" xmlns:r="http://schemas.openxmlformats.org/officeDocument/2006/relationships" r:dm="rId2" r:lo="rId3" r:qs="rId4" r:cs="rId5"/>
-          </a:graphicData>
-        </a:graphic>
-      </p:graphicFrame>
-      <p:sp>
-        <p:nvSpPr>
-          <p:cNvPr id="7" name="Footer Placeholder 6">
-            <a:extLst>
-              <a:ext uri="{FF2B5EF4-FFF2-40B4-BE49-F238E27FC236}">
-                <a16:creationId xmlns:a16="http://schemas.microsoft.com/office/drawing/2014/main" id="{4E98E6AD-9D37-499C-898E-ED12AC36D31D}"/>
-              </a:ext>
-            </a:extLst>
-          </p:cNvPr>
-          <p:cNvSpPr>
-            <a:spLocks noGrp="1"/>
-          </p:cNvSpPr>
-          <p:nvPr>
-            <p:ph type="ftr" sz="quarter" idx="11"/>
+              <a:t>Questions</a:t>
+            </a:r>
+          </a:p>
+        </p:txBody>
+      </p:sp>
+      <p:sp>
+        <p:nvSpPr>
+          <p:cNvPr id="3" name="Text Placeholder 2">
+            <a:extLst>
+              <a:ext uri="{FF2B5EF4-FFF2-40B4-BE49-F238E27FC236}">
+                <a16:creationId xmlns:a16="http://schemas.microsoft.com/office/drawing/2014/main" id="{9D5232F9-FD00-464A-9F17-619C91AEF8F3}"/>
+              </a:ext>
+            </a:extLst>
+          </p:cNvPr>
+          <p:cNvSpPr>
+            <a:spLocks noGrp="1"/>
+          </p:cNvSpPr>
+          <p:nvPr>
+            <p:ph type="body" idx="1"/>
           </p:nvPr>
         </p:nvSpPr>
         <p:spPr>
           <a:xfrm>
-            <a:off x="4038600" y="6356350"/>
-            <a:ext cx="4114800" cy="365125"/>
+            <a:off x="1362075" y="2876551"/>
+            <a:ext cx="6947038" cy="2309811"/>
           </a:xfrm>
         </p:spPr>
         <p:txBody>
+          <a:bodyPr>
+            <a:noAutofit/>
+          </a:bodyPr>
+          <a:lstStyle/>
+          <a:p>
+            <a:pPr algn="l">
+              <a:buFont typeface="Arial" panose="020B0604020202020204" pitchFamily="34" charset="0"/>
+              <a:buChar char="•"/>
+            </a:pPr>
+            <a:r>
+              <a:rPr lang="en-US" sz="2000" b="0" i="0" dirty="0">
+                <a:solidFill>
+                  <a:srgbClr val="24292F"/>
+                </a:solidFill>
+                <a:effectLst/>
+                <a:latin typeface="-apple-system"/>
+              </a:rPr>
+              <a:t>Does the Gameplay time [length to complete the game] mean the game will receive a higher rating?</a:t>
+            </a:r>
+          </a:p>
+          <a:p>
+            <a:pPr algn="l"/>
+            <a:r>
+              <a:rPr lang="en-US" sz="2000" b="0" i="0" dirty="0">
+                <a:solidFill>
+                  <a:srgbClr val="24292F"/>
+                </a:solidFill>
+                <a:effectLst/>
+                <a:latin typeface="-apple-system"/>
+              </a:rPr>
+              <a:t>	</a:t>
+            </a:r>
+            <a:r>
+              <a:rPr lang="en-US" sz="2000" b="0" i="1" dirty="0" err="1">
+                <a:solidFill>
+                  <a:srgbClr val="24292F"/>
+                </a:solidFill>
+                <a:effectLst/>
+                <a:latin typeface="-apple-system"/>
+              </a:rPr>
+              <a:t>ie</a:t>
+            </a:r>
+            <a:r>
+              <a:rPr lang="en-US" sz="2000" b="0" i="1" dirty="0">
+                <a:solidFill>
+                  <a:srgbClr val="24292F"/>
+                </a:solidFill>
+                <a:effectLst/>
+                <a:latin typeface="-apple-system"/>
+              </a:rPr>
+              <a:t>. The longer the video game the higher the score.</a:t>
+            </a:r>
+          </a:p>
+          <a:p>
+            <a:pPr algn="l">
+              <a:buFont typeface="Arial" panose="020B0604020202020204" pitchFamily="34" charset="0"/>
+              <a:buChar char="•"/>
+            </a:pPr>
+            <a:r>
+              <a:rPr lang="en-US" sz="2000" dirty="0">
+                <a:solidFill>
+                  <a:srgbClr val="24292F"/>
+                </a:solidFill>
+                <a:latin typeface="-apple-system"/>
+              </a:rPr>
+              <a:t>What is the highest rating gameplay timeframe?</a:t>
+            </a:r>
+          </a:p>
+          <a:p>
+            <a:pPr lvl="1">
+              <a:buFont typeface="Arial" panose="020B0604020202020204" pitchFamily="34" charset="0"/>
+              <a:buChar char="•"/>
+            </a:pPr>
+            <a:r>
+              <a:rPr lang="en-US" spc="50" dirty="0">
+                <a:solidFill>
+                  <a:srgbClr val="24292F"/>
+                </a:solidFill>
+                <a:latin typeface="-apple-system"/>
+              </a:rPr>
+              <a:t>6–8 visualizations of data </a:t>
+            </a:r>
+            <a:r>
+              <a:rPr lang="en-US" sz="1600" spc="50" dirty="0">
+                <a:solidFill>
+                  <a:srgbClr val="24292F"/>
+                </a:solidFill>
+                <a:latin typeface="-apple-system"/>
+              </a:rPr>
+              <a:t>(at least two per question) (10 points)</a:t>
+            </a:r>
+          </a:p>
+        </p:txBody>
+      </p:sp>
+      <p:sp>
+        <p:nvSpPr>
+          <p:cNvPr id="5" name="Footer Placeholder 4">
+            <a:extLst>
+              <a:ext uri="{FF2B5EF4-FFF2-40B4-BE49-F238E27FC236}">
+                <a16:creationId xmlns:a16="http://schemas.microsoft.com/office/drawing/2014/main" id="{8D51ED20-04D4-4894-B0C2-9C541A61A734}"/>
+              </a:ext>
+            </a:extLst>
+          </p:cNvPr>
+          <p:cNvSpPr>
+            <a:spLocks noGrp="1"/>
+          </p:cNvSpPr>
+          <p:nvPr>
+            <p:ph type="ftr" sz="quarter" idx="11"/>
+          </p:nvPr>
+        </p:nvSpPr>
+        <p:spPr>
+          <a:xfrm>
+            <a:off x="2463800" y="6356350"/>
+            <a:ext cx="3479800" cy="365125"/>
+          </a:xfrm>
+        </p:spPr>
+        <p:txBody>
           <a:bodyPr/>
           <a:lstStyle/>
           <a:p>
@@ -14091,10 +15383,10 @@
       </p:sp>
       <p:sp>
         <p:nvSpPr>
-          <p:cNvPr id="8" name="Slide Number Placeholder 7">
-            <a:extLst>
-              <a:ext uri="{FF2B5EF4-FFF2-40B4-BE49-F238E27FC236}">
-                <a16:creationId xmlns:a16="http://schemas.microsoft.com/office/drawing/2014/main" id="{92908AF9-2A07-4B50-BC13-471792106EC8}"/>
+          <p:cNvPr id="6" name="Slide Number Placeholder 5">
+            <a:extLst>
+              <a:ext uri="{FF2B5EF4-FFF2-40B4-BE49-F238E27FC236}">
+                <a16:creationId xmlns:a16="http://schemas.microsoft.com/office/drawing/2014/main" id="{7BC1787E-7110-4989-B0B8-DD4E0ACC09DF}"/>
               </a:ext>
             </a:extLst>
           </p:cNvPr>
@@ -14127,13 +15419,18 @@
     </p:spTree>
     <p:extLst>
       <p:ext uri="{BB962C8B-B14F-4D97-AF65-F5344CB8AC3E}">
-        <p14:creationId xmlns:p14="http://schemas.microsoft.com/office/powerpoint/2010/main" val="2896385493"/>
+        <p14:creationId xmlns:p14="http://schemas.microsoft.com/office/powerpoint/2010/main" val="3571516367"/>
       </p:ext>
     </p:extLst>
   </p:cSld>
   <p:clrMapOvr>
     <a:masterClrMapping/>
   </p:clrMapOvr>
+  <p:extLst>
+    <p:ext uri="{6950BFC3-D8DA-4A85-94F7-54DA5524770B}">
+      <p188:commentRel xmlns:p188="http://schemas.microsoft.com/office/powerpoint/2018/8/main" r:id="rId3"/>
+    </p:ext>
+  </p:extLst>
 </p:sld>
 </file>
 
@@ -14159,7 +15456,7 @@
           <p:cNvPr id="3" name="Title 2">
             <a:extLst>
               <a:ext uri="{FF2B5EF4-FFF2-40B4-BE49-F238E27FC236}">
-                <a16:creationId xmlns:a16="http://schemas.microsoft.com/office/drawing/2014/main" id="{3E5FEE2D-79E5-4C1D-8BF7-EE619CA7039A}"/>
+                <a16:creationId xmlns:a16="http://schemas.microsoft.com/office/drawing/2014/main" id="{77762301-F83A-4BEA-9D11-E6C99FB574A8}"/>
               </a:ext>
             </a:extLst>
           </p:cNvPr>
@@ -14182,24 +15479,17 @@
           <a:p>
             <a:r>
               <a:rPr lang="en-US" dirty="0"/>
-              <a:t>Dataset Head</a:t>
-            </a:r>
-            <a:br>
-              <a:rPr lang="en-US" dirty="0"/>
-            </a:br>
-            <a:r>
-              <a:rPr lang="en-US" i="1" dirty="0"/>
-              <a:t>(rows X Columns)</a:t>
+              <a:t>Our Process</a:t>
             </a:r>
           </a:p>
         </p:txBody>
       </p:sp>
       <p:graphicFrame>
         <p:nvGraphicFramePr>
-          <p:cNvPr id="4" name="Table 4">
-            <a:extLst>
-              <a:ext uri="{FF2B5EF4-FFF2-40B4-BE49-F238E27FC236}">
-                <a16:creationId xmlns:a16="http://schemas.microsoft.com/office/drawing/2014/main" id="{390E7E75-E57A-4FF0-A0E4-A4DBCF6EA89A}"/>
+          <p:cNvPr id="33" name="Content Placeholder 3" descr="Timeline Placeholder ">
+            <a:extLst>
+              <a:ext uri="{FF2B5EF4-FFF2-40B4-BE49-F238E27FC236}">
+                <a16:creationId xmlns:a16="http://schemas.microsoft.com/office/drawing/2014/main" id="{7BC1F95D-CCD2-421B-B06B-706699FAAD5D}"/>
               </a:ext>
             </a:extLst>
           </p:cNvPr>
@@ -14207,898 +15497,30 @@
             <a:graphicFrameLocks noGrp="1"/>
           </p:cNvGraphicFramePr>
           <p:nvPr>
-            <p:ph type="tbl" sz="quarter" idx="14"/>
+            <p:ph type="dgm" sz="quarter" idx="15"/>
             <p:extLst>
               <p:ext uri="{D42A27DB-BD31-4B8C-83A1-F6EECF244321}">
-                <p14:modId xmlns:p14="http://schemas.microsoft.com/office/powerpoint/2010/main" val="3855681044"/>
+                <p14:modId xmlns:p14="http://schemas.microsoft.com/office/powerpoint/2010/main" val="3385462234"/>
               </p:ext>
             </p:extLst>
           </p:nvPr>
         </p:nvGraphicFramePr>
         <p:xfrm>
           <a:off x="838200" y="2111375"/>
-          <a:ext cx="10515600" cy="3570970"/>
+          <a:ext cx="10515600" cy="3744913"/>
         </p:xfrm>
         <a:graphic>
-          <a:graphicData uri="http://schemas.openxmlformats.org/drawingml/2006/table">
-            <a:tbl>
-              <a:tblPr firstRow="1" bandRow="1">
-                <a:tableStyleId>{7E9639D4-E3E2-4D34-9284-5A2195B3D0D7}</a:tableStyleId>
-              </a:tblPr>
-              <a:tblGrid>
-                <a:gridCol w="2103120">
-                  <a:extLst>
-                    <a:ext uri="{9D8B030D-6E8A-4147-A177-3AD203B41FA5}">
-                      <a16:colId xmlns:a16="http://schemas.microsoft.com/office/drawing/2014/main" val="3261104555"/>
-                    </a:ext>
-                  </a:extLst>
-                </a:gridCol>
-                <a:gridCol w="2103120">
-                  <a:extLst>
-                    <a:ext uri="{9D8B030D-6E8A-4147-A177-3AD203B41FA5}">
-                      <a16:colId xmlns:a16="http://schemas.microsoft.com/office/drawing/2014/main" val="2547279344"/>
-                    </a:ext>
-                  </a:extLst>
-                </a:gridCol>
-                <a:gridCol w="2103120">
-                  <a:extLst>
-                    <a:ext uri="{9D8B030D-6E8A-4147-A177-3AD203B41FA5}">
-                      <a16:colId xmlns:a16="http://schemas.microsoft.com/office/drawing/2014/main" val="2366228292"/>
-                    </a:ext>
-                  </a:extLst>
-                </a:gridCol>
-                <a:gridCol w="2103120">
-                  <a:extLst>
-                    <a:ext uri="{9D8B030D-6E8A-4147-A177-3AD203B41FA5}">
-                      <a16:colId xmlns:a16="http://schemas.microsoft.com/office/drawing/2014/main" val="934788178"/>
-                    </a:ext>
-                  </a:extLst>
-                </a:gridCol>
-                <a:gridCol w="2103120">
-                  <a:extLst>
-                    <a:ext uri="{9D8B030D-6E8A-4147-A177-3AD203B41FA5}">
-                      <a16:colId xmlns:a16="http://schemas.microsoft.com/office/drawing/2014/main" val="2596635212"/>
-                    </a:ext>
-                  </a:extLst>
-                </a:gridCol>
-              </a:tblGrid>
-              <a:tr h="714194">
-                <a:tc>
-                  <a:txBody>
-                    <a:bodyPr/>
-                    <a:lstStyle/>
-                    <a:p>
-                      <a:pPr algn="ctr" rtl="0" fontAlgn="auto"/>
-                      <a:r>
-                        <a:rPr lang="en-US" sz="1600" b="1" i="0" dirty="0">
-                          <a:solidFill>
-                            <a:srgbClr val="FFFFFF"/>
-                          </a:solidFill>
-                          <a:effectLst/>
-                          <a:latin typeface="+mn-lt"/>
-                        </a:rPr>
-                        <a:t>​</a:t>
-                      </a:r>
-                    </a:p>
-                  </a:txBody>
-                  <a:tcPr anchor="ctr"/>
-                </a:tc>
-                <a:tc>
-                  <a:txBody>
-                    <a:bodyPr/>
-                    <a:lstStyle/>
-                    <a:p>
-                      <a:pPr algn="ctr" rtl="0" fontAlgn="base"/>
-                      <a:r>
-                        <a:rPr lang="en-US" sz="1600" b="0" i="0" dirty="0">
-                          <a:solidFill>
-                            <a:schemeClr val="accent1"/>
-                          </a:solidFill>
-                          <a:effectLst/>
-                          <a:latin typeface="+mn-lt"/>
-                        </a:rPr>
-                        <a:t>CATEGORY 1</a:t>
-                      </a:r>
-                      <a:endParaRPr lang="en-US" sz="1600" b="1" i="0" dirty="0">
-                        <a:solidFill>
-                          <a:schemeClr val="accent1"/>
-                        </a:solidFill>
-                        <a:effectLst/>
-                        <a:latin typeface="+mn-lt"/>
-                      </a:endParaRPr>
-                    </a:p>
-                  </a:txBody>
-                  <a:tcPr anchor="ctr"/>
-                </a:tc>
-                <a:tc>
-                  <a:txBody>
-                    <a:bodyPr/>
-                    <a:lstStyle/>
-                    <a:p>
-                      <a:pPr algn="ctr" rtl="0" fontAlgn="base"/>
-                      <a:r>
-                        <a:rPr lang="en-US" sz="1600" b="0" i="0" dirty="0">
-                          <a:solidFill>
-                            <a:schemeClr val="accent1"/>
-                          </a:solidFill>
-                          <a:effectLst/>
-                          <a:latin typeface="+mn-lt"/>
-                        </a:rPr>
-                        <a:t>CATEGORY 2</a:t>
-                      </a:r>
-                      <a:endParaRPr lang="en-US" sz="1600" b="1" i="0" dirty="0">
-                        <a:solidFill>
-                          <a:schemeClr val="accent1"/>
-                        </a:solidFill>
-                        <a:effectLst/>
-                        <a:latin typeface="+mn-lt"/>
-                      </a:endParaRPr>
-                    </a:p>
-                  </a:txBody>
-                  <a:tcPr anchor="ctr"/>
-                </a:tc>
-                <a:tc>
-                  <a:txBody>
-                    <a:bodyPr/>
-                    <a:lstStyle/>
-                    <a:p>
-                      <a:pPr algn="ctr" rtl="0" fontAlgn="base"/>
-                      <a:r>
-                        <a:rPr lang="en-US" sz="1600" b="0" i="0" kern="1200" dirty="0">
-                          <a:solidFill>
-                            <a:schemeClr val="accent1"/>
-                          </a:solidFill>
-                          <a:effectLst/>
-                          <a:latin typeface="+mn-lt"/>
-                          <a:ea typeface="+mn-ea"/>
-                          <a:cs typeface="+mn-cs"/>
-                        </a:rPr>
-                        <a:t>CATEGORY 3</a:t>
-                      </a:r>
-                      <a:r>
-                        <a:rPr lang="en-US" sz="1600" b="1" i="0" dirty="0">
-                          <a:solidFill>
-                            <a:srgbClr val="FFFFFF"/>
-                          </a:solidFill>
-                          <a:effectLst/>
-                          <a:latin typeface="+mn-lt"/>
-                        </a:rPr>
-                        <a:t>​</a:t>
-                      </a:r>
-                    </a:p>
-                  </a:txBody>
-                  <a:tcPr anchor="ctr"/>
-                </a:tc>
-                <a:tc>
-                  <a:txBody>
-                    <a:bodyPr/>
-                    <a:lstStyle/>
-                    <a:p>
-                      <a:pPr algn="ctr" rtl="0" fontAlgn="base"/>
-                      <a:r>
-                        <a:rPr lang="en-US" sz="1600" b="0" i="0" kern="1200" dirty="0">
-                          <a:solidFill>
-                            <a:schemeClr val="accent1"/>
-                          </a:solidFill>
-                          <a:effectLst/>
-                          <a:latin typeface="+mn-lt"/>
-                          <a:ea typeface="+mn-ea"/>
-                          <a:cs typeface="+mn-cs"/>
-                        </a:rPr>
-                        <a:t>CATEGORY 4​</a:t>
-                      </a:r>
-                    </a:p>
-                  </a:txBody>
-                  <a:tcPr anchor="ctr"/>
-                </a:tc>
-                <a:extLst>
-                  <a:ext uri="{0D108BD9-81ED-4DB2-BD59-A6C34878D82A}">
-                    <a16:rowId xmlns:a16="http://schemas.microsoft.com/office/drawing/2014/main" val="3441328149"/>
-                  </a:ext>
-                </a:extLst>
-              </a:tr>
-              <a:tr h="714194">
-                <a:tc>
-                  <a:txBody>
-                    <a:bodyPr/>
-                    <a:lstStyle/>
-                    <a:p>
-                      <a:pPr algn="ctr" rtl="0" fontAlgn="base"/>
-                      <a:r>
-                        <a:rPr lang="en-US" sz="1400" b="0" i="0" dirty="0">
-                          <a:solidFill>
-                            <a:srgbClr val="333F50"/>
-                          </a:solidFill>
-                          <a:effectLst/>
-                          <a:latin typeface="+mn-lt"/>
-                        </a:rPr>
-                        <a:t>Q1</a:t>
-                      </a:r>
-                      <a:endParaRPr lang="en-US" sz="1400" b="0" i="0" dirty="0">
-                        <a:solidFill>
-                          <a:srgbClr val="000000"/>
-                        </a:solidFill>
-                        <a:effectLst/>
-                        <a:latin typeface="+mn-lt"/>
-                      </a:endParaRPr>
-                    </a:p>
-                  </a:txBody>
-                  <a:tcPr anchor="ctr">
-                    <a:lnL w="12700" cap="flat" cmpd="sng" algn="ctr">
-                      <a:noFill/>
-                      <a:prstDash val="solid"/>
-                      <a:round/>
-                      <a:headEnd type="none" w="med" len="med"/>
-                      <a:tailEnd type="none" w="med" len="med"/>
-                    </a:lnL>
-                  </a:tcPr>
-                </a:tc>
-                <a:tc>
-                  <a:txBody>
-                    <a:bodyPr/>
-                    <a:lstStyle/>
-                    <a:p>
-                      <a:pPr algn="ctr" rtl="0" fontAlgn="base"/>
-                      <a:r>
-                        <a:rPr lang="en-US" sz="1400" b="0" i="0" dirty="0">
-                          <a:solidFill>
-                            <a:srgbClr val="333F50"/>
-                          </a:solidFill>
-                          <a:effectLst/>
-                          <a:latin typeface="+mn-lt"/>
-                        </a:rPr>
-                        <a:t>4.5</a:t>
-                      </a:r>
-                      <a:r>
-                        <a:rPr lang="en-US" sz="1400" b="0" i="0" dirty="0">
-                          <a:solidFill>
-                            <a:srgbClr val="000000"/>
-                          </a:solidFill>
-                          <a:effectLst/>
-                          <a:latin typeface="+mn-lt"/>
-                        </a:rPr>
-                        <a:t>​</a:t>
-                      </a:r>
-                    </a:p>
-                  </a:txBody>
-                  <a:tcPr anchor="ctr"/>
-                </a:tc>
-                <a:tc>
-                  <a:txBody>
-                    <a:bodyPr/>
-                    <a:lstStyle/>
-                    <a:p>
-                      <a:pPr algn="ctr" rtl="0" fontAlgn="base"/>
-                      <a:r>
-                        <a:rPr lang="en-US" sz="1400" b="0" i="0" dirty="0">
-                          <a:solidFill>
-                            <a:srgbClr val="333F50"/>
-                          </a:solidFill>
-                          <a:effectLst/>
-                          <a:latin typeface="+mn-lt"/>
-                        </a:rPr>
-                        <a:t>2.3</a:t>
-                      </a:r>
-                      <a:r>
-                        <a:rPr lang="en-US" sz="1400" b="0" i="0" dirty="0">
-                          <a:solidFill>
-                            <a:srgbClr val="000000"/>
-                          </a:solidFill>
-                          <a:effectLst/>
-                          <a:latin typeface="+mn-lt"/>
-                        </a:rPr>
-                        <a:t>​</a:t>
-                      </a:r>
-                    </a:p>
-                  </a:txBody>
-                  <a:tcPr anchor="ctr"/>
-                </a:tc>
-                <a:tc>
-                  <a:txBody>
-                    <a:bodyPr/>
-                    <a:lstStyle/>
-                    <a:p>
-                      <a:pPr algn="ctr" rtl="0" fontAlgn="base"/>
-                      <a:r>
-                        <a:rPr lang="en-US" sz="1400" b="0" i="0" dirty="0">
-                          <a:solidFill>
-                            <a:srgbClr val="333F50"/>
-                          </a:solidFill>
-                          <a:effectLst/>
-                          <a:latin typeface="+mn-lt"/>
-                        </a:rPr>
-                        <a:t>1.7</a:t>
-                      </a:r>
-                      <a:r>
-                        <a:rPr lang="en-US" sz="1400" b="0" i="0" dirty="0">
-                          <a:solidFill>
-                            <a:srgbClr val="000000"/>
-                          </a:solidFill>
-                          <a:effectLst/>
-                          <a:latin typeface="+mn-lt"/>
-                        </a:rPr>
-                        <a:t>​</a:t>
-                      </a:r>
-                    </a:p>
-                  </a:txBody>
-                  <a:tcPr anchor="ctr">
-                    <a:lnR w="12700" cap="flat" cmpd="sng" algn="ctr">
-                      <a:noFill/>
-                      <a:prstDash val="solid"/>
-                      <a:round/>
-                      <a:headEnd type="none" w="med" len="med"/>
-                      <a:tailEnd type="none" w="med" len="med"/>
-                    </a:lnR>
-                  </a:tcPr>
-                </a:tc>
-                <a:tc>
-                  <a:txBody>
-                    <a:bodyPr/>
-                    <a:lstStyle/>
-                    <a:p>
-                      <a:pPr algn="ctr" rtl="0" fontAlgn="base"/>
-                      <a:r>
-                        <a:rPr lang="en-US" sz="1400" b="0" i="0" dirty="0">
-                          <a:solidFill>
-                            <a:srgbClr val="333F50"/>
-                          </a:solidFill>
-                          <a:effectLst/>
-                          <a:latin typeface="+mn-lt"/>
-                        </a:rPr>
-                        <a:t>5</a:t>
-                      </a:r>
-                      <a:r>
-                        <a:rPr lang="en-US" sz="1400" b="0" i="0" dirty="0">
-                          <a:solidFill>
-                            <a:srgbClr val="000000"/>
-                          </a:solidFill>
-                          <a:effectLst/>
-                          <a:latin typeface="+mn-lt"/>
-                        </a:rPr>
-                        <a:t>​.0</a:t>
-                      </a:r>
-                    </a:p>
-                  </a:txBody>
-                  <a:tcPr anchor="ctr">
-                    <a:lnL w="12700" cap="flat" cmpd="sng" algn="ctr">
-                      <a:noFill/>
-                      <a:prstDash val="solid"/>
-                      <a:round/>
-                      <a:headEnd type="none" w="med" len="med"/>
-                      <a:tailEnd type="none" w="med" len="med"/>
-                    </a:lnL>
-                    <a:lnR w="12700" cap="flat" cmpd="sng" algn="ctr">
-                      <a:noFill/>
-                      <a:prstDash val="solid"/>
-                      <a:round/>
-                      <a:headEnd type="none" w="med" len="med"/>
-                      <a:tailEnd type="none" w="med" len="med"/>
-                    </a:lnR>
-                  </a:tcPr>
-                </a:tc>
-                <a:extLst>
-                  <a:ext uri="{0D108BD9-81ED-4DB2-BD59-A6C34878D82A}">
-                    <a16:rowId xmlns:a16="http://schemas.microsoft.com/office/drawing/2014/main" val="3134841754"/>
-                  </a:ext>
-                </a:extLst>
-              </a:tr>
-              <a:tr h="714194">
-                <a:tc>
-                  <a:txBody>
-                    <a:bodyPr/>
-                    <a:lstStyle/>
-                    <a:p>
-                      <a:pPr algn="ctr" rtl="0" fontAlgn="base"/>
-                      <a:r>
-                        <a:rPr lang="en-US" sz="1400" b="0" i="0" dirty="0">
-                          <a:solidFill>
-                            <a:srgbClr val="333F50"/>
-                          </a:solidFill>
-                          <a:effectLst/>
-                          <a:latin typeface="+mn-lt"/>
-                        </a:rPr>
-                        <a:t>Q2</a:t>
-                      </a:r>
-                      <a:endParaRPr lang="en-US" sz="1400" b="0" i="0" dirty="0">
-                        <a:solidFill>
-                          <a:srgbClr val="000000"/>
-                        </a:solidFill>
-                        <a:effectLst/>
-                        <a:latin typeface="+mn-lt"/>
-                      </a:endParaRPr>
-                    </a:p>
-                  </a:txBody>
-                  <a:tcPr anchor="ctr">
-                    <a:lnL w="12700" cap="flat" cmpd="sng" algn="ctr">
-                      <a:noFill/>
-                      <a:prstDash val="solid"/>
-                      <a:round/>
-                      <a:headEnd type="none" w="med" len="med"/>
-                      <a:tailEnd type="none" w="med" len="med"/>
-                    </a:lnL>
-                  </a:tcPr>
-                </a:tc>
-                <a:tc>
-                  <a:txBody>
-                    <a:bodyPr/>
-                    <a:lstStyle/>
-                    <a:p>
-                      <a:pPr algn="ctr" rtl="0" fontAlgn="base"/>
-                      <a:r>
-                        <a:rPr lang="en-US" sz="1400" b="0" i="0" dirty="0">
-                          <a:solidFill>
-                            <a:srgbClr val="333F50"/>
-                          </a:solidFill>
-                          <a:effectLst/>
-                          <a:latin typeface="+mn-lt"/>
-                        </a:rPr>
-                        <a:t>3.2</a:t>
-                      </a:r>
-                      <a:r>
-                        <a:rPr lang="en-US" sz="1400" b="0" i="0" dirty="0">
-                          <a:solidFill>
-                            <a:srgbClr val="000000"/>
-                          </a:solidFill>
-                          <a:effectLst/>
-                          <a:latin typeface="+mn-lt"/>
-                        </a:rPr>
-                        <a:t>​</a:t>
-                      </a:r>
-                    </a:p>
-                  </a:txBody>
-                  <a:tcPr anchor="ctr"/>
-                </a:tc>
-                <a:tc>
-                  <a:txBody>
-                    <a:bodyPr/>
-                    <a:lstStyle/>
-                    <a:p>
-                      <a:pPr algn="ctr" rtl="0" fontAlgn="base"/>
-                      <a:r>
-                        <a:rPr lang="en-US" sz="1400" b="0" i="0" dirty="0">
-                          <a:solidFill>
-                            <a:srgbClr val="333F50"/>
-                          </a:solidFill>
-                          <a:effectLst/>
-                          <a:latin typeface="+mn-lt"/>
-                        </a:rPr>
-                        <a:t>5.1</a:t>
-                      </a:r>
-                      <a:r>
-                        <a:rPr lang="en-US" sz="1400" b="0" i="0" dirty="0">
-                          <a:solidFill>
-                            <a:srgbClr val="000000"/>
-                          </a:solidFill>
-                          <a:effectLst/>
-                          <a:latin typeface="+mn-lt"/>
-                        </a:rPr>
-                        <a:t>​</a:t>
-                      </a:r>
-                    </a:p>
-                  </a:txBody>
-                  <a:tcPr anchor="ctr"/>
-                </a:tc>
-                <a:tc>
-                  <a:txBody>
-                    <a:bodyPr/>
-                    <a:lstStyle/>
-                    <a:p>
-                      <a:pPr algn="ctr" rtl="0" fontAlgn="base"/>
-                      <a:r>
-                        <a:rPr lang="en-US" sz="1400" b="0" i="0" dirty="0">
-                          <a:solidFill>
-                            <a:srgbClr val="333F50"/>
-                          </a:solidFill>
-                          <a:effectLst/>
-                          <a:latin typeface="+mn-lt"/>
-                        </a:rPr>
-                        <a:t>4.4</a:t>
-                      </a:r>
-                      <a:r>
-                        <a:rPr lang="en-US" sz="1400" b="0" i="0" dirty="0">
-                          <a:solidFill>
-                            <a:srgbClr val="000000"/>
-                          </a:solidFill>
-                          <a:effectLst/>
-                          <a:latin typeface="+mn-lt"/>
-                        </a:rPr>
-                        <a:t>​</a:t>
-                      </a:r>
-                    </a:p>
-                  </a:txBody>
-                  <a:tcPr anchor="ctr"/>
-                </a:tc>
-                <a:tc>
-                  <a:txBody>
-                    <a:bodyPr/>
-                    <a:lstStyle/>
-                    <a:p>
-                      <a:pPr algn="ctr" rtl="0" fontAlgn="base"/>
-                      <a:r>
-                        <a:rPr lang="en-US" sz="1400" b="0" i="0" dirty="0">
-                          <a:solidFill>
-                            <a:srgbClr val="333F50"/>
-                          </a:solidFill>
-                          <a:effectLst/>
-                          <a:latin typeface="+mn-lt"/>
-                        </a:rPr>
-                        <a:t>3</a:t>
-                      </a:r>
-                      <a:r>
-                        <a:rPr lang="en-US" sz="1400" b="0" i="0" dirty="0">
-                          <a:solidFill>
-                            <a:srgbClr val="000000"/>
-                          </a:solidFill>
-                          <a:effectLst/>
-                          <a:latin typeface="+mn-lt"/>
-                        </a:rPr>
-                        <a:t>​.0</a:t>
-                      </a:r>
-                    </a:p>
-                  </a:txBody>
-                  <a:tcPr anchor="ctr">
-                    <a:lnR w="12700" cap="flat" cmpd="sng" algn="ctr">
-                      <a:noFill/>
-                      <a:prstDash val="solid"/>
-                      <a:round/>
-                      <a:headEnd type="none" w="med" len="med"/>
-                      <a:tailEnd type="none" w="med" len="med"/>
-                    </a:lnR>
-                  </a:tcPr>
-                </a:tc>
-                <a:extLst>
-                  <a:ext uri="{0D108BD9-81ED-4DB2-BD59-A6C34878D82A}">
-                    <a16:rowId xmlns:a16="http://schemas.microsoft.com/office/drawing/2014/main" val="4129140390"/>
-                  </a:ext>
-                </a:extLst>
-              </a:tr>
-              <a:tr h="714194">
-                <a:tc>
-                  <a:txBody>
-                    <a:bodyPr/>
-                    <a:lstStyle/>
-                    <a:p>
-                      <a:pPr algn="ctr" rtl="0" fontAlgn="base"/>
-                      <a:r>
-                        <a:rPr lang="en-US" sz="1400" b="0" i="0" dirty="0">
-                          <a:solidFill>
-                            <a:srgbClr val="333F50"/>
-                          </a:solidFill>
-                          <a:effectLst/>
-                          <a:latin typeface="+mn-lt"/>
-                        </a:rPr>
-                        <a:t>Q3</a:t>
-                      </a:r>
-                      <a:endParaRPr lang="en-US" sz="1400" b="0" i="0" dirty="0">
-                        <a:solidFill>
-                          <a:srgbClr val="000000"/>
-                        </a:solidFill>
-                        <a:effectLst/>
-                        <a:latin typeface="+mn-lt"/>
-                      </a:endParaRPr>
-                    </a:p>
-                  </a:txBody>
-                  <a:tcPr anchor="ctr">
-                    <a:lnL w="12700" cap="flat" cmpd="sng" algn="ctr">
-                      <a:noFill/>
-                      <a:prstDash val="solid"/>
-                      <a:round/>
-                      <a:headEnd type="none" w="med" len="med"/>
-                      <a:tailEnd type="none" w="med" len="med"/>
-                    </a:lnL>
-                  </a:tcPr>
-                </a:tc>
-                <a:tc>
-                  <a:txBody>
-                    <a:bodyPr/>
-                    <a:lstStyle/>
-                    <a:p>
-                      <a:pPr algn="ctr" rtl="0" fontAlgn="base"/>
-                      <a:r>
-                        <a:rPr lang="en-US" sz="1400" b="0" i="0" dirty="0">
-                          <a:solidFill>
-                            <a:srgbClr val="333F50"/>
-                          </a:solidFill>
-                          <a:effectLst/>
-                          <a:latin typeface="+mn-lt"/>
-                        </a:rPr>
-                        <a:t>2.1</a:t>
-                      </a:r>
-                      <a:r>
-                        <a:rPr lang="en-US" sz="1400" b="0" i="0" dirty="0">
-                          <a:solidFill>
-                            <a:srgbClr val="000000"/>
-                          </a:solidFill>
-                          <a:effectLst/>
-                          <a:latin typeface="+mn-lt"/>
-                        </a:rPr>
-                        <a:t>​</a:t>
-                      </a:r>
-                    </a:p>
-                  </a:txBody>
-                  <a:tcPr anchor="ctr"/>
-                </a:tc>
-                <a:tc>
-                  <a:txBody>
-                    <a:bodyPr/>
-                    <a:lstStyle/>
-                    <a:p>
-                      <a:pPr algn="ctr" rtl="0" fontAlgn="base"/>
-                      <a:r>
-                        <a:rPr lang="en-US" sz="1400" b="0" i="0" dirty="0">
-                          <a:solidFill>
-                            <a:srgbClr val="333F50"/>
-                          </a:solidFill>
-                          <a:effectLst/>
-                          <a:latin typeface="+mn-lt"/>
-                        </a:rPr>
-                        <a:t>1.7</a:t>
-                      </a:r>
-                      <a:r>
-                        <a:rPr lang="en-US" sz="1400" b="0" i="0" dirty="0">
-                          <a:solidFill>
-                            <a:srgbClr val="000000"/>
-                          </a:solidFill>
-                          <a:effectLst/>
-                          <a:latin typeface="+mn-lt"/>
-                        </a:rPr>
-                        <a:t>​</a:t>
-                      </a:r>
-                    </a:p>
-                  </a:txBody>
-                  <a:tcPr anchor="ctr"/>
-                </a:tc>
-                <a:tc>
-                  <a:txBody>
-                    <a:bodyPr/>
-                    <a:lstStyle/>
-                    <a:p>
-                      <a:pPr algn="ctr" rtl="0" fontAlgn="base"/>
-                      <a:r>
-                        <a:rPr lang="en-US" sz="1400" b="0" i="0" dirty="0">
-                          <a:solidFill>
-                            <a:srgbClr val="333F50"/>
-                          </a:solidFill>
-                          <a:effectLst/>
-                          <a:latin typeface="+mn-lt"/>
-                        </a:rPr>
-                        <a:t>2.5</a:t>
-                      </a:r>
-                      <a:r>
-                        <a:rPr lang="en-US" sz="1400" b="0" i="0" dirty="0">
-                          <a:solidFill>
-                            <a:srgbClr val="000000"/>
-                          </a:solidFill>
-                          <a:effectLst/>
-                          <a:latin typeface="+mn-lt"/>
-                        </a:rPr>
-                        <a:t>​</a:t>
-                      </a:r>
-                    </a:p>
-                  </a:txBody>
-                  <a:tcPr anchor="ctr"/>
-                </a:tc>
-                <a:tc>
-                  <a:txBody>
-                    <a:bodyPr/>
-                    <a:lstStyle/>
-                    <a:p>
-                      <a:pPr algn="ctr" rtl="0" fontAlgn="base"/>
-                      <a:r>
-                        <a:rPr lang="en-US" sz="1400" b="0" i="0" dirty="0">
-                          <a:solidFill>
-                            <a:srgbClr val="333F50"/>
-                          </a:solidFill>
-                          <a:effectLst/>
-                          <a:latin typeface="+mn-lt"/>
-                        </a:rPr>
-                        <a:t>2.8</a:t>
-                      </a:r>
-                      <a:r>
-                        <a:rPr lang="en-US" sz="1400" b="0" i="0" dirty="0">
-                          <a:solidFill>
-                            <a:srgbClr val="000000"/>
-                          </a:solidFill>
-                          <a:effectLst/>
-                          <a:latin typeface="+mn-lt"/>
-                        </a:rPr>
-                        <a:t>​</a:t>
-                      </a:r>
-                    </a:p>
-                  </a:txBody>
-                  <a:tcPr anchor="ctr">
-                    <a:lnR w="12700" cap="flat" cmpd="sng" algn="ctr">
-                      <a:noFill/>
-                      <a:prstDash val="solid"/>
-                      <a:round/>
-                      <a:headEnd type="none" w="med" len="med"/>
-                      <a:tailEnd type="none" w="med" len="med"/>
-                    </a:lnR>
-                  </a:tcPr>
-                </a:tc>
-                <a:extLst>
-                  <a:ext uri="{0D108BD9-81ED-4DB2-BD59-A6C34878D82A}">
-                    <a16:rowId xmlns:a16="http://schemas.microsoft.com/office/drawing/2014/main" val="1699990805"/>
-                  </a:ext>
-                </a:extLst>
-              </a:tr>
-              <a:tr h="714194">
-                <a:tc>
-                  <a:txBody>
-                    <a:bodyPr/>
-                    <a:lstStyle/>
-                    <a:p>
-                      <a:pPr algn="ctr" rtl="0" fontAlgn="base"/>
-                      <a:r>
-                        <a:rPr lang="en-US" sz="1400" b="0" i="0" dirty="0">
-                          <a:solidFill>
-                            <a:srgbClr val="333F50"/>
-                          </a:solidFill>
-                          <a:effectLst/>
-                          <a:latin typeface="+mn-lt"/>
-                        </a:rPr>
-                        <a:t>Q4</a:t>
-                      </a:r>
-                      <a:endParaRPr lang="en-US" sz="1400" b="0" i="0" dirty="0">
-                        <a:solidFill>
-                          <a:srgbClr val="000000"/>
-                        </a:solidFill>
-                        <a:effectLst/>
-                        <a:latin typeface="+mn-lt"/>
-                      </a:endParaRPr>
-                    </a:p>
-                  </a:txBody>
-                  <a:tcPr anchor="ctr">
-                    <a:lnL w="12700" cap="flat" cmpd="sng" algn="ctr">
-                      <a:noFill/>
-                      <a:prstDash val="solid"/>
-                      <a:round/>
-                      <a:headEnd type="none" w="med" len="med"/>
-                      <a:tailEnd type="none" w="med" len="med"/>
-                    </a:lnL>
-                  </a:tcPr>
-                </a:tc>
-                <a:tc>
-                  <a:txBody>
-                    <a:bodyPr/>
-                    <a:lstStyle/>
-                    <a:p>
-                      <a:pPr algn="ctr" rtl="0" fontAlgn="base"/>
-                      <a:r>
-                        <a:rPr lang="en-US" sz="1400" b="0" i="0" dirty="0">
-                          <a:solidFill>
-                            <a:srgbClr val="333F50"/>
-                          </a:solidFill>
-                          <a:effectLst/>
-                          <a:latin typeface="+mn-lt"/>
-                        </a:rPr>
-                        <a:t>4.5</a:t>
-                      </a:r>
-                      <a:r>
-                        <a:rPr lang="en-US" sz="1400" b="0" i="0" dirty="0">
-                          <a:solidFill>
-                            <a:srgbClr val="000000"/>
-                          </a:solidFill>
-                          <a:effectLst/>
-                          <a:latin typeface="+mn-lt"/>
-                        </a:rPr>
-                        <a:t>​</a:t>
-                      </a:r>
-                    </a:p>
-                  </a:txBody>
-                  <a:tcPr anchor="ctr"/>
-                </a:tc>
-                <a:tc>
-                  <a:txBody>
-                    <a:bodyPr/>
-                    <a:lstStyle/>
-                    <a:p>
-                      <a:pPr algn="ctr" rtl="0" fontAlgn="base"/>
-                      <a:r>
-                        <a:rPr lang="en-US" sz="1400" b="0" i="0" dirty="0">
-                          <a:solidFill>
-                            <a:srgbClr val="333F50"/>
-                          </a:solidFill>
-                          <a:effectLst/>
-                          <a:latin typeface="+mn-lt"/>
-                        </a:rPr>
-                        <a:t>2.2</a:t>
-                      </a:r>
-                      <a:r>
-                        <a:rPr lang="en-US" sz="1400" b="0" i="0" dirty="0">
-                          <a:solidFill>
-                            <a:srgbClr val="000000"/>
-                          </a:solidFill>
-                          <a:effectLst/>
-                          <a:latin typeface="+mn-lt"/>
-                        </a:rPr>
-                        <a:t>​</a:t>
-                      </a:r>
-                    </a:p>
-                  </a:txBody>
-                  <a:tcPr anchor="ctr"/>
-                </a:tc>
-                <a:tc>
-                  <a:txBody>
-                    <a:bodyPr/>
-                    <a:lstStyle/>
-                    <a:p>
-                      <a:pPr algn="ctr" rtl="0" fontAlgn="base"/>
-                      <a:r>
-                        <a:rPr lang="en-US" sz="1400" b="0" i="0" dirty="0">
-                          <a:solidFill>
-                            <a:srgbClr val="333F50"/>
-                          </a:solidFill>
-                          <a:effectLst/>
-                          <a:latin typeface="+mn-lt"/>
-                        </a:rPr>
-                        <a:t>1.7</a:t>
-                      </a:r>
-                      <a:r>
-                        <a:rPr lang="en-US" sz="1400" b="0" i="0" dirty="0">
-                          <a:solidFill>
-                            <a:srgbClr val="000000"/>
-                          </a:solidFill>
-                          <a:effectLst/>
-                          <a:latin typeface="+mn-lt"/>
-                        </a:rPr>
-                        <a:t>​</a:t>
-                      </a:r>
-                    </a:p>
-                  </a:txBody>
-                  <a:tcPr anchor="ctr"/>
-                </a:tc>
-                <a:tc>
-                  <a:txBody>
-                    <a:bodyPr/>
-                    <a:lstStyle/>
-                    <a:p>
-                      <a:pPr algn="ctr" rtl="0" fontAlgn="base"/>
-                      <a:r>
-                        <a:rPr lang="en-US" sz="1400" b="0" i="0" dirty="0">
-                          <a:solidFill>
-                            <a:srgbClr val="333F50"/>
-                          </a:solidFill>
-                          <a:effectLst/>
-                          <a:latin typeface="+mn-lt"/>
-                        </a:rPr>
-                        <a:t>7.0</a:t>
-                      </a:r>
-                      <a:endParaRPr lang="en-US" sz="1400" b="0" i="0" dirty="0">
-                        <a:solidFill>
-                          <a:srgbClr val="000000"/>
-                        </a:solidFill>
-                        <a:effectLst/>
-                        <a:latin typeface="+mn-lt"/>
-                      </a:endParaRPr>
-                    </a:p>
-                  </a:txBody>
-                  <a:tcPr anchor="ctr">
-                    <a:lnR w="12700" cap="flat" cmpd="sng" algn="ctr">
-                      <a:noFill/>
-                      <a:prstDash val="solid"/>
-                      <a:round/>
-                      <a:headEnd type="none" w="med" len="med"/>
-                      <a:tailEnd type="none" w="med" len="med"/>
-                    </a:lnR>
-                  </a:tcPr>
-                </a:tc>
-                <a:extLst>
-                  <a:ext uri="{0D108BD9-81ED-4DB2-BD59-A6C34878D82A}">
-                    <a16:rowId xmlns:a16="http://schemas.microsoft.com/office/drawing/2014/main" val="3388671141"/>
-                  </a:ext>
-                </a:extLst>
-              </a:tr>
-            </a:tbl>
+          <a:graphicData uri="http://schemas.openxmlformats.org/drawingml/2006/diagram">
+            <dgm:relIds xmlns:dgm="http://schemas.openxmlformats.org/drawingml/2006/diagram" xmlns:r="http://schemas.openxmlformats.org/officeDocument/2006/relationships" r:dm="rId3" r:lo="rId4" r:qs="rId5" r:cs="rId6"/>
           </a:graphicData>
         </a:graphic>
       </p:graphicFrame>
       <p:sp>
         <p:nvSpPr>
-          <p:cNvPr id="8" name="Footer Placeholder 7">
-            <a:extLst>
-              <a:ext uri="{FF2B5EF4-FFF2-40B4-BE49-F238E27FC236}">
-                <a16:creationId xmlns:a16="http://schemas.microsoft.com/office/drawing/2014/main" id="{8BA5A93F-DCAE-40B8-8E94-3239A1A6A21A}"/>
+          <p:cNvPr id="7" name="Footer Placeholder 6">
+            <a:extLst>
+              <a:ext uri="{FF2B5EF4-FFF2-40B4-BE49-F238E27FC236}">
+                <a16:creationId xmlns:a16="http://schemas.microsoft.com/office/drawing/2014/main" id="{4E98E6AD-9D37-499C-898E-ED12AC36D31D}"/>
               </a:ext>
             </a:extLst>
           </p:cNvPr>
@@ -15128,10 +15550,10 @@
       </p:sp>
       <p:sp>
         <p:nvSpPr>
-          <p:cNvPr id="9" name="Slide Number Placeholder 8">
-            <a:extLst>
-              <a:ext uri="{FF2B5EF4-FFF2-40B4-BE49-F238E27FC236}">
-                <a16:creationId xmlns:a16="http://schemas.microsoft.com/office/drawing/2014/main" id="{03091613-153A-4005-9F4D-2F185AE5F7BF}"/>
+          <p:cNvPr id="8" name="Slide Number Placeholder 7">
+            <a:extLst>
+              <a:ext uri="{FF2B5EF4-FFF2-40B4-BE49-F238E27FC236}">
+                <a16:creationId xmlns:a16="http://schemas.microsoft.com/office/drawing/2014/main" id="{92908AF9-2A07-4B50-BC13-471792106EC8}"/>
               </a:ext>
             </a:extLst>
           </p:cNvPr>
@@ -15164,7 +15586,7 @@
     </p:spTree>
     <p:extLst>
       <p:ext uri="{BB962C8B-B14F-4D97-AF65-F5344CB8AC3E}">
-        <p14:creationId xmlns:p14="http://schemas.microsoft.com/office/powerpoint/2010/main" val="2499682613"/>
+        <p14:creationId xmlns:p14="http://schemas.microsoft.com/office/powerpoint/2010/main" val="2896385493"/>
       </p:ext>
     </p:extLst>
   </p:cSld>
@@ -15193,10 +15615,10 @@
       </p:grpSpPr>
       <p:sp>
         <p:nvSpPr>
-          <p:cNvPr id="2" name="Title 1">
-            <a:extLst>
-              <a:ext uri="{FF2B5EF4-FFF2-40B4-BE49-F238E27FC236}">
-                <a16:creationId xmlns:a16="http://schemas.microsoft.com/office/drawing/2014/main" id="{1BEF5859-10C9-4588-9727-B9362E26C29D}"/>
+          <p:cNvPr id="3" name="Title 2">
+            <a:extLst>
+              <a:ext uri="{FF2B5EF4-FFF2-40B4-BE49-F238E27FC236}">
+                <a16:creationId xmlns:a16="http://schemas.microsoft.com/office/drawing/2014/main" id="{3E5FEE2D-79E5-4C1D-8BF7-EE619CA7039A}"/>
               </a:ext>
             </a:extLst>
           </p:cNvPr>
@@ -15209,8 +15631,8 @@
         </p:nvSpPr>
         <p:spPr>
           <a:xfrm>
-            <a:off x="1333500" y="1020445"/>
-            <a:ext cx="2895600" cy="1325563"/>
+            <a:off x="838200" y="365125"/>
+            <a:ext cx="10515600" cy="1325563"/>
           </a:xfrm>
         </p:spPr>
         <p:txBody>
@@ -15219,31 +15641,32 @@
           <a:p>
             <a:r>
               <a:rPr lang="en-US" dirty="0"/>
-              <a:t>AGENDA</a:t>
-            </a:r>
-          </a:p>
-        </p:txBody>
-      </p:sp>
-      <p:sp>
-        <p:nvSpPr>
-          <p:cNvPr id="3" name="Content Placeholder 2">
-            <a:extLst>
-              <a:ext uri="{FF2B5EF4-FFF2-40B4-BE49-F238E27FC236}">
-                <a16:creationId xmlns:a16="http://schemas.microsoft.com/office/drawing/2014/main" id="{5671D7E5-EF66-4BCD-8DAA-E9061157F0BE}"/>
-              </a:ext>
-            </a:extLst>
-          </p:cNvPr>
-          <p:cNvSpPr>
-            <a:spLocks noGrp="1"/>
-          </p:cNvSpPr>
-          <p:nvPr>
-            <p:ph idx="1"/>
+              <a:t>Dataset Head</a:t>
+            </a:r>
+            <a:endParaRPr lang="en-US" i="1" dirty="0"/>
+          </a:p>
+        </p:txBody>
+      </p:sp>
+      <p:sp>
+        <p:nvSpPr>
+          <p:cNvPr id="8" name="Footer Placeholder 7">
+            <a:extLst>
+              <a:ext uri="{FF2B5EF4-FFF2-40B4-BE49-F238E27FC236}">
+                <a16:creationId xmlns:a16="http://schemas.microsoft.com/office/drawing/2014/main" id="{8BA5A93F-DCAE-40B8-8E94-3239A1A6A21A}"/>
+              </a:ext>
+            </a:extLst>
+          </p:cNvPr>
+          <p:cNvSpPr>
+            <a:spLocks noGrp="1"/>
+          </p:cNvSpPr>
+          <p:nvPr>
+            <p:ph type="ftr" sz="quarter" idx="11"/>
           </p:nvPr>
         </p:nvSpPr>
         <p:spPr>
           <a:xfrm>
-            <a:off x="1333500" y="2924175"/>
-            <a:ext cx="2895600" cy="2519363"/>
+            <a:off x="4038600" y="6356350"/>
+            <a:ext cx="4114800" cy="365125"/>
           </a:xfrm>
         </p:spPr>
         <p:txBody>
@@ -15252,88 +15675,31 @@
           <a:p>
             <a:r>
               <a:rPr lang="en-US" dirty="0"/>
-              <a:t>Introduction</a:t>
-            </a:r>
-          </a:p>
-          <a:p>
-            <a:r>
-              <a:rPr lang="en-US" dirty="0"/>
-              <a:t>Primary goals</a:t>
-            </a:r>
-          </a:p>
-          <a:p>
-            <a:r>
-              <a:rPr lang="en-US" dirty="0"/>
-              <a:t>Areas of growth</a:t>
-            </a:r>
-          </a:p>
-          <a:p>
-            <a:r>
-              <a:rPr lang="en-US" dirty="0"/>
-              <a:t>Timeline</a:t>
-            </a:r>
-          </a:p>
-          <a:p>
-            <a:r>
-              <a:rPr lang="en-US" dirty="0"/>
-              <a:t>Summary</a:t>
-            </a:r>
-          </a:p>
-        </p:txBody>
-      </p:sp>
-      <p:sp>
-        <p:nvSpPr>
-          <p:cNvPr id="4" name="Footer Placeholder 3">
-            <a:extLst>
-              <a:ext uri="{FF2B5EF4-FFF2-40B4-BE49-F238E27FC236}">
-                <a16:creationId xmlns:a16="http://schemas.microsoft.com/office/drawing/2014/main" id="{36C19884-873C-4D13-BE6D-318CF07B0D12}"/>
-              </a:ext>
-            </a:extLst>
-          </p:cNvPr>
-          <p:cNvSpPr>
-            <a:spLocks noGrp="1"/>
-          </p:cNvSpPr>
-          <p:nvPr>
-            <p:ph type="ftr" sz="quarter" idx="11"/>
+              <a:t>PRESENTATION TITLE</a:t>
+            </a:r>
+          </a:p>
+        </p:txBody>
+      </p:sp>
+      <p:sp>
+        <p:nvSpPr>
+          <p:cNvPr id="9" name="Slide Number Placeholder 8">
+            <a:extLst>
+              <a:ext uri="{FF2B5EF4-FFF2-40B4-BE49-F238E27FC236}">
+                <a16:creationId xmlns:a16="http://schemas.microsoft.com/office/drawing/2014/main" id="{03091613-153A-4005-9F4D-2F185AE5F7BF}"/>
+              </a:ext>
+            </a:extLst>
+          </p:cNvPr>
+          <p:cNvSpPr>
+            <a:spLocks noGrp="1"/>
+          </p:cNvSpPr>
+          <p:nvPr>
+            <p:ph type="sldNum" sz="quarter" idx="12"/>
           </p:nvPr>
         </p:nvSpPr>
         <p:spPr>
           <a:xfrm>
-            <a:off x="2669886" y="6356349"/>
-            <a:ext cx="2482842" cy="365125"/>
-          </a:xfrm>
-        </p:spPr>
-        <p:txBody>
-          <a:bodyPr/>
-          <a:lstStyle/>
-          <a:p>
-            <a:r>
-              <a:rPr lang="en-US" dirty="0"/>
-              <a:t>PRESENTATION TITLE</a:t>
-            </a:r>
-          </a:p>
-        </p:txBody>
-      </p:sp>
-      <p:sp>
-        <p:nvSpPr>
-          <p:cNvPr id="6" name="Slide Number Placeholder 5">
-            <a:extLst>
-              <a:ext uri="{FF2B5EF4-FFF2-40B4-BE49-F238E27FC236}">
-                <a16:creationId xmlns:a16="http://schemas.microsoft.com/office/drawing/2014/main" id="{7C991F00-87A7-45A6-8029-B097FA72498D}"/>
-              </a:ext>
-            </a:extLst>
-          </p:cNvPr>
-          <p:cNvSpPr>
-            <a:spLocks noGrp="1"/>
-          </p:cNvSpPr>
-          <p:nvPr>
-            <p:ph type="sldNum" sz="quarter" idx="12"/>
-          </p:nvPr>
-        </p:nvSpPr>
-        <p:spPr>
-          <a:xfrm>
-            <a:off x="5536305" y="6356350"/>
-            <a:ext cx="987552" cy="365125"/>
+            <a:off x="8610600" y="6356350"/>
+            <a:ext cx="2743200" cy="365125"/>
           </a:xfrm>
         </p:spPr>
         <p:txBody>
@@ -15349,10 +15715,45 @@
           </a:p>
         </p:txBody>
       </p:sp>
+      <p:sp>
+        <p:nvSpPr>
+          <p:cNvPr id="15" name="TextBox 14">
+            <a:extLst>
+              <a:ext uri="{FF2B5EF4-FFF2-40B4-BE49-F238E27FC236}">
+                <a16:creationId xmlns:a16="http://schemas.microsoft.com/office/drawing/2014/main" id="{96BAABD4-E503-26F2-219E-3959452C5B2F}"/>
+              </a:ext>
+            </a:extLst>
+          </p:cNvPr>
+          <p:cNvSpPr txBox="1"/>
+          <p:nvPr/>
+        </p:nvSpPr>
+        <p:spPr>
+          <a:xfrm>
+            <a:off x="3955774" y="3538330"/>
+            <a:ext cx="3984424" cy="369332"/>
+          </a:xfrm>
+          <a:prstGeom prst="rect">
+            <a:avLst/>
+          </a:prstGeom>
+          <a:noFill/>
+        </p:spPr>
+        <p:txBody>
+          <a:bodyPr wrap="none" rtlCol="0">
+            <a:spAutoFit/>
+          </a:bodyPr>
+          <a:lstStyle/>
+          <a:p>
+            <a:r>
+              <a:rPr lang="en-US" dirty="0"/>
+              <a:t>Add screenshot of data set .head(20?)</a:t>
+            </a:r>
+          </a:p>
+        </p:txBody>
+      </p:sp>
     </p:spTree>
     <p:extLst>
       <p:ext uri="{BB962C8B-B14F-4D97-AF65-F5344CB8AC3E}">
-        <p14:creationId xmlns:p14="http://schemas.microsoft.com/office/powerpoint/2010/main" val="1713219598"/>
+        <p14:creationId xmlns:p14="http://schemas.microsoft.com/office/powerpoint/2010/main" val="2499682613"/>
       </p:ext>
     </p:extLst>
   </p:cSld>
@@ -15384,7 +15785,7 @@
           <p:cNvPr id="2" name="Title 1">
             <a:extLst>
               <a:ext uri="{FF2B5EF4-FFF2-40B4-BE49-F238E27FC236}">
-                <a16:creationId xmlns:a16="http://schemas.microsoft.com/office/drawing/2014/main" id="{0A32731C-311B-46F7-A865-6C3AF6B09A47}"/>
+                <a16:creationId xmlns:a16="http://schemas.microsoft.com/office/drawing/2014/main" id="{4518FC28-E0BD-4387-B8BE-9965D1A57FF1}"/>
               </a:ext>
             </a:extLst>
           </p:cNvPr>
@@ -15397,7 +15798,7 @@
         </p:nvSpPr>
         <p:spPr>
           <a:xfrm>
-            <a:off x="1362075" y="1671639"/>
+            <a:off x="5476875" y="1671639"/>
             <a:ext cx="5111750" cy="1204912"/>
           </a:xfrm>
         </p:spPr>
@@ -15407,7 +15808,7 @@
           <a:p>
             <a:r>
               <a:rPr lang="en-US" dirty="0"/>
-              <a:t>INTRODUCTION</a:t>
+              <a:t>DATA VISUALIZATION1</a:t>
             </a:r>
           </a:p>
         </p:txBody>
@@ -15417,7 +15818,7 @@
           <p:cNvPr id="3" name="Text Placeholder 2">
             <a:extLst>
               <a:ext uri="{FF2B5EF4-FFF2-40B4-BE49-F238E27FC236}">
-                <a16:creationId xmlns:a16="http://schemas.microsoft.com/office/drawing/2014/main" id="{9D5232F9-FD00-464A-9F17-619C91AEF8F3}"/>
+                <a16:creationId xmlns:a16="http://schemas.microsoft.com/office/drawing/2014/main" id="{FED19BCA-B61F-4EA6-A1FB-CCA3BD8506FB}"/>
               </a:ext>
             </a:extLst>
           </p:cNvPr>
@@ -15430,49 +15831,51 @@
         </p:nvSpPr>
         <p:spPr>
           <a:xfrm>
-            <a:off x="1362075" y="3660774"/>
+            <a:off x="5476875" y="3660774"/>
             <a:ext cx="5111750" cy="1525588"/>
           </a:xfrm>
         </p:spPr>
         <p:txBody>
+          <a:bodyPr>
+            <a:normAutofit/>
+          </a:bodyPr>
+          <a:lstStyle/>
+          <a:p>
+            <a:r>
+              <a:rPr lang="en-US" dirty="0"/>
+              <a:t>Fig1</a:t>
+            </a:r>
+          </a:p>
+        </p:txBody>
+      </p:sp>
+      <p:sp>
+        <p:nvSpPr>
+          <p:cNvPr id="5" name="Footer Placeholder 4">
+            <a:extLst>
+              <a:ext uri="{FF2B5EF4-FFF2-40B4-BE49-F238E27FC236}">
+                <a16:creationId xmlns:a16="http://schemas.microsoft.com/office/drawing/2014/main" id="{4135E32A-1A8C-43D2-9C6E-12887B4DEDFB}"/>
+              </a:ext>
+            </a:extLst>
+          </p:cNvPr>
+          <p:cNvSpPr>
+            <a:spLocks noGrp="1"/>
+          </p:cNvSpPr>
+          <p:nvPr>
+            <p:ph type="ftr" sz="quarter" idx="11"/>
+          </p:nvPr>
+        </p:nvSpPr>
+        <p:spPr>
+          <a:xfrm>
+            <a:off x="4038600" y="6356350"/>
+            <a:ext cx="4114800" cy="365125"/>
+          </a:xfrm>
+        </p:spPr>
+        <p:txBody>
           <a:bodyPr/>
           <a:lstStyle/>
           <a:p>
             <a:r>
               <a:rPr lang="en-US" dirty="0"/>
-              <a:t>At Contoso, we empower organizations to foster collaborative thinking to further drive workplace innovation. By closing the loop and leveraging agile frameworks, we help business grow organically and foster a consumer-first mindset.​</a:t>
-            </a:r>
-          </a:p>
-        </p:txBody>
-      </p:sp>
-      <p:sp>
-        <p:nvSpPr>
-          <p:cNvPr id="5" name="Footer Placeholder 4">
-            <a:extLst>
-              <a:ext uri="{FF2B5EF4-FFF2-40B4-BE49-F238E27FC236}">
-                <a16:creationId xmlns:a16="http://schemas.microsoft.com/office/drawing/2014/main" id="{8D51ED20-04D4-4894-B0C2-9C541A61A734}"/>
-              </a:ext>
-            </a:extLst>
-          </p:cNvPr>
-          <p:cNvSpPr>
-            <a:spLocks noGrp="1"/>
-          </p:cNvSpPr>
-          <p:nvPr>
-            <p:ph type="ftr" sz="quarter" idx="11"/>
-          </p:nvPr>
-        </p:nvSpPr>
-        <p:spPr>
-          <a:xfrm>
-            <a:off x="2463800" y="6356350"/>
-            <a:ext cx="3479800" cy="365125"/>
-          </a:xfrm>
-        </p:spPr>
-        <p:txBody>
-          <a:bodyPr/>
-          <a:lstStyle/>
-          <a:p>
-            <a:r>
-              <a:rPr lang="en-US" dirty="0"/>
               <a:t>PRESENTATION TITLE</a:t>
             </a:r>
           </a:p>
@@ -15483,7 +15886,7 @@
           <p:cNvPr id="6" name="Slide Number Placeholder 5">
             <a:extLst>
               <a:ext uri="{FF2B5EF4-FFF2-40B4-BE49-F238E27FC236}">
-                <a16:creationId xmlns:a16="http://schemas.microsoft.com/office/drawing/2014/main" id="{7BC1787E-7110-4989-B0B8-DD4E0ACC09DF}"/>
+                <a16:creationId xmlns:a16="http://schemas.microsoft.com/office/drawing/2014/main" id="{7C4B8313-9270-4128-8674-3A3E42B806BC}"/>
               </a:ext>
             </a:extLst>
           </p:cNvPr>
@@ -15513,10 +15916,225 @@
           </a:p>
         </p:txBody>
       </p:sp>
+      <p:sp>
+        <p:nvSpPr>
+          <p:cNvPr id="4" name="Text Placeholder 2">
+            <a:extLst>
+              <a:ext uri="{FF2B5EF4-FFF2-40B4-BE49-F238E27FC236}">
+                <a16:creationId xmlns:a16="http://schemas.microsoft.com/office/drawing/2014/main" id="{2CECAF49-33A7-A030-D18E-14E5CAE40000}"/>
+              </a:ext>
+            </a:extLst>
+          </p:cNvPr>
+          <p:cNvSpPr txBox="1">
+            <a:spLocks/>
+          </p:cNvSpPr>
+          <p:nvPr/>
+        </p:nvSpPr>
+        <p:spPr>
+          <a:xfrm>
+            <a:off x="365125" y="3482974"/>
+            <a:ext cx="3391866" cy="1525588"/>
+          </a:xfrm>
+          <a:prstGeom prst="rect">
+            <a:avLst/>
+          </a:prstGeom>
+        </p:spPr>
+        <p:txBody>
+          <a:bodyPr vert="horz" lIns="91440" tIns="45720" rIns="91440" bIns="45720" rtlCol="0">
+            <a:normAutofit/>
+          </a:bodyPr>
+          <a:lstStyle>
+            <a:lvl1pPr marL="0" indent="0" algn="l" defTabSz="914400" rtl="0" eaLnBrk="1" latinLnBrk="0" hangingPunct="1">
+              <a:lnSpc>
+                <a:spcPct val="100000"/>
+              </a:lnSpc>
+              <a:spcBef>
+                <a:spcPts val="1000"/>
+              </a:spcBef>
+              <a:buFont typeface="Arial" panose="020B0604020202020204" pitchFamily="34" charset="0"/>
+              <a:buNone/>
+              <a:defRPr sz="1400" kern="1200" spc="50" baseline="0">
+                <a:solidFill>
+                  <a:schemeClr val="tx1"/>
+                </a:solidFill>
+                <a:latin typeface="+mn-lt"/>
+                <a:ea typeface="+mn-ea"/>
+                <a:cs typeface="+mn-cs"/>
+              </a:defRPr>
+            </a:lvl1pPr>
+            <a:lvl2pPr marL="457200" indent="0" algn="l" defTabSz="914400" rtl="0" eaLnBrk="1" latinLnBrk="0" hangingPunct="1">
+              <a:lnSpc>
+                <a:spcPct val="90000"/>
+              </a:lnSpc>
+              <a:spcBef>
+                <a:spcPts val="500"/>
+              </a:spcBef>
+              <a:buFont typeface="Arial" panose="020B0604020202020204" pitchFamily="34" charset="0"/>
+              <a:buNone/>
+              <a:defRPr sz="2000" kern="1200">
+                <a:solidFill>
+                  <a:schemeClr val="tx1">
+                    <a:tint val="75000"/>
+                  </a:schemeClr>
+                </a:solidFill>
+                <a:latin typeface="+mn-lt"/>
+                <a:ea typeface="+mn-ea"/>
+                <a:cs typeface="+mn-cs"/>
+              </a:defRPr>
+            </a:lvl2pPr>
+            <a:lvl3pPr marL="914400" indent="0" algn="l" defTabSz="914400" rtl="0" eaLnBrk="1" latinLnBrk="0" hangingPunct="1">
+              <a:lnSpc>
+                <a:spcPct val="90000"/>
+              </a:lnSpc>
+              <a:spcBef>
+                <a:spcPts val="500"/>
+              </a:spcBef>
+              <a:buFont typeface="Arial" panose="020B0604020202020204" pitchFamily="34" charset="0"/>
+              <a:buNone/>
+              <a:defRPr sz="1800" kern="1200">
+                <a:solidFill>
+                  <a:schemeClr val="tx1">
+                    <a:tint val="75000"/>
+                  </a:schemeClr>
+                </a:solidFill>
+                <a:latin typeface="+mn-lt"/>
+                <a:ea typeface="+mn-ea"/>
+                <a:cs typeface="+mn-cs"/>
+              </a:defRPr>
+            </a:lvl3pPr>
+            <a:lvl4pPr marL="1371600" indent="0" algn="l" defTabSz="914400" rtl="0" eaLnBrk="1" latinLnBrk="0" hangingPunct="1">
+              <a:lnSpc>
+                <a:spcPct val="90000"/>
+              </a:lnSpc>
+              <a:spcBef>
+                <a:spcPts val="500"/>
+              </a:spcBef>
+              <a:buFont typeface="Arial" panose="020B0604020202020204" pitchFamily="34" charset="0"/>
+              <a:buNone/>
+              <a:defRPr sz="1600" kern="1200">
+                <a:solidFill>
+                  <a:schemeClr val="tx1">
+                    <a:tint val="75000"/>
+                  </a:schemeClr>
+                </a:solidFill>
+                <a:latin typeface="+mn-lt"/>
+                <a:ea typeface="+mn-ea"/>
+                <a:cs typeface="+mn-cs"/>
+              </a:defRPr>
+            </a:lvl4pPr>
+            <a:lvl5pPr marL="1828800" indent="0" algn="l" defTabSz="914400" rtl="0" eaLnBrk="1" latinLnBrk="0" hangingPunct="1">
+              <a:lnSpc>
+                <a:spcPct val="90000"/>
+              </a:lnSpc>
+              <a:spcBef>
+                <a:spcPts val="500"/>
+              </a:spcBef>
+              <a:buFont typeface="Arial" panose="020B0604020202020204" pitchFamily="34" charset="0"/>
+              <a:buNone/>
+              <a:defRPr sz="1600" kern="1200">
+                <a:solidFill>
+                  <a:schemeClr val="tx1">
+                    <a:tint val="75000"/>
+                  </a:schemeClr>
+                </a:solidFill>
+                <a:latin typeface="+mn-lt"/>
+                <a:ea typeface="+mn-ea"/>
+                <a:cs typeface="+mn-cs"/>
+              </a:defRPr>
+            </a:lvl5pPr>
+            <a:lvl6pPr marL="2286000" indent="0" algn="l" defTabSz="914400" rtl="0" eaLnBrk="1" latinLnBrk="0" hangingPunct="1">
+              <a:lnSpc>
+                <a:spcPct val="90000"/>
+              </a:lnSpc>
+              <a:spcBef>
+                <a:spcPts val="500"/>
+              </a:spcBef>
+              <a:buFont typeface="Arial" panose="020B0604020202020204" pitchFamily="34" charset="0"/>
+              <a:buNone/>
+              <a:defRPr sz="1600" kern="1200">
+                <a:solidFill>
+                  <a:schemeClr val="tx1">
+                    <a:tint val="75000"/>
+                  </a:schemeClr>
+                </a:solidFill>
+                <a:latin typeface="+mn-lt"/>
+                <a:ea typeface="+mn-ea"/>
+                <a:cs typeface="+mn-cs"/>
+              </a:defRPr>
+            </a:lvl6pPr>
+            <a:lvl7pPr marL="2743200" indent="0" algn="l" defTabSz="914400" rtl="0" eaLnBrk="1" latinLnBrk="0" hangingPunct="1">
+              <a:lnSpc>
+                <a:spcPct val="90000"/>
+              </a:lnSpc>
+              <a:spcBef>
+                <a:spcPts val="500"/>
+              </a:spcBef>
+              <a:buFont typeface="Arial" panose="020B0604020202020204" pitchFamily="34" charset="0"/>
+              <a:buNone/>
+              <a:defRPr sz="1600" kern="1200">
+                <a:solidFill>
+                  <a:schemeClr val="tx1">
+                    <a:tint val="75000"/>
+                  </a:schemeClr>
+                </a:solidFill>
+                <a:latin typeface="+mn-lt"/>
+                <a:ea typeface="+mn-ea"/>
+                <a:cs typeface="+mn-cs"/>
+              </a:defRPr>
+            </a:lvl7pPr>
+            <a:lvl8pPr marL="3200400" indent="0" algn="l" defTabSz="914400" rtl="0" eaLnBrk="1" latinLnBrk="0" hangingPunct="1">
+              <a:lnSpc>
+                <a:spcPct val="90000"/>
+              </a:lnSpc>
+              <a:spcBef>
+                <a:spcPts val="500"/>
+              </a:spcBef>
+              <a:buFont typeface="Arial" panose="020B0604020202020204" pitchFamily="34" charset="0"/>
+              <a:buNone/>
+              <a:defRPr sz="1600" kern="1200">
+                <a:solidFill>
+                  <a:schemeClr val="tx1">
+                    <a:tint val="75000"/>
+                  </a:schemeClr>
+                </a:solidFill>
+                <a:latin typeface="+mn-lt"/>
+                <a:ea typeface="+mn-ea"/>
+                <a:cs typeface="+mn-cs"/>
+              </a:defRPr>
+            </a:lvl8pPr>
+            <a:lvl9pPr marL="3657600" indent="0" algn="l" defTabSz="914400" rtl="0" eaLnBrk="1" latinLnBrk="0" hangingPunct="1">
+              <a:lnSpc>
+                <a:spcPct val="90000"/>
+              </a:lnSpc>
+              <a:spcBef>
+                <a:spcPts val="500"/>
+              </a:spcBef>
+              <a:buFont typeface="Arial" panose="020B0604020202020204" pitchFamily="34" charset="0"/>
+              <a:buNone/>
+              <a:defRPr sz="1600" kern="1200">
+                <a:solidFill>
+                  <a:schemeClr val="tx1">
+                    <a:tint val="75000"/>
+                  </a:schemeClr>
+                </a:solidFill>
+                <a:latin typeface="+mn-lt"/>
+                <a:ea typeface="+mn-ea"/>
+                <a:cs typeface="+mn-cs"/>
+              </a:defRPr>
+            </a:lvl9pPr>
+          </a:lstStyle>
+          <a:p>
+            <a:r>
+              <a:rPr lang="en-US" dirty="0"/>
+              <a:t>Fig1 Analysis</a:t>
+            </a:r>
+          </a:p>
+        </p:txBody>
+      </p:sp>
     </p:spTree>
     <p:extLst>
       <p:ext uri="{BB962C8B-B14F-4D97-AF65-F5344CB8AC3E}">
-        <p14:creationId xmlns:p14="http://schemas.microsoft.com/office/powerpoint/2010/main" val="3571516367"/>
+        <p14:creationId xmlns:p14="http://schemas.microsoft.com/office/powerpoint/2010/main" val="1742861620"/>
       </p:ext>
     </p:extLst>
   </p:cSld>
@@ -15548,63 +16166,328 @@
           <p:cNvPr id="2" name="Title 1">
             <a:extLst>
               <a:ext uri="{FF2B5EF4-FFF2-40B4-BE49-F238E27FC236}">
-                <a16:creationId xmlns:a16="http://schemas.microsoft.com/office/drawing/2014/main" id="{B1FE5F11-B7B9-4B80-8C6A-A8A7A7190B77}"/>
-              </a:ext>
-            </a:extLst>
-          </p:cNvPr>
-          <p:cNvSpPr>
-            <a:spLocks noGrp="1"/>
-          </p:cNvSpPr>
-          <p:nvPr>
-            <p:ph type="ctrTitle"/>
-          </p:nvPr>
+                <a16:creationId xmlns:a16="http://schemas.microsoft.com/office/drawing/2014/main" id="{4518FC28-E0BD-4387-B8BE-9965D1A57FF1}"/>
+              </a:ext>
+            </a:extLst>
+          </p:cNvPr>
+          <p:cNvSpPr>
+            <a:spLocks noGrp="1"/>
+          </p:cNvSpPr>
+          <p:nvPr>
+            <p:ph type="title"/>
+          </p:nvPr>
+        </p:nvSpPr>
+        <p:spPr/>
+        <p:txBody>
+          <a:bodyPr/>
+          <a:lstStyle/>
+          <a:p>
+            <a:r>
+              <a:rPr lang="en-US" dirty="0"/>
+              <a:t>DATA VIZULIZATION2</a:t>
+            </a:r>
+          </a:p>
+        </p:txBody>
+      </p:sp>
+      <p:sp>
+        <p:nvSpPr>
+          <p:cNvPr id="3" name="Text Placeholder 2">
+            <a:extLst>
+              <a:ext uri="{FF2B5EF4-FFF2-40B4-BE49-F238E27FC236}">
+                <a16:creationId xmlns:a16="http://schemas.microsoft.com/office/drawing/2014/main" id="{FED19BCA-B61F-4EA6-A1FB-CCA3BD8506FB}"/>
+              </a:ext>
+            </a:extLst>
+          </p:cNvPr>
+          <p:cNvSpPr>
+            <a:spLocks noGrp="1"/>
+          </p:cNvSpPr>
+          <p:nvPr>
+            <p:ph type="body" idx="1"/>
+          </p:nvPr>
+        </p:nvSpPr>
+        <p:spPr/>
+        <p:txBody>
+          <a:bodyPr>
+            <a:normAutofit/>
+          </a:bodyPr>
+          <a:lstStyle/>
+          <a:p>
+            <a:r>
+              <a:rPr lang="en-US" dirty="0"/>
+              <a:t>Fig2</a:t>
+            </a:r>
+          </a:p>
+        </p:txBody>
+      </p:sp>
+      <p:sp>
+        <p:nvSpPr>
+          <p:cNvPr id="5" name="Footer Placeholder 4">
+            <a:extLst>
+              <a:ext uri="{FF2B5EF4-FFF2-40B4-BE49-F238E27FC236}">
+                <a16:creationId xmlns:a16="http://schemas.microsoft.com/office/drawing/2014/main" id="{4135E32A-1A8C-43D2-9C6E-12887B4DEDFB}"/>
+              </a:ext>
+            </a:extLst>
+          </p:cNvPr>
+          <p:cNvSpPr>
+            <a:spLocks noGrp="1"/>
+          </p:cNvSpPr>
+          <p:nvPr>
+            <p:ph type="ftr" sz="quarter" idx="11"/>
+          </p:nvPr>
+        </p:nvSpPr>
+        <p:spPr/>
+        <p:txBody>
+          <a:bodyPr/>
+          <a:lstStyle/>
+          <a:p>
+            <a:r>
+              <a:rPr lang="en-US" dirty="0"/>
+              <a:t>PRESENTATION TITLE</a:t>
+            </a:r>
+          </a:p>
+        </p:txBody>
+      </p:sp>
+      <p:sp>
+        <p:nvSpPr>
+          <p:cNvPr id="6" name="Slide Number Placeholder 5">
+            <a:extLst>
+              <a:ext uri="{FF2B5EF4-FFF2-40B4-BE49-F238E27FC236}">
+                <a16:creationId xmlns:a16="http://schemas.microsoft.com/office/drawing/2014/main" id="{7C4B8313-9270-4128-8674-3A3E42B806BC}"/>
+              </a:ext>
+            </a:extLst>
+          </p:cNvPr>
+          <p:cNvSpPr>
+            <a:spLocks noGrp="1"/>
+          </p:cNvSpPr>
+          <p:nvPr>
+            <p:ph type="sldNum" sz="quarter" idx="12"/>
+          </p:nvPr>
+        </p:nvSpPr>
+        <p:spPr/>
+        <p:txBody>
+          <a:bodyPr/>
+          <a:lstStyle/>
+          <a:p>
+            <a:fld id="{A49DFD55-3C28-40EF-9E31-A92D2E4017FF}" type="slidenum">
+              <a:rPr lang="en-US" smtClean="0"/>
+              <a:pPr/>
+              <a:t>6</a:t>
+            </a:fld>
+            <a:endParaRPr lang="en-US" dirty="0"/>
+          </a:p>
+        </p:txBody>
+      </p:sp>
+      <p:sp>
+        <p:nvSpPr>
+          <p:cNvPr id="7" name="Text Placeholder 2">
+            <a:extLst>
+              <a:ext uri="{FF2B5EF4-FFF2-40B4-BE49-F238E27FC236}">
+                <a16:creationId xmlns:a16="http://schemas.microsoft.com/office/drawing/2014/main" id="{1C67C9C0-FE8C-1028-2361-8D02F23AF047}"/>
+              </a:ext>
+            </a:extLst>
+          </p:cNvPr>
+          <p:cNvSpPr txBox="1">
+            <a:spLocks/>
+          </p:cNvSpPr>
+          <p:nvPr/>
         </p:nvSpPr>
         <p:spPr>
           <a:xfrm>
-            <a:off x="6991350" y="2148840"/>
-            <a:ext cx="4179570" cy="1715531"/>
+            <a:off x="8610600" y="4278104"/>
+            <a:ext cx="3391866" cy="1525588"/>
           </a:xfrm>
+          <a:prstGeom prst="rect">
+            <a:avLst/>
+          </a:prstGeom>
         </p:spPr>
         <p:txBody>
-          <a:bodyPr/>
-          <a:lstStyle/>
+          <a:bodyPr vert="horz" lIns="91440" tIns="45720" rIns="91440" bIns="45720" rtlCol="0">
+            <a:normAutofit/>
+          </a:bodyPr>
+          <a:lstStyle>
+            <a:lvl1pPr marL="0" indent="0" algn="l" defTabSz="914400" rtl="0" eaLnBrk="1" latinLnBrk="0" hangingPunct="1">
+              <a:lnSpc>
+                <a:spcPct val="100000"/>
+              </a:lnSpc>
+              <a:spcBef>
+                <a:spcPts val="1000"/>
+              </a:spcBef>
+              <a:buFont typeface="Arial" panose="020B0604020202020204" pitchFamily="34" charset="0"/>
+              <a:buNone/>
+              <a:defRPr sz="1400" kern="1200" spc="50" baseline="0">
+                <a:solidFill>
+                  <a:schemeClr val="tx1"/>
+                </a:solidFill>
+                <a:latin typeface="+mn-lt"/>
+                <a:ea typeface="+mn-ea"/>
+                <a:cs typeface="+mn-cs"/>
+              </a:defRPr>
+            </a:lvl1pPr>
+            <a:lvl2pPr marL="457200" indent="0" algn="l" defTabSz="914400" rtl="0" eaLnBrk="1" latinLnBrk="0" hangingPunct="1">
+              <a:lnSpc>
+                <a:spcPct val="90000"/>
+              </a:lnSpc>
+              <a:spcBef>
+                <a:spcPts val="500"/>
+              </a:spcBef>
+              <a:buFont typeface="Arial" panose="020B0604020202020204" pitchFamily="34" charset="0"/>
+              <a:buNone/>
+              <a:defRPr sz="2000" kern="1200">
+                <a:solidFill>
+                  <a:schemeClr val="tx1">
+                    <a:tint val="75000"/>
+                  </a:schemeClr>
+                </a:solidFill>
+                <a:latin typeface="+mn-lt"/>
+                <a:ea typeface="+mn-ea"/>
+                <a:cs typeface="+mn-cs"/>
+              </a:defRPr>
+            </a:lvl2pPr>
+            <a:lvl3pPr marL="914400" indent="0" algn="l" defTabSz="914400" rtl="0" eaLnBrk="1" latinLnBrk="0" hangingPunct="1">
+              <a:lnSpc>
+                <a:spcPct val="90000"/>
+              </a:lnSpc>
+              <a:spcBef>
+                <a:spcPts val="500"/>
+              </a:spcBef>
+              <a:buFont typeface="Arial" panose="020B0604020202020204" pitchFamily="34" charset="0"/>
+              <a:buNone/>
+              <a:defRPr sz="1800" kern="1200">
+                <a:solidFill>
+                  <a:schemeClr val="tx1">
+                    <a:tint val="75000"/>
+                  </a:schemeClr>
+                </a:solidFill>
+                <a:latin typeface="+mn-lt"/>
+                <a:ea typeface="+mn-ea"/>
+                <a:cs typeface="+mn-cs"/>
+              </a:defRPr>
+            </a:lvl3pPr>
+            <a:lvl4pPr marL="1371600" indent="0" algn="l" defTabSz="914400" rtl="0" eaLnBrk="1" latinLnBrk="0" hangingPunct="1">
+              <a:lnSpc>
+                <a:spcPct val="90000"/>
+              </a:lnSpc>
+              <a:spcBef>
+                <a:spcPts val="500"/>
+              </a:spcBef>
+              <a:buFont typeface="Arial" panose="020B0604020202020204" pitchFamily="34" charset="0"/>
+              <a:buNone/>
+              <a:defRPr sz="1600" kern="1200">
+                <a:solidFill>
+                  <a:schemeClr val="tx1">
+                    <a:tint val="75000"/>
+                  </a:schemeClr>
+                </a:solidFill>
+                <a:latin typeface="+mn-lt"/>
+                <a:ea typeface="+mn-ea"/>
+                <a:cs typeface="+mn-cs"/>
+              </a:defRPr>
+            </a:lvl4pPr>
+            <a:lvl5pPr marL="1828800" indent="0" algn="l" defTabSz="914400" rtl="0" eaLnBrk="1" latinLnBrk="0" hangingPunct="1">
+              <a:lnSpc>
+                <a:spcPct val="90000"/>
+              </a:lnSpc>
+              <a:spcBef>
+                <a:spcPts val="500"/>
+              </a:spcBef>
+              <a:buFont typeface="Arial" panose="020B0604020202020204" pitchFamily="34" charset="0"/>
+              <a:buNone/>
+              <a:defRPr sz="1600" kern="1200">
+                <a:solidFill>
+                  <a:schemeClr val="tx1">
+                    <a:tint val="75000"/>
+                  </a:schemeClr>
+                </a:solidFill>
+                <a:latin typeface="+mn-lt"/>
+                <a:ea typeface="+mn-ea"/>
+                <a:cs typeface="+mn-cs"/>
+              </a:defRPr>
+            </a:lvl5pPr>
+            <a:lvl6pPr marL="2286000" indent="0" algn="l" defTabSz="914400" rtl="0" eaLnBrk="1" latinLnBrk="0" hangingPunct="1">
+              <a:lnSpc>
+                <a:spcPct val="90000"/>
+              </a:lnSpc>
+              <a:spcBef>
+                <a:spcPts val="500"/>
+              </a:spcBef>
+              <a:buFont typeface="Arial" panose="020B0604020202020204" pitchFamily="34" charset="0"/>
+              <a:buNone/>
+              <a:defRPr sz="1600" kern="1200">
+                <a:solidFill>
+                  <a:schemeClr val="tx1">
+                    <a:tint val="75000"/>
+                  </a:schemeClr>
+                </a:solidFill>
+                <a:latin typeface="+mn-lt"/>
+                <a:ea typeface="+mn-ea"/>
+                <a:cs typeface="+mn-cs"/>
+              </a:defRPr>
+            </a:lvl6pPr>
+            <a:lvl7pPr marL="2743200" indent="0" algn="l" defTabSz="914400" rtl="0" eaLnBrk="1" latinLnBrk="0" hangingPunct="1">
+              <a:lnSpc>
+                <a:spcPct val="90000"/>
+              </a:lnSpc>
+              <a:spcBef>
+                <a:spcPts val="500"/>
+              </a:spcBef>
+              <a:buFont typeface="Arial" panose="020B0604020202020204" pitchFamily="34" charset="0"/>
+              <a:buNone/>
+              <a:defRPr sz="1600" kern="1200">
+                <a:solidFill>
+                  <a:schemeClr val="tx1">
+                    <a:tint val="75000"/>
+                  </a:schemeClr>
+                </a:solidFill>
+                <a:latin typeface="+mn-lt"/>
+                <a:ea typeface="+mn-ea"/>
+                <a:cs typeface="+mn-cs"/>
+              </a:defRPr>
+            </a:lvl7pPr>
+            <a:lvl8pPr marL="3200400" indent="0" algn="l" defTabSz="914400" rtl="0" eaLnBrk="1" latinLnBrk="0" hangingPunct="1">
+              <a:lnSpc>
+                <a:spcPct val="90000"/>
+              </a:lnSpc>
+              <a:spcBef>
+                <a:spcPts val="500"/>
+              </a:spcBef>
+              <a:buFont typeface="Arial" panose="020B0604020202020204" pitchFamily="34" charset="0"/>
+              <a:buNone/>
+              <a:defRPr sz="1600" kern="1200">
+                <a:solidFill>
+                  <a:schemeClr val="tx1">
+                    <a:tint val="75000"/>
+                  </a:schemeClr>
+                </a:solidFill>
+                <a:latin typeface="+mn-lt"/>
+                <a:ea typeface="+mn-ea"/>
+                <a:cs typeface="+mn-cs"/>
+              </a:defRPr>
+            </a:lvl8pPr>
+            <a:lvl9pPr marL="3657600" indent="0" algn="l" defTabSz="914400" rtl="0" eaLnBrk="1" latinLnBrk="0" hangingPunct="1">
+              <a:lnSpc>
+                <a:spcPct val="90000"/>
+              </a:lnSpc>
+              <a:spcBef>
+                <a:spcPts val="500"/>
+              </a:spcBef>
+              <a:buFont typeface="Arial" panose="020B0604020202020204" pitchFamily="34" charset="0"/>
+              <a:buNone/>
+              <a:defRPr sz="1600" kern="1200">
+                <a:solidFill>
+                  <a:schemeClr val="tx1">
+                    <a:tint val="75000"/>
+                  </a:schemeClr>
+                </a:solidFill>
+                <a:latin typeface="+mn-lt"/>
+                <a:ea typeface="+mn-ea"/>
+                <a:cs typeface="+mn-cs"/>
+              </a:defRPr>
+            </a:lvl9pPr>
+          </a:lstStyle>
           <a:p>
             <a:r>
               <a:rPr lang="en-US" dirty="0"/>
-              <a:t>PRIMARY GOALS</a:t>
-            </a:r>
-          </a:p>
-        </p:txBody>
-      </p:sp>
-      <p:sp>
-        <p:nvSpPr>
-          <p:cNvPr id="3" name="Subtitle 2">
-            <a:extLst>
-              <a:ext uri="{FF2B5EF4-FFF2-40B4-BE49-F238E27FC236}">
-                <a16:creationId xmlns:a16="http://schemas.microsoft.com/office/drawing/2014/main" id="{DA8AFAA9-633A-475C-B8ED-840A34F7294D}"/>
-              </a:ext>
-            </a:extLst>
-          </p:cNvPr>
-          <p:cNvSpPr>
-            <a:spLocks noGrp="1"/>
-          </p:cNvSpPr>
-          <p:nvPr>
-            <p:ph type="subTitle" idx="1"/>
-          </p:nvPr>
-        </p:nvSpPr>
-        <p:spPr>
-          <a:xfrm>
-            <a:off x="6991350" y="3962003"/>
-            <a:ext cx="4179570" cy="365125"/>
-          </a:xfrm>
-        </p:spPr>
-        <p:txBody>
-          <a:bodyPr/>
-          <a:lstStyle/>
-          <a:p>
-            <a:r>
-              <a:rPr lang="en-US" dirty="0"/>
-              <a:t>Annual revenue growth</a:t>
+              <a:t>Fig2 Analysis</a:t>
             </a:r>
           </a:p>
         </p:txBody>
@@ -15612,7 +16495,7 @@
     </p:spTree>
     <p:extLst>
       <p:ext uri="{BB962C8B-B14F-4D97-AF65-F5344CB8AC3E}">
-        <p14:creationId xmlns:p14="http://schemas.microsoft.com/office/powerpoint/2010/main" val="379728094"/>
+        <p14:creationId xmlns:p14="http://schemas.microsoft.com/office/powerpoint/2010/main" val="2459644957"/>
       </p:ext>
     </p:extLst>
   </p:cSld>
@@ -15644,7 +16527,7 @@
           <p:cNvPr id="2" name="Title 1">
             <a:extLst>
               <a:ext uri="{FF2B5EF4-FFF2-40B4-BE49-F238E27FC236}">
-                <a16:creationId xmlns:a16="http://schemas.microsoft.com/office/drawing/2014/main" id="{D94A2CD4-732A-43E4-BCB9-CBA2055E0AC6}"/>
+                <a16:creationId xmlns:a16="http://schemas.microsoft.com/office/drawing/2014/main" id="{4518FC28-E0BD-4387-B8BE-9965D1A57FF1}"/>
               </a:ext>
             </a:extLst>
           </p:cNvPr>
@@ -15657,8 +16540,8 @@
         </p:nvSpPr>
         <p:spPr>
           <a:xfrm>
-            <a:off x="4657724" y="2809875"/>
-            <a:ext cx="6696075" cy="1909763"/>
+            <a:off x="5476875" y="1671639"/>
+            <a:ext cx="5111750" cy="1204912"/>
           </a:xfrm>
         </p:spPr>
         <p:txBody>
@@ -15667,97 +16550,99 @@
           <a:p>
             <a:r>
               <a:rPr lang="en-US" dirty="0"/>
-              <a:t>BUSINESS OPPORTUNITIES ARE LIKE BUSES. THERE'S ALWAYS ANOTHER ONE COMING.​</a:t>
-            </a:r>
-          </a:p>
-        </p:txBody>
-      </p:sp>
-      <p:sp>
-        <p:nvSpPr>
-          <p:cNvPr id="3" name="Subtitle 2">
-            <a:extLst>
-              <a:ext uri="{FF2B5EF4-FFF2-40B4-BE49-F238E27FC236}">
-                <a16:creationId xmlns:a16="http://schemas.microsoft.com/office/drawing/2014/main" id="{45FD0450-A909-4CD9-8912-96A19ACEB7CB}"/>
-              </a:ext>
-            </a:extLst>
-          </p:cNvPr>
-          <p:cNvSpPr>
-            <a:spLocks noGrp="1"/>
-          </p:cNvSpPr>
-          <p:nvPr>
-            <p:ph type="subTitle" idx="1"/>
+              <a:t>DATA VISUALIZATION 3</a:t>
+            </a:r>
+          </a:p>
+        </p:txBody>
+      </p:sp>
+      <p:sp>
+        <p:nvSpPr>
+          <p:cNvPr id="3" name="Text Placeholder 2">
+            <a:extLst>
+              <a:ext uri="{FF2B5EF4-FFF2-40B4-BE49-F238E27FC236}">
+                <a16:creationId xmlns:a16="http://schemas.microsoft.com/office/drawing/2014/main" id="{FED19BCA-B61F-4EA6-A1FB-CCA3BD8506FB}"/>
+              </a:ext>
+            </a:extLst>
+          </p:cNvPr>
+          <p:cNvSpPr>
+            <a:spLocks noGrp="1"/>
+          </p:cNvSpPr>
+          <p:nvPr>
+            <p:ph type="body" idx="1"/>
           </p:nvPr>
         </p:nvSpPr>
         <p:spPr>
           <a:xfrm>
-            <a:off x="4657725" y="5028803"/>
-            <a:ext cx="6696074" cy="365125"/>
+            <a:off x="5476875" y="3660774"/>
+            <a:ext cx="5111750" cy="1525588"/>
           </a:xfrm>
         </p:spPr>
         <p:txBody>
+          <a:bodyPr>
+            <a:normAutofit/>
+          </a:bodyPr>
+          <a:lstStyle/>
+          <a:p>
+            <a:r>
+              <a:rPr lang="en-US" dirty="0"/>
+              <a:t>Fig3</a:t>
+            </a:r>
+          </a:p>
+        </p:txBody>
+      </p:sp>
+      <p:sp>
+        <p:nvSpPr>
+          <p:cNvPr id="5" name="Footer Placeholder 4">
+            <a:extLst>
+              <a:ext uri="{FF2B5EF4-FFF2-40B4-BE49-F238E27FC236}">
+                <a16:creationId xmlns:a16="http://schemas.microsoft.com/office/drawing/2014/main" id="{4135E32A-1A8C-43D2-9C6E-12887B4DEDFB}"/>
+              </a:ext>
+            </a:extLst>
+          </p:cNvPr>
+          <p:cNvSpPr>
+            <a:spLocks noGrp="1"/>
+          </p:cNvSpPr>
+          <p:nvPr>
+            <p:ph type="ftr" sz="quarter" idx="11"/>
+          </p:nvPr>
+        </p:nvSpPr>
+        <p:spPr>
+          <a:xfrm>
+            <a:off x="4038600" y="6356350"/>
+            <a:ext cx="4114800" cy="365125"/>
+          </a:xfrm>
+        </p:spPr>
+        <p:txBody>
           <a:bodyPr/>
           <a:lstStyle/>
           <a:p>
             <a:r>
               <a:rPr lang="en-US" dirty="0"/>
-              <a:t>Richard Branson</a:t>
-            </a:r>
-          </a:p>
-        </p:txBody>
-      </p:sp>
-      <p:sp>
-        <p:nvSpPr>
-          <p:cNvPr id="5" name="Footer Placeholder 4">
-            <a:extLst>
-              <a:ext uri="{FF2B5EF4-FFF2-40B4-BE49-F238E27FC236}">
-                <a16:creationId xmlns:a16="http://schemas.microsoft.com/office/drawing/2014/main" id="{3555A49C-96F4-440D-B89E-A0AE94F70108}"/>
-              </a:ext>
-            </a:extLst>
-          </p:cNvPr>
-          <p:cNvSpPr>
-            <a:spLocks noGrp="1"/>
-          </p:cNvSpPr>
-          <p:nvPr>
-            <p:ph type="ftr" sz="quarter" idx="11"/>
+              <a:t>PRESENTATION TITLE</a:t>
+            </a:r>
+          </a:p>
+        </p:txBody>
+      </p:sp>
+      <p:sp>
+        <p:nvSpPr>
+          <p:cNvPr id="6" name="Slide Number Placeholder 5">
+            <a:extLst>
+              <a:ext uri="{FF2B5EF4-FFF2-40B4-BE49-F238E27FC236}">
+                <a16:creationId xmlns:a16="http://schemas.microsoft.com/office/drawing/2014/main" id="{7C4B8313-9270-4128-8674-3A3E42B806BC}"/>
+              </a:ext>
+            </a:extLst>
+          </p:cNvPr>
+          <p:cNvSpPr>
+            <a:spLocks noGrp="1"/>
+          </p:cNvSpPr>
+          <p:nvPr>
+            <p:ph type="sldNum" sz="quarter" idx="12"/>
           </p:nvPr>
         </p:nvSpPr>
         <p:spPr>
           <a:xfrm>
-            <a:off x="6743699" y="6356350"/>
-            <a:ext cx="2543175" cy="365125"/>
-          </a:xfrm>
-        </p:spPr>
-        <p:txBody>
-          <a:bodyPr/>
-          <a:lstStyle/>
-          <a:p>
-            <a:r>
-              <a:rPr lang="en-US" dirty="0"/>
-              <a:t>PRESENTATION TITLE</a:t>
-            </a:r>
-          </a:p>
-        </p:txBody>
-      </p:sp>
-      <p:sp>
-        <p:nvSpPr>
-          <p:cNvPr id="6" name="Slide Number Placeholder 5">
-            <a:extLst>
-              <a:ext uri="{FF2B5EF4-FFF2-40B4-BE49-F238E27FC236}">
-                <a16:creationId xmlns:a16="http://schemas.microsoft.com/office/drawing/2014/main" id="{F2A39FA3-9AE3-4689-A469-B7D2DFCCC2D9}"/>
-              </a:ext>
-            </a:extLst>
-          </p:cNvPr>
-          <p:cNvSpPr>
-            <a:spLocks noGrp="1"/>
-          </p:cNvSpPr>
-          <p:nvPr>
-            <p:ph type="sldNum" sz="quarter" idx="12"/>
-          </p:nvPr>
-        </p:nvSpPr>
-        <p:spPr>
-          <a:xfrm>
-            <a:off x="9658350" y="6356350"/>
-            <a:ext cx="1695450" cy="365125"/>
+            <a:off x="8610600" y="6356350"/>
+            <a:ext cx="2743200" cy="365125"/>
           </a:xfrm>
         </p:spPr>
         <p:txBody>
@@ -15773,10 +16658,225 @@
           </a:p>
         </p:txBody>
       </p:sp>
+      <p:sp>
+        <p:nvSpPr>
+          <p:cNvPr id="4" name="Text Placeholder 2">
+            <a:extLst>
+              <a:ext uri="{FF2B5EF4-FFF2-40B4-BE49-F238E27FC236}">
+                <a16:creationId xmlns:a16="http://schemas.microsoft.com/office/drawing/2014/main" id="{2CECAF49-33A7-A030-D18E-14E5CAE40000}"/>
+              </a:ext>
+            </a:extLst>
+          </p:cNvPr>
+          <p:cNvSpPr txBox="1">
+            <a:spLocks/>
+          </p:cNvSpPr>
+          <p:nvPr/>
+        </p:nvSpPr>
+        <p:spPr>
+          <a:xfrm>
+            <a:off x="365125" y="3482974"/>
+            <a:ext cx="3391866" cy="1525588"/>
+          </a:xfrm>
+          <a:prstGeom prst="rect">
+            <a:avLst/>
+          </a:prstGeom>
+        </p:spPr>
+        <p:txBody>
+          <a:bodyPr vert="horz" lIns="91440" tIns="45720" rIns="91440" bIns="45720" rtlCol="0">
+            <a:normAutofit/>
+          </a:bodyPr>
+          <a:lstStyle>
+            <a:lvl1pPr marL="0" indent="0" algn="l" defTabSz="914400" rtl="0" eaLnBrk="1" latinLnBrk="0" hangingPunct="1">
+              <a:lnSpc>
+                <a:spcPct val="100000"/>
+              </a:lnSpc>
+              <a:spcBef>
+                <a:spcPts val="1000"/>
+              </a:spcBef>
+              <a:buFont typeface="Arial" panose="020B0604020202020204" pitchFamily="34" charset="0"/>
+              <a:buNone/>
+              <a:defRPr sz="1400" kern="1200" spc="50" baseline="0">
+                <a:solidFill>
+                  <a:schemeClr val="tx1"/>
+                </a:solidFill>
+                <a:latin typeface="+mn-lt"/>
+                <a:ea typeface="+mn-ea"/>
+                <a:cs typeface="+mn-cs"/>
+              </a:defRPr>
+            </a:lvl1pPr>
+            <a:lvl2pPr marL="457200" indent="0" algn="l" defTabSz="914400" rtl="0" eaLnBrk="1" latinLnBrk="0" hangingPunct="1">
+              <a:lnSpc>
+                <a:spcPct val="90000"/>
+              </a:lnSpc>
+              <a:spcBef>
+                <a:spcPts val="500"/>
+              </a:spcBef>
+              <a:buFont typeface="Arial" panose="020B0604020202020204" pitchFamily="34" charset="0"/>
+              <a:buNone/>
+              <a:defRPr sz="2000" kern="1200">
+                <a:solidFill>
+                  <a:schemeClr val="tx1">
+                    <a:tint val="75000"/>
+                  </a:schemeClr>
+                </a:solidFill>
+                <a:latin typeface="+mn-lt"/>
+                <a:ea typeface="+mn-ea"/>
+                <a:cs typeface="+mn-cs"/>
+              </a:defRPr>
+            </a:lvl2pPr>
+            <a:lvl3pPr marL="914400" indent="0" algn="l" defTabSz="914400" rtl="0" eaLnBrk="1" latinLnBrk="0" hangingPunct="1">
+              <a:lnSpc>
+                <a:spcPct val="90000"/>
+              </a:lnSpc>
+              <a:spcBef>
+                <a:spcPts val="500"/>
+              </a:spcBef>
+              <a:buFont typeface="Arial" panose="020B0604020202020204" pitchFamily="34" charset="0"/>
+              <a:buNone/>
+              <a:defRPr sz="1800" kern="1200">
+                <a:solidFill>
+                  <a:schemeClr val="tx1">
+                    <a:tint val="75000"/>
+                  </a:schemeClr>
+                </a:solidFill>
+                <a:latin typeface="+mn-lt"/>
+                <a:ea typeface="+mn-ea"/>
+                <a:cs typeface="+mn-cs"/>
+              </a:defRPr>
+            </a:lvl3pPr>
+            <a:lvl4pPr marL="1371600" indent="0" algn="l" defTabSz="914400" rtl="0" eaLnBrk="1" latinLnBrk="0" hangingPunct="1">
+              <a:lnSpc>
+                <a:spcPct val="90000"/>
+              </a:lnSpc>
+              <a:spcBef>
+                <a:spcPts val="500"/>
+              </a:spcBef>
+              <a:buFont typeface="Arial" panose="020B0604020202020204" pitchFamily="34" charset="0"/>
+              <a:buNone/>
+              <a:defRPr sz="1600" kern="1200">
+                <a:solidFill>
+                  <a:schemeClr val="tx1">
+                    <a:tint val="75000"/>
+                  </a:schemeClr>
+                </a:solidFill>
+                <a:latin typeface="+mn-lt"/>
+                <a:ea typeface="+mn-ea"/>
+                <a:cs typeface="+mn-cs"/>
+              </a:defRPr>
+            </a:lvl4pPr>
+            <a:lvl5pPr marL="1828800" indent="0" algn="l" defTabSz="914400" rtl="0" eaLnBrk="1" latinLnBrk="0" hangingPunct="1">
+              <a:lnSpc>
+                <a:spcPct val="90000"/>
+              </a:lnSpc>
+              <a:spcBef>
+                <a:spcPts val="500"/>
+              </a:spcBef>
+              <a:buFont typeface="Arial" panose="020B0604020202020204" pitchFamily="34" charset="0"/>
+              <a:buNone/>
+              <a:defRPr sz="1600" kern="1200">
+                <a:solidFill>
+                  <a:schemeClr val="tx1">
+                    <a:tint val="75000"/>
+                  </a:schemeClr>
+                </a:solidFill>
+                <a:latin typeface="+mn-lt"/>
+                <a:ea typeface="+mn-ea"/>
+                <a:cs typeface="+mn-cs"/>
+              </a:defRPr>
+            </a:lvl5pPr>
+            <a:lvl6pPr marL="2286000" indent="0" algn="l" defTabSz="914400" rtl="0" eaLnBrk="1" latinLnBrk="0" hangingPunct="1">
+              <a:lnSpc>
+                <a:spcPct val="90000"/>
+              </a:lnSpc>
+              <a:spcBef>
+                <a:spcPts val="500"/>
+              </a:spcBef>
+              <a:buFont typeface="Arial" panose="020B0604020202020204" pitchFamily="34" charset="0"/>
+              <a:buNone/>
+              <a:defRPr sz="1600" kern="1200">
+                <a:solidFill>
+                  <a:schemeClr val="tx1">
+                    <a:tint val="75000"/>
+                  </a:schemeClr>
+                </a:solidFill>
+                <a:latin typeface="+mn-lt"/>
+                <a:ea typeface="+mn-ea"/>
+                <a:cs typeface="+mn-cs"/>
+              </a:defRPr>
+            </a:lvl6pPr>
+            <a:lvl7pPr marL="2743200" indent="0" algn="l" defTabSz="914400" rtl="0" eaLnBrk="1" latinLnBrk="0" hangingPunct="1">
+              <a:lnSpc>
+                <a:spcPct val="90000"/>
+              </a:lnSpc>
+              <a:spcBef>
+                <a:spcPts val="500"/>
+              </a:spcBef>
+              <a:buFont typeface="Arial" panose="020B0604020202020204" pitchFamily="34" charset="0"/>
+              <a:buNone/>
+              <a:defRPr sz="1600" kern="1200">
+                <a:solidFill>
+                  <a:schemeClr val="tx1">
+                    <a:tint val="75000"/>
+                  </a:schemeClr>
+                </a:solidFill>
+                <a:latin typeface="+mn-lt"/>
+                <a:ea typeface="+mn-ea"/>
+                <a:cs typeface="+mn-cs"/>
+              </a:defRPr>
+            </a:lvl7pPr>
+            <a:lvl8pPr marL="3200400" indent="0" algn="l" defTabSz="914400" rtl="0" eaLnBrk="1" latinLnBrk="0" hangingPunct="1">
+              <a:lnSpc>
+                <a:spcPct val="90000"/>
+              </a:lnSpc>
+              <a:spcBef>
+                <a:spcPts val="500"/>
+              </a:spcBef>
+              <a:buFont typeface="Arial" panose="020B0604020202020204" pitchFamily="34" charset="0"/>
+              <a:buNone/>
+              <a:defRPr sz="1600" kern="1200">
+                <a:solidFill>
+                  <a:schemeClr val="tx1">
+                    <a:tint val="75000"/>
+                  </a:schemeClr>
+                </a:solidFill>
+                <a:latin typeface="+mn-lt"/>
+                <a:ea typeface="+mn-ea"/>
+                <a:cs typeface="+mn-cs"/>
+              </a:defRPr>
+            </a:lvl8pPr>
+            <a:lvl9pPr marL="3657600" indent="0" algn="l" defTabSz="914400" rtl="0" eaLnBrk="1" latinLnBrk="0" hangingPunct="1">
+              <a:lnSpc>
+                <a:spcPct val="90000"/>
+              </a:lnSpc>
+              <a:spcBef>
+                <a:spcPts val="500"/>
+              </a:spcBef>
+              <a:buFont typeface="Arial" panose="020B0604020202020204" pitchFamily="34" charset="0"/>
+              <a:buNone/>
+              <a:defRPr sz="1600" kern="1200">
+                <a:solidFill>
+                  <a:schemeClr val="tx1">
+                    <a:tint val="75000"/>
+                  </a:schemeClr>
+                </a:solidFill>
+                <a:latin typeface="+mn-lt"/>
+                <a:ea typeface="+mn-ea"/>
+                <a:cs typeface="+mn-cs"/>
+              </a:defRPr>
+            </a:lvl9pPr>
+          </a:lstStyle>
+          <a:p>
+            <a:r>
+              <a:rPr lang="en-US" dirty="0"/>
+              <a:t>Fig3 Analysis</a:t>
+            </a:r>
+          </a:p>
+        </p:txBody>
+      </p:sp>
     </p:spTree>
     <p:extLst>
       <p:ext uri="{BB962C8B-B14F-4D97-AF65-F5344CB8AC3E}">
-        <p14:creationId xmlns:p14="http://schemas.microsoft.com/office/powerpoint/2010/main" val="744379741"/>
+        <p14:creationId xmlns:p14="http://schemas.microsoft.com/office/powerpoint/2010/main" val="1210145353"/>
       </p:ext>
     </p:extLst>
   </p:cSld>
@@ -15808,7 +16908,7 @@
           <p:cNvPr id="2" name="Title 1">
             <a:extLst>
               <a:ext uri="{FF2B5EF4-FFF2-40B4-BE49-F238E27FC236}">
-                <a16:creationId xmlns:a16="http://schemas.microsoft.com/office/drawing/2014/main" id="{FA93DB88-62DD-4C41-977F-D59BEF14EE76}"/>
+                <a16:creationId xmlns:a16="http://schemas.microsoft.com/office/drawing/2014/main" id="{4518FC28-E0BD-4387-B8BE-9965D1A57FF1}"/>
               </a:ext>
             </a:extLst>
           </p:cNvPr>
@@ -15819,19 +16919,14 @@
             <p:ph type="title"/>
           </p:nvPr>
         </p:nvSpPr>
-        <p:spPr>
-          <a:xfrm>
-            <a:off x="838200" y="5509419"/>
-            <a:ext cx="4082142" cy="585788"/>
-          </a:xfrm>
-        </p:spPr>
+        <p:spPr/>
         <p:txBody>
           <a:bodyPr/>
           <a:lstStyle/>
           <a:p>
             <a:r>
               <a:rPr lang="en-US" dirty="0"/>
-              <a:t>TIMELINE</a:t>
+              <a:t>DATA VIZULIZATION 4</a:t>
             </a:r>
           </a:p>
         </p:txBody>
@@ -15841,155 +16936,18 @@
           <p:cNvPr id="3" name="Text Placeholder 2">
             <a:extLst>
               <a:ext uri="{FF2B5EF4-FFF2-40B4-BE49-F238E27FC236}">
-                <a16:creationId xmlns:a16="http://schemas.microsoft.com/office/drawing/2014/main" id="{AEF37E83-2D8B-42EF-A2C4-5D2BBDB1F05B}"/>
-              </a:ext>
-            </a:extLst>
-          </p:cNvPr>
-          <p:cNvSpPr>
-            <a:spLocks noGrp="1"/>
-          </p:cNvSpPr>
-          <p:nvPr>
-            <p:ph type="body" sz="quarter" idx="13"/>
-          </p:nvPr>
-        </p:nvSpPr>
-        <p:spPr>
-          <a:xfrm>
-            <a:off x="166074" y="1507772"/>
-            <a:ext cx="2141764" cy="514350"/>
-          </a:xfrm>
-        </p:spPr>
-        <p:txBody>
-          <a:bodyPr/>
-          <a:lstStyle/>
-          <a:p>
-            <a:r>
-              <a:rPr lang="en-US" dirty="0"/>
-              <a:t>Q1</a:t>
-            </a:r>
-          </a:p>
-        </p:txBody>
-      </p:sp>
-      <p:sp>
-        <p:nvSpPr>
-          <p:cNvPr id="4" name="Text Placeholder 3">
-            <a:extLst>
-              <a:ext uri="{FF2B5EF4-FFF2-40B4-BE49-F238E27FC236}">
-                <a16:creationId xmlns:a16="http://schemas.microsoft.com/office/drawing/2014/main" id="{B0D77839-2CFD-4BC8-85DA-9EE69CCE1B20}"/>
-              </a:ext>
-            </a:extLst>
-          </p:cNvPr>
-          <p:cNvSpPr>
-            <a:spLocks noGrp="1"/>
-          </p:cNvSpPr>
-          <p:nvPr>
-            <p:ph type="body" sz="quarter" idx="14"/>
-          </p:nvPr>
-        </p:nvSpPr>
-        <p:spPr>
-          <a:xfrm>
-            <a:off x="732131" y="2584097"/>
-            <a:ext cx="2141764" cy="514350"/>
-          </a:xfrm>
-        </p:spPr>
-        <p:txBody>
-          <a:bodyPr/>
-          <a:lstStyle/>
-          <a:p>
-            <a:r>
-              <a:rPr lang="en-US" dirty="0"/>
-              <a:t>Q2</a:t>
-            </a:r>
-          </a:p>
-        </p:txBody>
-      </p:sp>
-      <p:sp>
-        <p:nvSpPr>
-          <p:cNvPr id="5" name="Text Placeholder 4">
-            <a:extLst>
-              <a:ext uri="{FF2B5EF4-FFF2-40B4-BE49-F238E27FC236}">
-                <a16:creationId xmlns:a16="http://schemas.microsoft.com/office/drawing/2014/main" id="{57E386FF-C90F-4484-A843-D4BA75FFF002}"/>
-              </a:ext>
-            </a:extLst>
-          </p:cNvPr>
-          <p:cNvSpPr>
-            <a:spLocks noGrp="1"/>
-          </p:cNvSpPr>
-          <p:nvPr>
-            <p:ph type="body" sz="quarter" idx="15"/>
-          </p:nvPr>
-        </p:nvSpPr>
-        <p:spPr>
-          <a:xfrm>
-            <a:off x="1338556" y="3660422"/>
-            <a:ext cx="2141764" cy="514350"/>
-          </a:xfrm>
-        </p:spPr>
-        <p:txBody>
-          <a:bodyPr/>
-          <a:lstStyle/>
-          <a:p>
-            <a:r>
-              <a:rPr lang="en-US" dirty="0"/>
-              <a:t>Q3</a:t>
-            </a:r>
-          </a:p>
-        </p:txBody>
-      </p:sp>
-      <p:sp>
-        <p:nvSpPr>
-          <p:cNvPr id="6" name="Text Placeholder 5">
-            <a:extLst>
-              <a:ext uri="{FF2B5EF4-FFF2-40B4-BE49-F238E27FC236}">
-                <a16:creationId xmlns:a16="http://schemas.microsoft.com/office/drawing/2014/main" id="{F30780D1-5C1B-411C-81ED-7B9970FCBF8A}"/>
-              </a:ext>
-            </a:extLst>
-          </p:cNvPr>
-          <p:cNvSpPr>
-            <a:spLocks noGrp="1"/>
-          </p:cNvSpPr>
-          <p:nvPr>
-            <p:ph type="body" sz="quarter" idx="16"/>
-          </p:nvPr>
-        </p:nvSpPr>
-        <p:spPr>
-          <a:xfrm>
-            <a:off x="1922756" y="4736748"/>
-            <a:ext cx="2141764" cy="514350"/>
-          </a:xfrm>
-        </p:spPr>
-        <p:txBody>
-          <a:bodyPr/>
-          <a:lstStyle/>
-          <a:p>
-            <a:r>
-              <a:rPr lang="en-US" dirty="0"/>
-              <a:t>Q4</a:t>
-            </a:r>
-          </a:p>
-        </p:txBody>
-      </p:sp>
-      <p:sp>
-        <p:nvSpPr>
-          <p:cNvPr id="12" name="Text Placeholder 11">
-            <a:extLst>
-              <a:ext uri="{FF2B5EF4-FFF2-40B4-BE49-F238E27FC236}">
-                <a16:creationId xmlns:a16="http://schemas.microsoft.com/office/drawing/2014/main" id="{FABE7D8B-D1CD-44C0-AD2D-2ABA67684E97}"/>
-              </a:ext>
-            </a:extLst>
-          </p:cNvPr>
-          <p:cNvSpPr>
-            <a:spLocks noGrp="1"/>
-          </p:cNvSpPr>
-          <p:nvPr>
-            <p:ph type="body" sz="quarter" idx="17"/>
-          </p:nvPr>
-        </p:nvSpPr>
-        <p:spPr>
-          <a:xfrm>
-            <a:off x="4401536" y="1613528"/>
-            <a:ext cx="5102680" cy="1010842"/>
-          </a:xfrm>
-        </p:spPr>
+                <a16:creationId xmlns:a16="http://schemas.microsoft.com/office/drawing/2014/main" id="{FED19BCA-B61F-4EA6-A1FB-CCA3BD8506FB}"/>
+              </a:ext>
+            </a:extLst>
+          </p:cNvPr>
+          <p:cNvSpPr>
+            <a:spLocks noGrp="1"/>
+          </p:cNvSpPr>
+          <p:nvPr>
+            <p:ph type="body" idx="1"/>
+          </p:nvPr>
+        </p:nvSpPr>
+        <p:spPr/>
         <p:txBody>
           <a:bodyPr>
             <a:normAutofit/>
@@ -15998,122 +16956,17 @@
           <a:p>
             <a:r>
               <a:rPr lang="en-US" dirty="0"/>
-              <a:t>Synergize scalable e-commerce</a:t>
-            </a:r>
-          </a:p>
-        </p:txBody>
-      </p:sp>
-      <p:sp>
-        <p:nvSpPr>
-          <p:cNvPr id="13" name="Text Placeholder 12">
-            <a:extLst>
-              <a:ext uri="{FF2B5EF4-FFF2-40B4-BE49-F238E27FC236}">
-                <a16:creationId xmlns:a16="http://schemas.microsoft.com/office/drawing/2014/main" id="{8C2F0B15-120C-423F-8EE5-F303B19D5CC5}"/>
-              </a:ext>
-            </a:extLst>
-          </p:cNvPr>
-          <p:cNvSpPr>
-            <a:spLocks noGrp="1"/>
-          </p:cNvSpPr>
-          <p:nvPr>
-            <p:ph type="body" sz="quarter" idx="18"/>
-          </p:nvPr>
-        </p:nvSpPr>
-        <p:spPr>
-          <a:xfrm>
-            <a:off x="4986029" y="2682564"/>
-            <a:ext cx="5102680" cy="1010842"/>
-          </a:xfrm>
-        </p:spPr>
-        <p:txBody>
-          <a:bodyPr>
-            <a:normAutofit/>
-          </a:bodyPr>
-          <a:lstStyle/>
-          <a:p>
-            <a:r>
-              <a:rPr lang="en-US" dirty="0"/>
-              <a:t>Coordinate e-business applications</a:t>
-            </a:r>
-          </a:p>
-        </p:txBody>
-      </p:sp>
-      <p:sp>
-        <p:nvSpPr>
-          <p:cNvPr id="14" name="Text Placeholder 13">
-            <a:extLst>
-              <a:ext uri="{FF2B5EF4-FFF2-40B4-BE49-F238E27FC236}">
-                <a16:creationId xmlns:a16="http://schemas.microsoft.com/office/drawing/2014/main" id="{300D2644-F516-41F1-A88D-93673EA209A4}"/>
-              </a:ext>
-            </a:extLst>
-          </p:cNvPr>
-          <p:cNvSpPr>
-            <a:spLocks noGrp="1"/>
-          </p:cNvSpPr>
-          <p:nvPr>
-            <p:ph type="body" sz="quarter" idx="19"/>
-          </p:nvPr>
-        </p:nvSpPr>
-        <p:spPr>
-          <a:xfrm>
-            <a:off x="5576938" y="3755394"/>
-            <a:ext cx="5102680" cy="1010842"/>
-          </a:xfrm>
-        </p:spPr>
-        <p:txBody>
-          <a:bodyPr>
-            <a:normAutofit/>
-          </a:bodyPr>
-          <a:lstStyle/>
-          <a:p>
-            <a:r>
-              <a:rPr lang="en-US" dirty="0"/>
-              <a:t>Deploy strategic networks with compelling e-business needs</a:t>
-            </a:r>
-          </a:p>
-        </p:txBody>
-      </p:sp>
-      <p:sp>
-        <p:nvSpPr>
-          <p:cNvPr id="15" name="Text Placeholder 14">
-            <a:extLst>
-              <a:ext uri="{FF2B5EF4-FFF2-40B4-BE49-F238E27FC236}">
-                <a16:creationId xmlns:a16="http://schemas.microsoft.com/office/drawing/2014/main" id="{9405A1F0-98C1-4B11-8D9A-3C009ADC44D0}"/>
-              </a:ext>
-            </a:extLst>
-          </p:cNvPr>
-          <p:cNvSpPr>
-            <a:spLocks noGrp="1"/>
-          </p:cNvSpPr>
-          <p:nvPr>
-            <p:ph type="body" sz="quarter" idx="20"/>
-          </p:nvPr>
-        </p:nvSpPr>
-        <p:spPr>
-          <a:xfrm>
-            <a:off x="6175280" y="4824430"/>
-            <a:ext cx="5102680" cy="1010842"/>
-          </a:xfrm>
-        </p:spPr>
-        <p:txBody>
-          <a:bodyPr>
-            <a:normAutofit/>
-          </a:bodyPr>
-          <a:lstStyle/>
-          <a:p>
-            <a:r>
-              <a:rPr lang="en-US" dirty="0"/>
-              <a:t>Disseminate standardized metrics</a:t>
-            </a:r>
-          </a:p>
-        </p:txBody>
-      </p:sp>
-      <p:sp>
-        <p:nvSpPr>
-          <p:cNvPr id="17" name="Footer Placeholder 16">
-            <a:extLst>
-              <a:ext uri="{FF2B5EF4-FFF2-40B4-BE49-F238E27FC236}">
-                <a16:creationId xmlns:a16="http://schemas.microsoft.com/office/drawing/2014/main" id="{CD3D67B7-A821-49FC-94BE-19EDE9D319A5}"/>
+              <a:t>Fig4</a:t>
+            </a:r>
+          </a:p>
+        </p:txBody>
+      </p:sp>
+      <p:sp>
+        <p:nvSpPr>
+          <p:cNvPr id="5" name="Footer Placeholder 4">
+            <a:extLst>
+              <a:ext uri="{FF2B5EF4-FFF2-40B4-BE49-F238E27FC236}">
+                <a16:creationId xmlns:a16="http://schemas.microsoft.com/office/drawing/2014/main" id="{4135E32A-1A8C-43D2-9C6E-12887B4DEDFB}"/>
               </a:ext>
             </a:extLst>
           </p:cNvPr>
@@ -16124,12 +16977,7 @@
             <p:ph type="ftr" sz="quarter" idx="11"/>
           </p:nvPr>
         </p:nvSpPr>
-        <p:spPr>
-          <a:xfrm>
-            <a:off x="6749143" y="6356350"/>
-            <a:ext cx="3775981" cy="365125"/>
-          </a:xfrm>
-        </p:spPr>
+        <p:spPr/>
         <p:txBody>
           <a:bodyPr/>
           <a:lstStyle/>
@@ -16143,10 +16991,10 @@
       </p:sp>
       <p:sp>
         <p:nvSpPr>
-          <p:cNvPr id="18" name="Slide Number Placeholder 17">
-            <a:extLst>
-              <a:ext uri="{FF2B5EF4-FFF2-40B4-BE49-F238E27FC236}">
-                <a16:creationId xmlns:a16="http://schemas.microsoft.com/office/drawing/2014/main" id="{C8D6D0E8-3983-4B7D-ADB2-077E17AD3BD0}"/>
+          <p:cNvPr id="6" name="Slide Number Placeholder 5">
+            <a:extLst>
+              <a:ext uri="{FF2B5EF4-FFF2-40B4-BE49-F238E27FC236}">
+                <a16:creationId xmlns:a16="http://schemas.microsoft.com/office/drawing/2014/main" id="{7C4B8313-9270-4128-8674-3A3E42B806BC}"/>
               </a:ext>
             </a:extLst>
           </p:cNvPr>
@@ -16157,12 +17005,7 @@
             <p:ph type="sldNum" sz="quarter" idx="12"/>
           </p:nvPr>
         </p:nvSpPr>
-        <p:spPr>
-          <a:xfrm>
-            <a:off x="10810874" y="6356350"/>
-            <a:ext cx="542925" cy="365125"/>
-          </a:xfrm>
-        </p:spPr>
+        <p:spPr/>
         <p:txBody>
           <a:bodyPr/>
           <a:lstStyle/>
@@ -16176,10 +17019,225 @@
           </a:p>
         </p:txBody>
       </p:sp>
+      <p:sp>
+        <p:nvSpPr>
+          <p:cNvPr id="7" name="Text Placeholder 2">
+            <a:extLst>
+              <a:ext uri="{FF2B5EF4-FFF2-40B4-BE49-F238E27FC236}">
+                <a16:creationId xmlns:a16="http://schemas.microsoft.com/office/drawing/2014/main" id="{1C67C9C0-FE8C-1028-2361-8D02F23AF047}"/>
+              </a:ext>
+            </a:extLst>
+          </p:cNvPr>
+          <p:cNvSpPr txBox="1">
+            <a:spLocks/>
+          </p:cNvSpPr>
+          <p:nvPr/>
+        </p:nvSpPr>
+        <p:spPr>
+          <a:xfrm>
+            <a:off x="8610600" y="4278104"/>
+            <a:ext cx="3391866" cy="1525588"/>
+          </a:xfrm>
+          <a:prstGeom prst="rect">
+            <a:avLst/>
+          </a:prstGeom>
+        </p:spPr>
+        <p:txBody>
+          <a:bodyPr vert="horz" lIns="91440" tIns="45720" rIns="91440" bIns="45720" rtlCol="0">
+            <a:normAutofit/>
+          </a:bodyPr>
+          <a:lstStyle>
+            <a:lvl1pPr marL="0" indent="0" algn="l" defTabSz="914400" rtl="0" eaLnBrk="1" latinLnBrk="0" hangingPunct="1">
+              <a:lnSpc>
+                <a:spcPct val="100000"/>
+              </a:lnSpc>
+              <a:spcBef>
+                <a:spcPts val="1000"/>
+              </a:spcBef>
+              <a:buFont typeface="Arial" panose="020B0604020202020204" pitchFamily="34" charset="0"/>
+              <a:buNone/>
+              <a:defRPr sz="1400" kern="1200" spc="50" baseline="0">
+                <a:solidFill>
+                  <a:schemeClr val="tx1"/>
+                </a:solidFill>
+                <a:latin typeface="+mn-lt"/>
+                <a:ea typeface="+mn-ea"/>
+                <a:cs typeface="+mn-cs"/>
+              </a:defRPr>
+            </a:lvl1pPr>
+            <a:lvl2pPr marL="457200" indent="0" algn="l" defTabSz="914400" rtl="0" eaLnBrk="1" latinLnBrk="0" hangingPunct="1">
+              <a:lnSpc>
+                <a:spcPct val="90000"/>
+              </a:lnSpc>
+              <a:spcBef>
+                <a:spcPts val="500"/>
+              </a:spcBef>
+              <a:buFont typeface="Arial" panose="020B0604020202020204" pitchFamily="34" charset="0"/>
+              <a:buNone/>
+              <a:defRPr sz="2000" kern="1200">
+                <a:solidFill>
+                  <a:schemeClr val="tx1">
+                    <a:tint val="75000"/>
+                  </a:schemeClr>
+                </a:solidFill>
+                <a:latin typeface="+mn-lt"/>
+                <a:ea typeface="+mn-ea"/>
+                <a:cs typeface="+mn-cs"/>
+              </a:defRPr>
+            </a:lvl2pPr>
+            <a:lvl3pPr marL="914400" indent="0" algn="l" defTabSz="914400" rtl="0" eaLnBrk="1" latinLnBrk="0" hangingPunct="1">
+              <a:lnSpc>
+                <a:spcPct val="90000"/>
+              </a:lnSpc>
+              <a:spcBef>
+                <a:spcPts val="500"/>
+              </a:spcBef>
+              <a:buFont typeface="Arial" panose="020B0604020202020204" pitchFamily="34" charset="0"/>
+              <a:buNone/>
+              <a:defRPr sz="1800" kern="1200">
+                <a:solidFill>
+                  <a:schemeClr val="tx1">
+                    <a:tint val="75000"/>
+                  </a:schemeClr>
+                </a:solidFill>
+                <a:latin typeface="+mn-lt"/>
+                <a:ea typeface="+mn-ea"/>
+                <a:cs typeface="+mn-cs"/>
+              </a:defRPr>
+            </a:lvl3pPr>
+            <a:lvl4pPr marL="1371600" indent="0" algn="l" defTabSz="914400" rtl="0" eaLnBrk="1" latinLnBrk="0" hangingPunct="1">
+              <a:lnSpc>
+                <a:spcPct val="90000"/>
+              </a:lnSpc>
+              <a:spcBef>
+                <a:spcPts val="500"/>
+              </a:spcBef>
+              <a:buFont typeface="Arial" panose="020B0604020202020204" pitchFamily="34" charset="0"/>
+              <a:buNone/>
+              <a:defRPr sz="1600" kern="1200">
+                <a:solidFill>
+                  <a:schemeClr val="tx1">
+                    <a:tint val="75000"/>
+                  </a:schemeClr>
+                </a:solidFill>
+                <a:latin typeface="+mn-lt"/>
+                <a:ea typeface="+mn-ea"/>
+                <a:cs typeface="+mn-cs"/>
+              </a:defRPr>
+            </a:lvl4pPr>
+            <a:lvl5pPr marL="1828800" indent="0" algn="l" defTabSz="914400" rtl="0" eaLnBrk="1" latinLnBrk="0" hangingPunct="1">
+              <a:lnSpc>
+                <a:spcPct val="90000"/>
+              </a:lnSpc>
+              <a:spcBef>
+                <a:spcPts val="500"/>
+              </a:spcBef>
+              <a:buFont typeface="Arial" panose="020B0604020202020204" pitchFamily="34" charset="0"/>
+              <a:buNone/>
+              <a:defRPr sz="1600" kern="1200">
+                <a:solidFill>
+                  <a:schemeClr val="tx1">
+                    <a:tint val="75000"/>
+                  </a:schemeClr>
+                </a:solidFill>
+                <a:latin typeface="+mn-lt"/>
+                <a:ea typeface="+mn-ea"/>
+                <a:cs typeface="+mn-cs"/>
+              </a:defRPr>
+            </a:lvl5pPr>
+            <a:lvl6pPr marL="2286000" indent="0" algn="l" defTabSz="914400" rtl="0" eaLnBrk="1" latinLnBrk="0" hangingPunct="1">
+              <a:lnSpc>
+                <a:spcPct val="90000"/>
+              </a:lnSpc>
+              <a:spcBef>
+                <a:spcPts val="500"/>
+              </a:spcBef>
+              <a:buFont typeface="Arial" panose="020B0604020202020204" pitchFamily="34" charset="0"/>
+              <a:buNone/>
+              <a:defRPr sz="1600" kern="1200">
+                <a:solidFill>
+                  <a:schemeClr val="tx1">
+                    <a:tint val="75000"/>
+                  </a:schemeClr>
+                </a:solidFill>
+                <a:latin typeface="+mn-lt"/>
+                <a:ea typeface="+mn-ea"/>
+                <a:cs typeface="+mn-cs"/>
+              </a:defRPr>
+            </a:lvl6pPr>
+            <a:lvl7pPr marL="2743200" indent="0" algn="l" defTabSz="914400" rtl="0" eaLnBrk="1" latinLnBrk="0" hangingPunct="1">
+              <a:lnSpc>
+                <a:spcPct val="90000"/>
+              </a:lnSpc>
+              <a:spcBef>
+                <a:spcPts val="500"/>
+              </a:spcBef>
+              <a:buFont typeface="Arial" panose="020B0604020202020204" pitchFamily="34" charset="0"/>
+              <a:buNone/>
+              <a:defRPr sz="1600" kern="1200">
+                <a:solidFill>
+                  <a:schemeClr val="tx1">
+                    <a:tint val="75000"/>
+                  </a:schemeClr>
+                </a:solidFill>
+                <a:latin typeface="+mn-lt"/>
+                <a:ea typeface="+mn-ea"/>
+                <a:cs typeface="+mn-cs"/>
+              </a:defRPr>
+            </a:lvl7pPr>
+            <a:lvl8pPr marL="3200400" indent="0" algn="l" defTabSz="914400" rtl="0" eaLnBrk="1" latinLnBrk="0" hangingPunct="1">
+              <a:lnSpc>
+                <a:spcPct val="90000"/>
+              </a:lnSpc>
+              <a:spcBef>
+                <a:spcPts val="500"/>
+              </a:spcBef>
+              <a:buFont typeface="Arial" panose="020B0604020202020204" pitchFamily="34" charset="0"/>
+              <a:buNone/>
+              <a:defRPr sz="1600" kern="1200">
+                <a:solidFill>
+                  <a:schemeClr val="tx1">
+                    <a:tint val="75000"/>
+                  </a:schemeClr>
+                </a:solidFill>
+                <a:latin typeface="+mn-lt"/>
+                <a:ea typeface="+mn-ea"/>
+                <a:cs typeface="+mn-cs"/>
+              </a:defRPr>
+            </a:lvl8pPr>
+            <a:lvl9pPr marL="3657600" indent="0" algn="l" defTabSz="914400" rtl="0" eaLnBrk="1" latinLnBrk="0" hangingPunct="1">
+              <a:lnSpc>
+                <a:spcPct val="90000"/>
+              </a:lnSpc>
+              <a:spcBef>
+                <a:spcPts val="500"/>
+              </a:spcBef>
+              <a:buFont typeface="Arial" panose="020B0604020202020204" pitchFamily="34" charset="0"/>
+              <a:buNone/>
+              <a:defRPr sz="1600" kern="1200">
+                <a:solidFill>
+                  <a:schemeClr val="tx1">
+                    <a:tint val="75000"/>
+                  </a:schemeClr>
+                </a:solidFill>
+                <a:latin typeface="+mn-lt"/>
+                <a:ea typeface="+mn-ea"/>
+                <a:cs typeface="+mn-cs"/>
+              </a:defRPr>
+            </a:lvl9pPr>
+          </a:lstStyle>
+          <a:p>
+            <a:r>
+              <a:rPr lang="en-US" dirty="0"/>
+              <a:t>Fig4 Analysis</a:t>
+            </a:r>
+          </a:p>
+        </p:txBody>
+      </p:sp>
     </p:spTree>
     <p:extLst>
       <p:ext uri="{BB962C8B-B14F-4D97-AF65-F5344CB8AC3E}">
-        <p14:creationId xmlns:p14="http://schemas.microsoft.com/office/powerpoint/2010/main" val="332104327"/>
+        <p14:creationId xmlns:p14="http://schemas.microsoft.com/office/powerpoint/2010/main" val="1160279016"/>
       </p:ext>
     </p:extLst>
   </p:cSld>
@@ -16211,7 +17269,7 @@
           <p:cNvPr id="2" name="Title 1">
             <a:extLst>
               <a:ext uri="{FF2B5EF4-FFF2-40B4-BE49-F238E27FC236}">
-                <a16:creationId xmlns:a16="http://schemas.microsoft.com/office/drawing/2014/main" id="{09140014-73D5-419B-8867-972BB18D52D4}"/>
+                <a16:creationId xmlns:a16="http://schemas.microsoft.com/office/drawing/2014/main" id="{4518FC28-E0BD-4387-B8BE-9965D1A57FF1}"/>
               </a:ext>
             </a:extLst>
           </p:cNvPr>
@@ -16224,8 +17282,8 @@
         </p:nvSpPr>
         <p:spPr>
           <a:xfrm>
-            <a:off x="2933700" y="892177"/>
-            <a:ext cx="8421688" cy="1325563"/>
+            <a:off x="5476875" y="1671639"/>
+            <a:ext cx="5111750" cy="1204912"/>
           </a:xfrm>
         </p:spPr>
         <p:txBody>
@@ -16234,7 +17292,7 @@
           <a:p>
             <a:r>
               <a:rPr lang="en-US" dirty="0"/>
-              <a:t>AREAS OF FOCUS</a:t>
+              <a:t>DATA VISUALIZATION 5</a:t>
             </a:r>
           </a:p>
         </p:txBody>
@@ -16244,7 +17302,7 @@
           <p:cNvPr id="3" name="Text Placeholder 2">
             <a:extLst>
               <a:ext uri="{FF2B5EF4-FFF2-40B4-BE49-F238E27FC236}">
-                <a16:creationId xmlns:a16="http://schemas.microsoft.com/office/drawing/2014/main" id="{A45AD8B9-3719-4696-A80F-16A618C5D134}"/>
+                <a16:creationId xmlns:a16="http://schemas.microsoft.com/office/drawing/2014/main" id="{FED19BCA-B61F-4EA6-A1FB-CCA3BD8506FB}"/>
               </a:ext>
             </a:extLst>
           </p:cNvPr>
@@ -16257,41 +17315,8 @@
         </p:nvSpPr>
         <p:spPr>
           <a:xfrm>
-            <a:off x="2933700" y="2776936"/>
-            <a:ext cx="3924300" cy="823912"/>
-          </a:xfrm>
-        </p:spPr>
-        <p:txBody>
-          <a:bodyPr/>
-          <a:lstStyle/>
-          <a:p>
-            <a:r>
-              <a:rPr lang="en-US" dirty="0"/>
-              <a:t>B2B MARKET SCENARIOS</a:t>
-            </a:r>
-          </a:p>
-        </p:txBody>
-      </p:sp>
-      <p:sp>
-        <p:nvSpPr>
-          <p:cNvPr id="4" name="Content Placeholder 3">
-            <a:extLst>
-              <a:ext uri="{FF2B5EF4-FFF2-40B4-BE49-F238E27FC236}">
-                <a16:creationId xmlns:a16="http://schemas.microsoft.com/office/drawing/2014/main" id="{33D8731E-4977-402E-8BFD-895B4D0544CC}"/>
-              </a:ext>
-            </a:extLst>
-          </p:cNvPr>
-          <p:cNvSpPr>
-            <a:spLocks noGrp="1"/>
-          </p:cNvSpPr>
-          <p:nvPr>
-            <p:ph sz="half" idx="2"/>
-          </p:nvPr>
-        </p:nvSpPr>
-        <p:spPr>
-          <a:xfrm>
-            <a:off x="2933700" y="3834606"/>
-            <a:ext cx="3924300" cy="1997867"/>
+            <a:off x="5476875" y="3660774"/>
+            <a:ext cx="5111750" cy="1525588"/>
           </a:xfrm>
         </p:spPr>
         <p:txBody>
@@ -16302,103 +17327,17 @@
           <a:p>
             <a:r>
               <a:rPr lang="en-US" dirty="0"/>
-              <a:t>Develop winning strategies to keep ahead of the competition</a:t>
-            </a:r>
-          </a:p>
-          <a:p>
-            <a:r>
-              <a:rPr lang="en-US" dirty="0"/>
-              <a:t>​Capitalize on low hanging fruit to identify a ballpark value</a:t>
-            </a:r>
-          </a:p>
-          <a:p>
-            <a:r>
-              <a:rPr lang="en-US" dirty="0"/>
-              <a:t>​Visualize customer directed convergence​</a:t>
-            </a:r>
-          </a:p>
-        </p:txBody>
-      </p:sp>
-      <p:sp>
-        <p:nvSpPr>
-          <p:cNvPr id="5" name="Text Placeholder 4">
-            <a:extLst>
-              <a:ext uri="{FF2B5EF4-FFF2-40B4-BE49-F238E27FC236}">
-                <a16:creationId xmlns:a16="http://schemas.microsoft.com/office/drawing/2014/main" id="{91CDEC5F-B8EE-4BC1-843F-13135E6E7AB2}"/>
-              </a:ext>
-            </a:extLst>
-          </p:cNvPr>
-          <p:cNvSpPr>
-            <a:spLocks noGrp="1"/>
-          </p:cNvSpPr>
-          <p:nvPr>
-            <p:ph type="body" sz="quarter" idx="3"/>
-          </p:nvPr>
-        </p:nvSpPr>
-        <p:spPr>
-          <a:xfrm>
-            <a:off x="7410173" y="2776936"/>
-            <a:ext cx="3943627" cy="823912"/>
-          </a:xfrm>
-        </p:spPr>
-        <p:txBody>
-          <a:bodyPr/>
-          <a:lstStyle/>
-          <a:p>
-            <a:r>
-              <a:rPr lang="en-US" dirty="0"/>
-              <a:t>CLOUD-BASED OPPORTUNITIES</a:t>
-            </a:r>
-          </a:p>
-        </p:txBody>
-      </p:sp>
-      <p:sp>
-        <p:nvSpPr>
-          <p:cNvPr id="6" name="Content Placeholder 5">
-            <a:extLst>
-              <a:ext uri="{FF2B5EF4-FFF2-40B4-BE49-F238E27FC236}">
-                <a16:creationId xmlns:a16="http://schemas.microsoft.com/office/drawing/2014/main" id="{50B65871-FA95-449A-B8BC-90486DE532EF}"/>
-              </a:ext>
-            </a:extLst>
-          </p:cNvPr>
-          <p:cNvSpPr>
-            <a:spLocks noGrp="1"/>
-          </p:cNvSpPr>
-          <p:nvPr>
-            <p:ph sz="quarter" idx="4"/>
-          </p:nvPr>
-        </p:nvSpPr>
-        <p:spPr>
-          <a:xfrm>
-            <a:off x="7410173" y="3834606"/>
-            <a:ext cx="3943627" cy="1997867"/>
-          </a:xfrm>
-        </p:spPr>
-        <p:txBody>
-          <a:bodyPr>
-            <a:normAutofit/>
-          </a:bodyPr>
-          <a:lstStyle/>
-          <a:p>
-            <a:r>
-              <a:rPr lang="en-US" dirty="0"/>
-              <a:t>Iterative approaches to corporate strategy</a:t>
-            </a:r>
-          </a:p>
-          <a:p>
-            <a:r>
-              <a:rPr lang="en-US" dirty="0"/>
-              <a:t>​Establish a management framework from the inside​</a:t>
-            </a:r>
-          </a:p>
-        </p:txBody>
-      </p:sp>
-      <p:sp>
-        <p:nvSpPr>
-          <p:cNvPr id="8" name="Footer Placeholder 7">
-            <a:extLst>
-              <a:ext uri="{FF2B5EF4-FFF2-40B4-BE49-F238E27FC236}">
-                <a16:creationId xmlns:a16="http://schemas.microsoft.com/office/drawing/2014/main" id="{905F172A-5D5D-43CD-A187-DA0D303F4144}"/>
+              <a:t>Fig5</a:t>
+            </a:r>
+          </a:p>
+        </p:txBody>
+      </p:sp>
+      <p:sp>
+        <p:nvSpPr>
+          <p:cNvPr id="5" name="Footer Placeholder 4">
+            <a:extLst>
+              <a:ext uri="{FF2B5EF4-FFF2-40B4-BE49-F238E27FC236}">
+                <a16:creationId xmlns:a16="http://schemas.microsoft.com/office/drawing/2014/main" id="{4135E32A-1A8C-43D2-9C6E-12887B4DEDFB}"/>
               </a:ext>
             </a:extLst>
           </p:cNvPr>
@@ -16428,10 +17367,10 @@
       </p:sp>
       <p:sp>
         <p:nvSpPr>
-          <p:cNvPr id="9" name="Slide Number Placeholder 8">
-            <a:extLst>
-              <a:ext uri="{FF2B5EF4-FFF2-40B4-BE49-F238E27FC236}">
-                <a16:creationId xmlns:a16="http://schemas.microsoft.com/office/drawing/2014/main" id="{C396FFDC-ADE8-4009-A466-A81787258E88}"/>
+          <p:cNvPr id="6" name="Slide Number Placeholder 5">
+            <a:extLst>
+              <a:ext uri="{FF2B5EF4-FFF2-40B4-BE49-F238E27FC236}">
+                <a16:creationId xmlns:a16="http://schemas.microsoft.com/office/drawing/2014/main" id="{7C4B8313-9270-4128-8674-3A3E42B806BC}"/>
               </a:ext>
             </a:extLst>
           </p:cNvPr>
@@ -16461,10 +17400,225 @@
           </a:p>
         </p:txBody>
       </p:sp>
+      <p:sp>
+        <p:nvSpPr>
+          <p:cNvPr id="4" name="Text Placeholder 2">
+            <a:extLst>
+              <a:ext uri="{FF2B5EF4-FFF2-40B4-BE49-F238E27FC236}">
+                <a16:creationId xmlns:a16="http://schemas.microsoft.com/office/drawing/2014/main" id="{2CECAF49-33A7-A030-D18E-14E5CAE40000}"/>
+              </a:ext>
+            </a:extLst>
+          </p:cNvPr>
+          <p:cNvSpPr txBox="1">
+            <a:spLocks/>
+          </p:cNvSpPr>
+          <p:nvPr/>
+        </p:nvSpPr>
+        <p:spPr>
+          <a:xfrm>
+            <a:off x="365125" y="3482974"/>
+            <a:ext cx="3391866" cy="1525588"/>
+          </a:xfrm>
+          <a:prstGeom prst="rect">
+            <a:avLst/>
+          </a:prstGeom>
+        </p:spPr>
+        <p:txBody>
+          <a:bodyPr vert="horz" lIns="91440" tIns="45720" rIns="91440" bIns="45720" rtlCol="0">
+            <a:normAutofit/>
+          </a:bodyPr>
+          <a:lstStyle>
+            <a:lvl1pPr marL="0" indent="0" algn="l" defTabSz="914400" rtl="0" eaLnBrk="1" latinLnBrk="0" hangingPunct="1">
+              <a:lnSpc>
+                <a:spcPct val="100000"/>
+              </a:lnSpc>
+              <a:spcBef>
+                <a:spcPts val="1000"/>
+              </a:spcBef>
+              <a:buFont typeface="Arial" panose="020B0604020202020204" pitchFamily="34" charset="0"/>
+              <a:buNone/>
+              <a:defRPr sz="1400" kern="1200" spc="50" baseline="0">
+                <a:solidFill>
+                  <a:schemeClr val="tx1"/>
+                </a:solidFill>
+                <a:latin typeface="+mn-lt"/>
+                <a:ea typeface="+mn-ea"/>
+                <a:cs typeface="+mn-cs"/>
+              </a:defRPr>
+            </a:lvl1pPr>
+            <a:lvl2pPr marL="457200" indent="0" algn="l" defTabSz="914400" rtl="0" eaLnBrk="1" latinLnBrk="0" hangingPunct="1">
+              <a:lnSpc>
+                <a:spcPct val="90000"/>
+              </a:lnSpc>
+              <a:spcBef>
+                <a:spcPts val="500"/>
+              </a:spcBef>
+              <a:buFont typeface="Arial" panose="020B0604020202020204" pitchFamily="34" charset="0"/>
+              <a:buNone/>
+              <a:defRPr sz="2000" kern="1200">
+                <a:solidFill>
+                  <a:schemeClr val="tx1">
+                    <a:tint val="75000"/>
+                  </a:schemeClr>
+                </a:solidFill>
+                <a:latin typeface="+mn-lt"/>
+                <a:ea typeface="+mn-ea"/>
+                <a:cs typeface="+mn-cs"/>
+              </a:defRPr>
+            </a:lvl2pPr>
+            <a:lvl3pPr marL="914400" indent="0" algn="l" defTabSz="914400" rtl="0" eaLnBrk="1" latinLnBrk="0" hangingPunct="1">
+              <a:lnSpc>
+                <a:spcPct val="90000"/>
+              </a:lnSpc>
+              <a:spcBef>
+                <a:spcPts val="500"/>
+              </a:spcBef>
+              <a:buFont typeface="Arial" panose="020B0604020202020204" pitchFamily="34" charset="0"/>
+              <a:buNone/>
+              <a:defRPr sz="1800" kern="1200">
+                <a:solidFill>
+                  <a:schemeClr val="tx1">
+                    <a:tint val="75000"/>
+                  </a:schemeClr>
+                </a:solidFill>
+                <a:latin typeface="+mn-lt"/>
+                <a:ea typeface="+mn-ea"/>
+                <a:cs typeface="+mn-cs"/>
+              </a:defRPr>
+            </a:lvl3pPr>
+            <a:lvl4pPr marL="1371600" indent="0" algn="l" defTabSz="914400" rtl="0" eaLnBrk="1" latinLnBrk="0" hangingPunct="1">
+              <a:lnSpc>
+                <a:spcPct val="90000"/>
+              </a:lnSpc>
+              <a:spcBef>
+                <a:spcPts val="500"/>
+              </a:spcBef>
+              <a:buFont typeface="Arial" panose="020B0604020202020204" pitchFamily="34" charset="0"/>
+              <a:buNone/>
+              <a:defRPr sz="1600" kern="1200">
+                <a:solidFill>
+                  <a:schemeClr val="tx1">
+                    <a:tint val="75000"/>
+                  </a:schemeClr>
+                </a:solidFill>
+                <a:latin typeface="+mn-lt"/>
+                <a:ea typeface="+mn-ea"/>
+                <a:cs typeface="+mn-cs"/>
+              </a:defRPr>
+            </a:lvl4pPr>
+            <a:lvl5pPr marL="1828800" indent="0" algn="l" defTabSz="914400" rtl="0" eaLnBrk="1" latinLnBrk="0" hangingPunct="1">
+              <a:lnSpc>
+                <a:spcPct val="90000"/>
+              </a:lnSpc>
+              <a:spcBef>
+                <a:spcPts val="500"/>
+              </a:spcBef>
+              <a:buFont typeface="Arial" panose="020B0604020202020204" pitchFamily="34" charset="0"/>
+              <a:buNone/>
+              <a:defRPr sz="1600" kern="1200">
+                <a:solidFill>
+                  <a:schemeClr val="tx1">
+                    <a:tint val="75000"/>
+                  </a:schemeClr>
+                </a:solidFill>
+                <a:latin typeface="+mn-lt"/>
+                <a:ea typeface="+mn-ea"/>
+                <a:cs typeface="+mn-cs"/>
+              </a:defRPr>
+            </a:lvl5pPr>
+            <a:lvl6pPr marL="2286000" indent="0" algn="l" defTabSz="914400" rtl="0" eaLnBrk="1" latinLnBrk="0" hangingPunct="1">
+              <a:lnSpc>
+                <a:spcPct val="90000"/>
+              </a:lnSpc>
+              <a:spcBef>
+                <a:spcPts val="500"/>
+              </a:spcBef>
+              <a:buFont typeface="Arial" panose="020B0604020202020204" pitchFamily="34" charset="0"/>
+              <a:buNone/>
+              <a:defRPr sz="1600" kern="1200">
+                <a:solidFill>
+                  <a:schemeClr val="tx1">
+                    <a:tint val="75000"/>
+                  </a:schemeClr>
+                </a:solidFill>
+                <a:latin typeface="+mn-lt"/>
+                <a:ea typeface="+mn-ea"/>
+                <a:cs typeface="+mn-cs"/>
+              </a:defRPr>
+            </a:lvl6pPr>
+            <a:lvl7pPr marL="2743200" indent="0" algn="l" defTabSz="914400" rtl="0" eaLnBrk="1" latinLnBrk="0" hangingPunct="1">
+              <a:lnSpc>
+                <a:spcPct val="90000"/>
+              </a:lnSpc>
+              <a:spcBef>
+                <a:spcPts val="500"/>
+              </a:spcBef>
+              <a:buFont typeface="Arial" panose="020B0604020202020204" pitchFamily="34" charset="0"/>
+              <a:buNone/>
+              <a:defRPr sz="1600" kern="1200">
+                <a:solidFill>
+                  <a:schemeClr val="tx1">
+                    <a:tint val="75000"/>
+                  </a:schemeClr>
+                </a:solidFill>
+                <a:latin typeface="+mn-lt"/>
+                <a:ea typeface="+mn-ea"/>
+                <a:cs typeface="+mn-cs"/>
+              </a:defRPr>
+            </a:lvl7pPr>
+            <a:lvl8pPr marL="3200400" indent="0" algn="l" defTabSz="914400" rtl="0" eaLnBrk="1" latinLnBrk="0" hangingPunct="1">
+              <a:lnSpc>
+                <a:spcPct val="90000"/>
+              </a:lnSpc>
+              <a:spcBef>
+                <a:spcPts val="500"/>
+              </a:spcBef>
+              <a:buFont typeface="Arial" panose="020B0604020202020204" pitchFamily="34" charset="0"/>
+              <a:buNone/>
+              <a:defRPr sz="1600" kern="1200">
+                <a:solidFill>
+                  <a:schemeClr val="tx1">
+                    <a:tint val="75000"/>
+                  </a:schemeClr>
+                </a:solidFill>
+                <a:latin typeface="+mn-lt"/>
+                <a:ea typeface="+mn-ea"/>
+                <a:cs typeface="+mn-cs"/>
+              </a:defRPr>
+            </a:lvl8pPr>
+            <a:lvl9pPr marL="3657600" indent="0" algn="l" defTabSz="914400" rtl="0" eaLnBrk="1" latinLnBrk="0" hangingPunct="1">
+              <a:lnSpc>
+                <a:spcPct val="90000"/>
+              </a:lnSpc>
+              <a:spcBef>
+                <a:spcPts val="500"/>
+              </a:spcBef>
+              <a:buFont typeface="Arial" panose="020B0604020202020204" pitchFamily="34" charset="0"/>
+              <a:buNone/>
+              <a:defRPr sz="1600" kern="1200">
+                <a:solidFill>
+                  <a:schemeClr val="tx1">
+                    <a:tint val="75000"/>
+                  </a:schemeClr>
+                </a:solidFill>
+                <a:latin typeface="+mn-lt"/>
+                <a:ea typeface="+mn-ea"/>
+                <a:cs typeface="+mn-cs"/>
+              </a:defRPr>
+            </a:lvl9pPr>
+          </a:lstStyle>
+          <a:p>
+            <a:r>
+              <a:rPr lang="en-US" dirty="0"/>
+              <a:t>Fig5 Analysis</a:t>
+            </a:r>
+          </a:p>
+        </p:txBody>
+      </p:sp>
     </p:spTree>
     <p:extLst>
       <p:ext uri="{BB962C8B-B14F-4D97-AF65-F5344CB8AC3E}">
-        <p14:creationId xmlns:p14="http://schemas.microsoft.com/office/powerpoint/2010/main" val="1663780162"/>
+        <p14:creationId xmlns:p14="http://schemas.microsoft.com/office/powerpoint/2010/main" val="313570134"/>
       </p:ext>
     </p:extLst>
   </p:cSld>
@@ -17285,6 +18439,15 @@
 </file>
 
 <file path=customXml/item2.xml><?xml version="1.0" encoding="utf-8"?>
+<?mso-contentType ?>
+<FormTemplates xmlns="http://schemas.microsoft.com/sharepoint/v3/contenttype/forms">
+  <Display>DocumentLibraryForm</Display>
+  <Edit>DocumentLibraryForm</Edit>
+  <New>DocumentLibraryForm</New>
+</FormTemplates>
+</file>
+
+<file path=customXml/item3.xml><?xml version="1.0" encoding="utf-8"?>
 <ct:contentTypeSchema xmlns:ct="http://schemas.microsoft.com/office/2006/metadata/contentType" xmlns:ma="http://schemas.microsoft.com/office/2006/metadata/properties/metaAttributes" ct:_="" ma:_="" ma:contentTypeName="Document" ma:contentTypeID="0x01010079F111ED35F8CC479449609E8A0923A6" ma:contentTypeVersion="20" ma:contentTypeDescription="Create a new document." ma:contentTypeScope="" ma:versionID="1267097ee5f5874adfcc408041ae252e">
   <xsd:schema xmlns:xsd="http://www.w3.org/2001/XMLSchema" xmlns:xs="http://www.w3.org/2001/XMLSchema" xmlns:p="http://schemas.microsoft.com/office/2006/metadata/properties" xmlns:ns1="http://schemas.microsoft.com/sharepoint/v3" xmlns:ns2="71af3243-3dd4-4a8d-8c0d-dd76da1f02a5" xmlns:ns3="16c05727-aa75-4e4a-9b5f-8a80a1165891" xmlns:ns4="230e9df3-be65-4c73-a93b-d1236ebd677e" targetNamespace="http://schemas.microsoft.com/office/2006/metadata/properties" ma:root="true" ma:fieldsID="395891a93df65b14727750f2c06c306c" ns1:_="" ns2:_="" ns3:_="" ns4:_="">
     <xsd:import namespace="http://schemas.microsoft.com/sharepoint/v3"/>
@@ -17560,15 +18723,6 @@
 </ct:contentTypeSchema>
 </file>
 
-<file path=customXml/item3.xml><?xml version="1.0" encoding="utf-8"?>
-<?mso-contentType ?>
-<FormTemplates xmlns="http://schemas.microsoft.com/sharepoint/v3/contenttype/forms">
-  <Display>DocumentLibraryForm</Display>
-  <Edit>DocumentLibraryForm</Edit>
-  <New>DocumentLibraryForm</New>
-</FormTemplates>
-</file>
-
 <file path=customXml/itemProps1.xml><?xml version="1.0" encoding="utf-8"?>
 <ds:datastoreItem xmlns:ds="http://schemas.openxmlformats.org/officeDocument/2006/customXml" ds:itemID="{4CC7F809-A434-4A8D-A127-1C50C2DB3890}">
   <ds:schemaRefs>
@@ -17582,6 +18736,14 @@
 </file>
 
 <file path=customXml/itemProps2.xml><?xml version="1.0" encoding="utf-8"?>
+<ds:datastoreItem xmlns:ds="http://schemas.openxmlformats.org/officeDocument/2006/customXml" ds:itemID="{BD5826B4-4DD2-4A9B-8D6D-E91CF9C2316C}">
+  <ds:schemaRefs>
+    <ds:schemaRef ds:uri="http://schemas.microsoft.com/sharepoint/v3/contenttype/forms"/>
+  </ds:schemaRefs>
+</ds:datastoreItem>
+</file>
+
+<file path=customXml/itemProps3.xml><?xml version="1.0" encoding="utf-8"?>
 <ds:datastoreItem xmlns:ds="http://schemas.openxmlformats.org/officeDocument/2006/customXml" ds:itemID="{4DC6F004-8F9D-4F40-8394-6C4C67F70915}">
   <ds:schemaRefs>
     <ds:schemaRef ds:uri="http://schemas.microsoft.com/office/2006/metadata/contentType"/>
@@ -17602,14 +18764,6 @@
 </ds:datastoreItem>
 </file>
 
-<file path=customXml/itemProps3.xml><?xml version="1.0" encoding="utf-8"?>
-<ds:datastoreItem xmlns:ds="http://schemas.openxmlformats.org/officeDocument/2006/customXml" ds:itemID="{BD5826B4-4DD2-4A9B-8D6D-E91CF9C2316C}">
-  <ds:schemaRefs>
-    <ds:schemaRef ds:uri="http://schemas.microsoft.com/sharepoint/v3/contenttype/forms"/>
-  </ds:schemaRefs>
-</ds:datastoreItem>
-</file>
-
 <file path=docMetadata/LabelInfo.xml><?xml version="1.0" encoding="utf-8"?>
 <clbl:labelList xmlns:clbl="http://schemas.microsoft.com/office/2020/mipLabelMetadata">
   <clbl:label id="{f42aa342-8706-4288-bd11-ebb85995028c}" enabled="1" method="Standard" siteId="{72f988bf-86f1-41af-91ab-2d7cd011db47}" removed="0"/>

--- a/Presentation.pptx
+++ b/Presentation.pptx
@@ -4101,7 +4101,7 @@
           <a:p>
             <a:fld id="{B56F32FC-4BD9-442A-A8C6-51598C909FE3}" type="datetimeFigureOut">
               <a:rPr lang="en-US" smtClean="0"/>
-              <a:t>2/11/23</a:t>
+              <a:t>2/12/23</a:t>
             </a:fld>
             <a:endParaRPr lang="en-US" dirty="0"/>
           </a:p>
@@ -4278,7 +4278,7 @@
           <a:p>
             <a:fld id="{056371FA-A98D-41E8-93F4-09945841298A}" type="datetimeFigureOut">
               <a:rPr lang="en-US" smtClean="0"/>
-              <a:t>2/11/23</a:t>
+              <a:t>2/12/23</a:t>
             </a:fld>
             <a:endParaRPr lang="en-US" dirty="0"/>
           </a:p>
@@ -4762,6 +4762,20 @@
               <a:t>I really want to highlight Candida solved our looping list for multiple pages of data; I am not sure other would have to have done that. </a:t>
             </a:r>
           </a:p>
+          <a:p>
+            <a:endParaRPr lang="en-US" dirty="0"/>
+          </a:p>
+          <a:p>
+            <a:r>
+              <a:rPr lang="en-US" dirty="0"/>
+              <a:t>We had over 800K+ lines of data to pull through; we selected 100 pages </a:t>
+            </a:r>
+            <a:r>
+              <a:rPr lang="en-US"/>
+              <a:t>resulting in 2000 games</a:t>
+            </a:r>
+            <a:endParaRPr lang="en-US" dirty="0"/>
+          </a:p>
         </p:txBody>
       </p:sp>
       <p:sp>
@@ -4844,37 +4858,7 @@
           <a:bodyPr/>
           <a:lstStyle/>
           <a:p>
-            <a:r>
-              <a:rPr lang="en-US" dirty="0"/>
-              <a:t>We are not adding images just yet until we decide on how many data points we really want to look at. </a:t>
-            </a:r>
-          </a:p>
-          <a:p>
             <a:endParaRPr lang="en-US" dirty="0"/>
-          </a:p>
-          <a:p>
-            <a:r>
-              <a:rPr lang="en-US" dirty="0"/>
-              <a:t>Rachel = 2500</a:t>
-            </a:r>
-          </a:p>
-          <a:p>
-            <a:r>
-              <a:rPr lang="en-US" dirty="0"/>
-              <a:t>Candida = ?</a:t>
-            </a:r>
-          </a:p>
-          <a:p>
-            <a:r>
-              <a:rPr lang="en-US" dirty="0"/>
-              <a:t>Chris = ?</a:t>
-            </a:r>
-          </a:p>
-          <a:p>
-            <a:r>
-              <a:rPr lang="en-US" dirty="0"/>
-              <a:t>Max = ?</a:t>
-            </a:r>
           </a:p>
         </p:txBody>
       </p:sp>
@@ -18420,34 +18404,6 @@
 </file>
 
 <file path=customXml/item1.xml><?xml version="1.0" encoding="utf-8"?>
-<p:properties xmlns:p="http://schemas.microsoft.com/office/2006/metadata/properties" xmlns:xsi="http://www.w3.org/2001/XMLSchema-instance" xmlns:pc="http://schemas.microsoft.com/office/infopath/2007/PartnerControls">
-  <documentManagement>
-    <_ip_UnifiedCompliancePolicyUIAction xmlns="http://schemas.microsoft.com/sharepoint/v3" xsi:nil="true"/>
-    <Image xmlns="71af3243-3dd4-4a8d-8c0d-dd76da1f02a5">
-      <Url xsi:nil="true"/>
-      <Description xsi:nil="true"/>
-    </Image>
-    <Status xmlns="71af3243-3dd4-4a8d-8c0d-dd76da1f02a5">Not started</Status>
-    <_ip_UnifiedCompliancePolicyProperties xmlns="http://schemas.microsoft.com/sharepoint/v3" xsi:nil="true"/>
-    <ImageTagsTaxHTField xmlns="71af3243-3dd4-4a8d-8c0d-dd76da1f02a5">
-      <Terms xmlns="http://schemas.microsoft.com/office/infopath/2007/PartnerControls"/>
-    </ImageTagsTaxHTField>
-    <TaxCatchAll xmlns="230e9df3-be65-4c73-a93b-d1236ebd677e"/>
-    <MediaServiceKeyPoints xmlns="71af3243-3dd4-4a8d-8c0d-dd76da1f02a5" xsi:nil="true"/>
-  </documentManagement>
-</p:properties>
-</file>
-
-<file path=customXml/item2.xml><?xml version="1.0" encoding="utf-8"?>
-<?mso-contentType ?>
-<FormTemplates xmlns="http://schemas.microsoft.com/sharepoint/v3/contenttype/forms">
-  <Display>DocumentLibraryForm</Display>
-  <Edit>DocumentLibraryForm</Edit>
-  <New>DocumentLibraryForm</New>
-</FormTemplates>
-</file>
-
-<file path=customXml/item3.xml><?xml version="1.0" encoding="utf-8"?>
 <ct:contentTypeSchema xmlns:ct="http://schemas.microsoft.com/office/2006/metadata/contentType" xmlns:ma="http://schemas.microsoft.com/office/2006/metadata/properties/metaAttributes" ct:_="" ma:_="" ma:contentTypeName="Document" ma:contentTypeID="0x01010079F111ED35F8CC479449609E8A0923A6" ma:contentTypeVersion="20" ma:contentTypeDescription="Create a new document." ma:contentTypeScope="" ma:versionID="1267097ee5f5874adfcc408041ae252e">
   <xsd:schema xmlns:xsd="http://www.w3.org/2001/XMLSchema" xmlns:xs="http://www.w3.org/2001/XMLSchema" xmlns:p="http://schemas.microsoft.com/office/2006/metadata/properties" xmlns:ns1="http://schemas.microsoft.com/sharepoint/v3" xmlns:ns2="71af3243-3dd4-4a8d-8c0d-dd76da1f02a5" xmlns:ns3="16c05727-aa75-4e4a-9b5f-8a80a1165891" xmlns:ns4="230e9df3-be65-4c73-a93b-d1236ebd677e" targetNamespace="http://schemas.microsoft.com/office/2006/metadata/properties" ma:root="true" ma:fieldsID="395891a93df65b14727750f2c06c306c" ns1:_="" ns2:_="" ns3:_="" ns4:_="">
     <xsd:import namespace="http://schemas.microsoft.com/sharepoint/v3"/>
@@ -18723,27 +18679,35 @@
 </ct:contentTypeSchema>
 </file>
 
-<file path=customXml/itemProps1.xml><?xml version="1.0" encoding="utf-8"?>
-<ds:datastoreItem xmlns:ds="http://schemas.openxmlformats.org/officeDocument/2006/customXml" ds:itemID="{4CC7F809-A434-4A8D-A127-1C50C2DB3890}">
-  <ds:schemaRefs>
-    <ds:schemaRef ds:uri="http://schemas.microsoft.com/office/2006/metadata/properties"/>
-    <ds:schemaRef ds:uri="http://schemas.microsoft.com/office/infopath/2007/PartnerControls"/>
-    <ds:schemaRef ds:uri="http://schemas.microsoft.com/sharepoint/v3"/>
-    <ds:schemaRef ds:uri="71af3243-3dd4-4a8d-8c0d-dd76da1f02a5"/>
-    <ds:schemaRef ds:uri="230e9df3-be65-4c73-a93b-d1236ebd677e"/>
-  </ds:schemaRefs>
-</ds:datastoreItem>
+<file path=customXml/item2.xml><?xml version="1.0" encoding="utf-8"?>
+<?mso-contentType ?>
+<FormTemplates xmlns="http://schemas.microsoft.com/sharepoint/v3/contenttype/forms">
+  <Display>DocumentLibraryForm</Display>
+  <Edit>DocumentLibraryForm</Edit>
+  <New>DocumentLibraryForm</New>
+</FormTemplates>
 </file>
 
-<file path=customXml/itemProps2.xml><?xml version="1.0" encoding="utf-8"?>
-<ds:datastoreItem xmlns:ds="http://schemas.openxmlformats.org/officeDocument/2006/customXml" ds:itemID="{BD5826B4-4DD2-4A9B-8D6D-E91CF9C2316C}">
-  <ds:schemaRefs>
-    <ds:schemaRef ds:uri="http://schemas.microsoft.com/sharepoint/v3/contenttype/forms"/>
-  </ds:schemaRefs>
-</ds:datastoreItem>
+<file path=customXml/item3.xml><?xml version="1.0" encoding="utf-8"?>
+<p:properties xmlns:p="http://schemas.microsoft.com/office/2006/metadata/properties" xmlns:xsi="http://www.w3.org/2001/XMLSchema-instance" xmlns:pc="http://schemas.microsoft.com/office/infopath/2007/PartnerControls">
+  <documentManagement>
+    <_ip_UnifiedCompliancePolicyUIAction xmlns="http://schemas.microsoft.com/sharepoint/v3" xsi:nil="true"/>
+    <Image xmlns="71af3243-3dd4-4a8d-8c0d-dd76da1f02a5">
+      <Url xsi:nil="true"/>
+      <Description xsi:nil="true"/>
+    </Image>
+    <Status xmlns="71af3243-3dd4-4a8d-8c0d-dd76da1f02a5">Not started</Status>
+    <_ip_UnifiedCompliancePolicyProperties xmlns="http://schemas.microsoft.com/sharepoint/v3" xsi:nil="true"/>
+    <ImageTagsTaxHTField xmlns="71af3243-3dd4-4a8d-8c0d-dd76da1f02a5">
+      <Terms xmlns="http://schemas.microsoft.com/office/infopath/2007/PartnerControls"/>
+    </ImageTagsTaxHTField>
+    <TaxCatchAll xmlns="230e9df3-be65-4c73-a93b-d1236ebd677e"/>
+    <MediaServiceKeyPoints xmlns="71af3243-3dd4-4a8d-8c0d-dd76da1f02a5" xsi:nil="true"/>
+  </documentManagement>
+</p:properties>
 </file>
 
-<file path=customXml/itemProps3.xml><?xml version="1.0" encoding="utf-8"?>
+<file path=customXml/itemProps1.xml><?xml version="1.0" encoding="utf-8"?>
 <ds:datastoreItem xmlns:ds="http://schemas.openxmlformats.org/officeDocument/2006/customXml" ds:itemID="{4DC6F004-8F9D-4F40-8394-6C4C67F70915}">
   <ds:schemaRefs>
     <ds:schemaRef ds:uri="http://schemas.microsoft.com/office/2006/metadata/contentType"/>
@@ -18764,6 +18728,26 @@
 </ds:datastoreItem>
 </file>
 
+<file path=customXml/itemProps2.xml><?xml version="1.0" encoding="utf-8"?>
+<ds:datastoreItem xmlns:ds="http://schemas.openxmlformats.org/officeDocument/2006/customXml" ds:itemID="{BD5826B4-4DD2-4A9B-8D6D-E91CF9C2316C}">
+  <ds:schemaRefs>
+    <ds:schemaRef ds:uri="http://schemas.microsoft.com/sharepoint/v3/contenttype/forms"/>
+  </ds:schemaRefs>
+</ds:datastoreItem>
+</file>
+
+<file path=customXml/itemProps3.xml><?xml version="1.0" encoding="utf-8"?>
+<ds:datastoreItem xmlns:ds="http://schemas.openxmlformats.org/officeDocument/2006/customXml" ds:itemID="{4CC7F809-A434-4A8D-A127-1C50C2DB3890}">
+  <ds:schemaRefs>
+    <ds:schemaRef ds:uri="http://schemas.microsoft.com/office/2006/metadata/properties"/>
+    <ds:schemaRef ds:uri="http://schemas.microsoft.com/office/infopath/2007/PartnerControls"/>
+    <ds:schemaRef ds:uri="http://schemas.microsoft.com/sharepoint/v3"/>
+    <ds:schemaRef ds:uri="71af3243-3dd4-4a8d-8c0d-dd76da1f02a5"/>
+    <ds:schemaRef ds:uri="230e9df3-be65-4c73-a93b-d1236ebd677e"/>
+  </ds:schemaRefs>
+</ds:datastoreItem>
+</file>
+
 <file path=docMetadata/LabelInfo.xml><?xml version="1.0" encoding="utf-8"?>
 <clbl:labelList xmlns:clbl="http://schemas.microsoft.com/office/2020/mipLabelMetadata">
   <clbl:label id="{f42aa342-8706-4288-bd11-ebb85995028c}" enabled="1" method="Standard" siteId="{72f988bf-86f1-41af-91ab-2d7cd011db47}" removed="0"/>
